--- a/Figures/make_map_figure.pptx
+++ b/Figures/make_map_figure.pptx
@@ -104,6 +104,11 @@
       </a:defRPr>
     </a:lvl9pPr>
   </p:defaultTextStyle>
+  <p:extLst>
+    <p:ext uri="{EFAFB233-063F-42B5-8137-9DF3F51BA10A}">
+      <p15:sldGuideLst xmlns:p15="http://schemas.microsoft.com/office/powerpoint/2012/main"/>
+    </p:ext>
+  </p:extLst>
 </p:presentation>
 </file>
 
@@ -254,7 +259,7 @@
           <a:p>
             <a:fld id="{6B6CC2A7-A866-42C2-A27A-50AEF0DF511B}" type="datetimeFigureOut">
               <a:rPr lang="en-US" smtClean="0"/>
-              <a:t>5/11/2021</a:t>
+              <a:t>7/5/2021</a:t>
             </a:fld>
             <a:endParaRPr lang="en-US"/>
           </a:p>
@@ -452,7 +457,7 @@
           <a:p>
             <a:fld id="{6B6CC2A7-A866-42C2-A27A-50AEF0DF511B}" type="datetimeFigureOut">
               <a:rPr lang="en-US" smtClean="0"/>
-              <a:t>5/11/2021</a:t>
+              <a:t>7/5/2021</a:t>
             </a:fld>
             <a:endParaRPr lang="en-US"/>
           </a:p>
@@ -660,7 +665,7 @@
           <a:p>
             <a:fld id="{6B6CC2A7-A866-42C2-A27A-50AEF0DF511B}" type="datetimeFigureOut">
               <a:rPr lang="en-US" smtClean="0"/>
-              <a:t>5/11/2021</a:t>
+              <a:t>7/5/2021</a:t>
             </a:fld>
             <a:endParaRPr lang="en-US"/>
           </a:p>
@@ -858,7 +863,7 @@
           <a:p>
             <a:fld id="{6B6CC2A7-A866-42C2-A27A-50AEF0DF511B}" type="datetimeFigureOut">
               <a:rPr lang="en-US" smtClean="0"/>
-              <a:t>5/11/2021</a:t>
+              <a:t>7/5/2021</a:t>
             </a:fld>
             <a:endParaRPr lang="en-US"/>
           </a:p>
@@ -1133,7 +1138,7 @@
           <a:p>
             <a:fld id="{6B6CC2A7-A866-42C2-A27A-50AEF0DF511B}" type="datetimeFigureOut">
               <a:rPr lang="en-US" smtClean="0"/>
-              <a:t>5/11/2021</a:t>
+              <a:t>7/5/2021</a:t>
             </a:fld>
             <a:endParaRPr lang="en-US"/>
           </a:p>
@@ -1398,7 +1403,7 @@
           <a:p>
             <a:fld id="{6B6CC2A7-A866-42C2-A27A-50AEF0DF511B}" type="datetimeFigureOut">
               <a:rPr lang="en-US" smtClean="0"/>
-              <a:t>5/11/2021</a:t>
+              <a:t>7/5/2021</a:t>
             </a:fld>
             <a:endParaRPr lang="en-US"/>
           </a:p>
@@ -1810,7 +1815,7 @@
           <a:p>
             <a:fld id="{6B6CC2A7-A866-42C2-A27A-50AEF0DF511B}" type="datetimeFigureOut">
               <a:rPr lang="en-US" smtClean="0"/>
-              <a:t>5/11/2021</a:t>
+              <a:t>7/5/2021</a:t>
             </a:fld>
             <a:endParaRPr lang="en-US"/>
           </a:p>
@@ -1951,7 +1956,7 @@
           <a:p>
             <a:fld id="{6B6CC2A7-A866-42C2-A27A-50AEF0DF511B}" type="datetimeFigureOut">
               <a:rPr lang="en-US" smtClean="0"/>
-              <a:t>5/11/2021</a:t>
+              <a:t>7/5/2021</a:t>
             </a:fld>
             <a:endParaRPr lang="en-US"/>
           </a:p>
@@ -2064,7 +2069,7 @@
           <a:p>
             <a:fld id="{6B6CC2A7-A866-42C2-A27A-50AEF0DF511B}" type="datetimeFigureOut">
               <a:rPr lang="en-US" smtClean="0"/>
-              <a:t>5/11/2021</a:t>
+              <a:t>7/5/2021</a:t>
             </a:fld>
             <a:endParaRPr lang="en-US"/>
           </a:p>
@@ -2375,7 +2380,7 @@
           <a:p>
             <a:fld id="{6B6CC2A7-A866-42C2-A27A-50AEF0DF511B}" type="datetimeFigureOut">
               <a:rPr lang="en-US" smtClean="0"/>
-              <a:t>5/11/2021</a:t>
+              <a:t>7/5/2021</a:t>
             </a:fld>
             <a:endParaRPr lang="en-US"/>
           </a:p>
@@ -2663,7 +2668,7 @@
           <a:p>
             <a:fld id="{6B6CC2A7-A866-42C2-A27A-50AEF0DF511B}" type="datetimeFigureOut">
               <a:rPr lang="en-US" smtClean="0"/>
-              <a:t>5/11/2021</a:t>
+              <a:t>7/5/2021</a:t>
             </a:fld>
             <a:endParaRPr lang="en-US"/>
           </a:p>
@@ -2904,7 +2909,7 @@
           <a:p>
             <a:fld id="{6B6CC2A7-A866-42C2-A27A-50AEF0DF511B}" type="datetimeFigureOut">
               <a:rPr lang="en-US" smtClean="0"/>
-              <a:t>5/11/2021</a:t>
+              <a:t>7/5/2021</a:t>
             </a:fld>
             <a:endParaRPr lang="en-US"/>
           </a:p>
@@ -3627,10 +3632,10 @@
       </p:grpSp>
       <p:pic>
         <p:nvPicPr>
-          <p:cNvPr id="22" name="Picture 21">
-            <a:extLst>
-              <a:ext uri="{FF2B5EF4-FFF2-40B4-BE49-F238E27FC236}">
-                <a16:creationId xmlns:a16="http://schemas.microsoft.com/office/drawing/2014/main" id="{E0A89AAB-E4C7-44F0-9ECB-A882ED4482FA}"/>
+          <p:cNvPr id="3" name="Picture 2">
+            <a:extLst>
+              <a:ext uri="{FF2B5EF4-FFF2-40B4-BE49-F238E27FC236}">
+                <a16:creationId xmlns:a16="http://schemas.microsoft.com/office/drawing/2014/main" id="{A1CAF3BD-186F-490F-AC45-0580481FE37F}"/>
               </a:ext>
             </a:extLst>
           </p:cNvPr>
@@ -3653,8 +3658,8 @@
         </p:blipFill>
         <p:spPr>
           <a:xfrm>
-            <a:off x="3048112" y="4378033"/>
-            <a:ext cx="5579925" cy="2479967"/>
+            <a:off x="3048113" y="4383629"/>
+            <a:ext cx="5544983" cy="2464437"/>
           </a:xfrm>
           <a:prstGeom prst="rect">
             <a:avLst/>

--- a/Figures/make_map_figure.pptx
+++ b/Figures/make_map_figure.pptx
@@ -2,18 +2,18 @@
 <file path=ppt/presentation.xml><?xml version="1.0" encoding="utf-8"?>
 <p:presentation xmlns:a="http://schemas.openxmlformats.org/drawingml/2006/main" xmlns:r="http://schemas.openxmlformats.org/officeDocument/2006/relationships" xmlns:p="http://schemas.openxmlformats.org/presentationml/2006/main" saveSubsetFonts="1">
   <p:sldMasterIdLst>
-    <p:sldMasterId id="2147483648" r:id="rId1"/>
+    <p:sldMasterId id="2147483660" r:id="rId1"/>
   </p:sldMasterIdLst>
   <p:sldIdLst>
     <p:sldId id="256" r:id="rId2"/>
   </p:sldIdLst>
-  <p:sldSz cx="12192000" cy="6858000"/>
+  <p:sldSz cx="5715000" cy="6858000"/>
   <p:notesSz cx="6858000" cy="9144000"/>
   <p:defaultTextStyle>
     <a:defPPr>
       <a:defRPr lang="en-US"/>
     </a:defPPr>
-    <a:lvl1pPr marL="0" algn="l" defTabSz="914400" rtl="0" eaLnBrk="1" latinLnBrk="0" hangingPunct="1">
+    <a:lvl1pPr marL="0" algn="l" defTabSz="457200" rtl="0" eaLnBrk="1" latinLnBrk="0" hangingPunct="1">
       <a:defRPr sz="1800" kern="1200">
         <a:solidFill>
           <a:schemeClr val="tx1"/>
@@ -23,7 +23,7 @@
         <a:cs typeface="+mn-cs"/>
       </a:defRPr>
     </a:lvl1pPr>
-    <a:lvl2pPr marL="457200" algn="l" defTabSz="914400" rtl="0" eaLnBrk="1" latinLnBrk="0" hangingPunct="1">
+    <a:lvl2pPr marL="457200" algn="l" defTabSz="457200" rtl="0" eaLnBrk="1" latinLnBrk="0" hangingPunct="1">
       <a:defRPr sz="1800" kern="1200">
         <a:solidFill>
           <a:schemeClr val="tx1"/>
@@ -33,7 +33,7 @@
         <a:cs typeface="+mn-cs"/>
       </a:defRPr>
     </a:lvl2pPr>
-    <a:lvl3pPr marL="914400" algn="l" defTabSz="914400" rtl="0" eaLnBrk="1" latinLnBrk="0" hangingPunct="1">
+    <a:lvl3pPr marL="914400" algn="l" defTabSz="457200" rtl="0" eaLnBrk="1" latinLnBrk="0" hangingPunct="1">
       <a:defRPr sz="1800" kern="1200">
         <a:solidFill>
           <a:schemeClr val="tx1"/>
@@ -43,7 +43,7 @@
         <a:cs typeface="+mn-cs"/>
       </a:defRPr>
     </a:lvl3pPr>
-    <a:lvl4pPr marL="1371600" algn="l" defTabSz="914400" rtl="0" eaLnBrk="1" latinLnBrk="0" hangingPunct="1">
+    <a:lvl4pPr marL="1371600" algn="l" defTabSz="457200" rtl="0" eaLnBrk="1" latinLnBrk="0" hangingPunct="1">
       <a:defRPr sz="1800" kern="1200">
         <a:solidFill>
           <a:schemeClr val="tx1"/>
@@ -53,7 +53,7 @@
         <a:cs typeface="+mn-cs"/>
       </a:defRPr>
     </a:lvl4pPr>
-    <a:lvl5pPr marL="1828800" algn="l" defTabSz="914400" rtl="0" eaLnBrk="1" latinLnBrk="0" hangingPunct="1">
+    <a:lvl5pPr marL="1828800" algn="l" defTabSz="457200" rtl="0" eaLnBrk="1" latinLnBrk="0" hangingPunct="1">
       <a:defRPr sz="1800" kern="1200">
         <a:solidFill>
           <a:schemeClr val="tx1"/>
@@ -63,7 +63,7 @@
         <a:cs typeface="+mn-cs"/>
       </a:defRPr>
     </a:lvl5pPr>
-    <a:lvl6pPr marL="2286000" algn="l" defTabSz="914400" rtl="0" eaLnBrk="1" latinLnBrk="0" hangingPunct="1">
+    <a:lvl6pPr marL="2286000" algn="l" defTabSz="457200" rtl="0" eaLnBrk="1" latinLnBrk="0" hangingPunct="1">
       <a:defRPr sz="1800" kern="1200">
         <a:solidFill>
           <a:schemeClr val="tx1"/>
@@ -73,7 +73,7 @@
         <a:cs typeface="+mn-cs"/>
       </a:defRPr>
     </a:lvl6pPr>
-    <a:lvl7pPr marL="2743200" algn="l" defTabSz="914400" rtl="0" eaLnBrk="1" latinLnBrk="0" hangingPunct="1">
+    <a:lvl7pPr marL="2743200" algn="l" defTabSz="457200" rtl="0" eaLnBrk="1" latinLnBrk="0" hangingPunct="1">
       <a:defRPr sz="1800" kern="1200">
         <a:solidFill>
           <a:schemeClr val="tx1"/>
@@ -83,7 +83,7 @@
         <a:cs typeface="+mn-cs"/>
       </a:defRPr>
     </a:lvl7pPr>
-    <a:lvl8pPr marL="3200400" algn="l" defTabSz="914400" rtl="0" eaLnBrk="1" latinLnBrk="0" hangingPunct="1">
+    <a:lvl8pPr marL="3200400" algn="l" defTabSz="457200" rtl="0" eaLnBrk="1" latinLnBrk="0" hangingPunct="1">
       <a:defRPr sz="1800" kern="1200">
         <a:solidFill>
           <a:schemeClr val="tx1"/>
@@ -93,7 +93,7 @@
         <a:cs typeface="+mn-cs"/>
       </a:defRPr>
     </a:lvl8pPr>
-    <a:lvl9pPr marL="3657600" algn="l" defTabSz="914400" rtl="0" eaLnBrk="1" latinLnBrk="0" hangingPunct="1">
+    <a:lvl9pPr marL="3657600" algn="l" defTabSz="457200" rtl="0" eaLnBrk="1" latinLnBrk="0" hangingPunct="1">
       <a:defRPr sz="1800" kern="1200">
         <a:solidFill>
           <a:schemeClr val="tx1"/>
@@ -131,13 +131,7 @@
       </p:grpSpPr>
       <p:sp>
         <p:nvSpPr>
-          <p:cNvPr id="2" name="Title 1">
-            <a:extLst>
-              <a:ext uri="{FF2B5EF4-FFF2-40B4-BE49-F238E27FC236}">
-                <a16:creationId xmlns:a16="http://schemas.microsoft.com/office/drawing/2014/main" id="{7E1357EA-AD4B-48C1-A892-088C9EEAB3F4}"/>
-              </a:ext>
-            </a:extLst>
-          </p:cNvPr>
+          <p:cNvPr id="2" name="Title 1"/>
           <p:cNvSpPr>
             <a:spLocks noGrp="1"/>
           </p:cNvSpPr>
@@ -147,15 +141,15 @@
         </p:nvSpPr>
         <p:spPr>
           <a:xfrm>
-            <a:off x="1524000" y="1122363"/>
-            <a:ext cx="9144000" cy="2387600"/>
+            <a:off x="428625" y="1122363"/>
+            <a:ext cx="4857750" cy="2387600"/>
           </a:xfrm>
         </p:spPr>
         <p:txBody>
           <a:bodyPr anchor="b"/>
           <a:lstStyle>
             <a:lvl1pPr algn="ctr">
-              <a:defRPr sz="6000"/>
+              <a:defRPr sz="3750"/>
             </a:lvl1pPr>
           </a:lstStyle>
           <a:p>
@@ -163,18 +157,13 @@
               <a:rPr lang="en-US"/>
               <a:t>Click to edit Master title style</a:t>
             </a:r>
-          </a:p>
-        </p:txBody>
-      </p:sp>
-      <p:sp>
-        <p:nvSpPr>
-          <p:cNvPr id="3" name="Subtitle 2">
-            <a:extLst>
-              <a:ext uri="{FF2B5EF4-FFF2-40B4-BE49-F238E27FC236}">
-                <a16:creationId xmlns:a16="http://schemas.microsoft.com/office/drawing/2014/main" id="{C0F3E09B-92A6-407C-8AB4-EFD323854256}"/>
-              </a:ext>
-            </a:extLst>
-          </p:cNvPr>
+            <a:endParaRPr lang="en-US" dirty="0"/>
+          </a:p>
+        </p:txBody>
+      </p:sp>
+      <p:sp>
+        <p:nvSpPr>
+          <p:cNvPr id="3" name="Subtitle 2"/>
           <p:cNvSpPr>
             <a:spLocks noGrp="1"/>
           </p:cNvSpPr>
@@ -184,8 +173,8 @@
         </p:nvSpPr>
         <p:spPr>
           <a:xfrm>
-            <a:off x="1524000" y="3602038"/>
-            <a:ext cx="9144000" cy="1655762"/>
+            <a:off x="714375" y="3602038"/>
+            <a:ext cx="4286250" cy="1655762"/>
           </a:xfrm>
         </p:spPr>
         <p:txBody>
@@ -193,39 +182,39 @@
           <a:lstStyle>
             <a:lvl1pPr marL="0" indent="0" algn="ctr">
               <a:buNone/>
-              <a:defRPr sz="2400"/>
+              <a:defRPr sz="1500"/>
             </a:lvl1pPr>
-            <a:lvl2pPr marL="457200" indent="0" algn="ctr">
-              <a:buNone/>
-              <a:defRPr sz="2000"/>
+            <a:lvl2pPr marL="285750" indent="0" algn="ctr">
+              <a:buNone/>
+              <a:defRPr sz="1250"/>
             </a:lvl2pPr>
-            <a:lvl3pPr marL="914400" indent="0" algn="ctr">
-              <a:buNone/>
-              <a:defRPr sz="1800"/>
+            <a:lvl3pPr marL="571500" indent="0" algn="ctr">
+              <a:buNone/>
+              <a:defRPr sz="1125"/>
             </a:lvl3pPr>
-            <a:lvl4pPr marL="1371600" indent="0" algn="ctr">
-              <a:buNone/>
-              <a:defRPr sz="1600"/>
+            <a:lvl4pPr marL="857250" indent="0" algn="ctr">
+              <a:buNone/>
+              <a:defRPr sz="1000"/>
             </a:lvl4pPr>
-            <a:lvl5pPr marL="1828800" indent="0" algn="ctr">
-              <a:buNone/>
-              <a:defRPr sz="1600"/>
+            <a:lvl5pPr marL="1143000" indent="0" algn="ctr">
+              <a:buNone/>
+              <a:defRPr sz="1000"/>
             </a:lvl5pPr>
-            <a:lvl6pPr marL="2286000" indent="0" algn="ctr">
-              <a:buNone/>
-              <a:defRPr sz="1600"/>
+            <a:lvl6pPr marL="1428750" indent="0" algn="ctr">
+              <a:buNone/>
+              <a:defRPr sz="1000"/>
             </a:lvl6pPr>
-            <a:lvl7pPr marL="2743200" indent="0" algn="ctr">
-              <a:buNone/>
-              <a:defRPr sz="1600"/>
+            <a:lvl7pPr marL="1714500" indent="0" algn="ctr">
+              <a:buNone/>
+              <a:defRPr sz="1000"/>
             </a:lvl7pPr>
-            <a:lvl8pPr marL="3200400" indent="0" algn="ctr">
-              <a:buNone/>
-              <a:defRPr sz="1600"/>
+            <a:lvl8pPr marL="2000250" indent="0" algn="ctr">
+              <a:buNone/>
+              <a:defRPr sz="1000"/>
             </a:lvl8pPr>
-            <a:lvl9pPr marL="3657600" indent="0" algn="ctr">
-              <a:buNone/>
-              <a:defRPr sz="1600"/>
+            <a:lvl9pPr marL="2286000" indent="0" algn="ctr">
+              <a:buNone/>
+              <a:defRPr sz="1000"/>
             </a:lvl9pPr>
           </a:lstStyle>
           <a:p>
@@ -233,18 +222,13 @@
               <a:rPr lang="en-US"/>
               <a:t>Click to edit Master subtitle style</a:t>
             </a:r>
-          </a:p>
-        </p:txBody>
-      </p:sp>
-      <p:sp>
-        <p:nvSpPr>
-          <p:cNvPr id="4" name="Date Placeholder 3">
-            <a:extLst>
-              <a:ext uri="{FF2B5EF4-FFF2-40B4-BE49-F238E27FC236}">
-                <a16:creationId xmlns:a16="http://schemas.microsoft.com/office/drawing/2014/main" id="{1F1613AE-4E65-4A74-BCB9-225DDD731B4E}"/>
-              </a:ext>
-            </a:extLst>
-          </p:cNvPr>
+            <a:endParaRPr lang="en-US" dirty="0"/>
+          </a:p>
+        </p:txBody>
+      </p:sp>
+      <p:sp>
+        <p:nvSpPr>
+          <p:cNvPr id="4" name="Date Placeholder 3"/>
           <p:cNvSpPr>
             <a:spLocks noGrp="1"/>
           </p:cNvSpPr>
@@ -259,7 +243,7 @@
           <a:p>
             <a:fld id="{6B6CC2A7-A866-42C2-A27A-50AEF0DF511B}" type="datetimeFigureOut">
               <a:rPr lang="en-US" smtClean="0"/>
-              <a:t>7/5/2021</a:t>
+              <a:t>9/20/2021</a:t>
             </a:fld>
             <a:endParaRPr lang="en-US"/>
           </a:p>
@@ -267,13 +251,7 @@
       </p:sp>
       <p:sp>
         <p:nvSpPr>
-          <p:cNvPr id="5" name="Footer Placeholder 4">
-            <a:extLst>
-              <a:ext uri="{FF2B5EF4-FFF2-40B4-BE49-F238E27FC236}">
-                <a16:creationId xmlns:a16="http://schemas.microsoft.com/office/drawing/2014/main" id="{7C6E63FE-453B-4917-81EC-3E103E491A4C}"/>
-              </a:ext>
-            </a:extLst>
-          </p:cNvPr>
+          <p:cNvPr id="5" name="Footer Placeholder 4"/>
           <p:cNvSpPr>
             <a:spLocks noGrp="1"/>
           </p:cNvSpPr>
@@ -292,13 +270,7 @@
       </p:sp>
       <p:sp>
         <p:nvSpPr>
-          <p:cNvPr id="6" name="Slide Number Placeholder 5">
-            <a:extLst>
-              <a:ext uri="{FF2B5EF4-FFF2-40B4-BE49-F238E27FC236}">
-                <a16:creationId xmlns:a16="http://schemas.microsoft.com/office/drawing/2014/main" id="{F0052ABB-B609-41CA-8558-2FF39FD3864A}"/>
-              </a:ext>
-            </a:extLst>
-          </p:cNvPr>
+          <p:cNvPr id="6" name="Slide Number Placeholder 5"/>
           <p:cNvSpPr>
             <a:spLocks noGrp="1"/>
           </p:cNvSpPr>
@@ -322,7 +294,7 @@
     </p:spTree>
     <p:extLst>
       <p:ext uri="{BB962C8B-B14F-4D97-AF65-F5344CB8AC3E}">
-        <p14:creationId xmlns:p14="http://schemas.microsoft.com/office/powerpoint/2010/main" val="3685894977"/>
+        <p14:creationId xmlns:p14="http://schemas.microsoft.com/office/powerpoint/2010/main" val="703156061"/>
       </p:ext>
     </p:extLst>
   </p:cSld>
@@ -351,13 +323,7 @@
       </p:grpSpPr>
       <p:sp>
         <p:nvSpPr>
-          <p:cNvPr id="2" name="Title 1">
-            <a:extLst>
-              <a:ext uri="{FF2B5EF4-FFF2-40B4-BE49-F238E27FC236}">
-                <a16:creationId xmlns:a16="http://schemas.microsoft.com/office/drawing/2014/main" id="{7B0BF9BD-CAC9-4C28-8366-777C39F211BE}"/>
-              </a:ext>
-            </a:extLst>
-          </p:cNvPr>
+          <p:cNvPr id="2" name="Title 1"/>
           <p:cNvSpPr>
             <a:spLocks noGrp="1"/>
           </p:cNvSpPr>
@@ -374,18 +340,13 @@
               <a:rPr lang="en-US"/>
               <a:t>Click to edit Master title style</a:t>
             </a:r>
-          </a:p>
-        </p:txBody>
-      </p:sp>
-      <p:sp>
-        <p:nvSpPr>
-          <p:cNvPr id="3" name="Vertical Text Placeholder 2">
-            <a:extLst>
-              <a:ext uri="{FF2B5EF4-FFF2-40B4-BE49-F238E27FC236}">
-                <a16:creationId xmlns:a16="http://schemas.microsoft.com/office/drawing/2014/main" id="{11E3EAB5-861D-42D6-A8E8-D3EFC78D0CFA}"/>
-              </a:ext>
-            </a:extLst>
-          </p:cNvPr>
+            <a:endParaRPr lang="en-US" dirty="0"/>
+          </a:p>
+        </p:txBody>
+      </p:sp>
+      <p:sp>
+        <p:nvSpPr>
+          <p:cNvPr id="3" name="Vertical Text Placeholder 2"/>
           <p:cNvSpPr>
             <a:spLocks noGrp="1"/>
           </p:cNvSpPr>
@@ -431,18 +392,13 @@
               <a:rPr lang="en-US"/>
               <a:t>Fifth level</a:t>
             </a:r>
-          </a:p>
-        </p:txBody>
-      </p:sp>
-      <p:sp>
-        <p:nvSpPr>
-          <p:cNvPr id="4" name="Date Placeholder 3">
-            <a:extLst>
-              <a:ext uri="{FF2B5EF4-FFF2-40B4-BE49-F238E27FC236}">
-                <a16:creationId xmlns:a16="http://schemas.microsoft.com/office/drawing/2014/main" id="{C917C63B-6FC4-4391-9E24-DCBDD1231E97}"/>
-              </a:ext>
-            </a:extLst>
-          </p:cNvPr>
+            <a:endParaRPr lang="en-US" dirty="0"/>
+          </a:p>
+        </p:txBody>
+      </p:sp>
+      <p:sp>
+        <p:nvSpPr>
+          <p:cNvPr id="4" name="Date Placeholder 3"/>
           <p:cNvSpPr>
             <a:spLocks noGrp="1"/>
           </p:cNvSpPr>
@@ -457,7 +413,7 @@
           <a:p>
             <a:fld id="{6B6CC2A7-A866-42C2-A27A-50AEF0DF511B}" type="datetimeFigureOut">
               <a:rPr lang="en-US" smtClean="0"/>
-              <a:t>7/5/2021</a:t>
+              <a:t>9/20/2021</a:t>
             </a:fld>
             <a:endParaRPr lang="en-US"/>
           </a:p>
@@ -465,13 +421,7 @@
       </p:sp>
       <p:sp>
         <p:nvSpPr>
-          <p:cNvPr id="5" name="Footer Placeholder 4">
-            <a:extLst>
-              <a:ext uri="{FF2B5EF4-FFF2-40B4-BE49-F238E27FC236}">
-                <a16:creationId xmlns:a16="http://schemas.microsoft.com/office/drawing/2014/main" id="{6FB79CB1-37A2-4B9D-B6F6-8B1454BBF1B3}"/>
-              </a:ext>
-            </a:extLst>
-          </p:cNvPr>
+          <p:cNvPr id="5" name="Footer Placeholder 4"/>
           <p:cNvSpPr>
             <a:spLocks noGrp="1"/>
           </p:cNvSpPr>
@@ -490,13 +440,7 @@
       </p:sp>
       <p:sp>
         <p:nvSpPr>
-          <p:cNvPr id="6" name="Slide Number Placeholder 5">
-            <a:extLst>
-              <a:ext uri="{FF2B5EF4-FFF2-40B4-BE49-F238E27FC236}">
-                <a16:creationId xmlns:a16="http://schemas.microsoft.com/office/drawing/2014/main" id="{115F06A2-D0EE-43F7-849D-D3EDACAB5A72}"/>
-              </a:ext>
-            </a:extLst>
-          </p:cNvPr>
+          <p:cNvPr id="6" name="Slide Number Placeholder 5"/>
           <p:cNvSpPr>
             <a:spLocks noGrp="1"/>
           </p:cNvSpPr>
@@ -520,7 +464,7 @@
     </p:spTree>
     <p:extLst>
       <p:ext uri="{BB962C8B-B14F-4D97-AF65-F5344CB8AC3E}">
-        <p14:creationId xmlns:p14="http://schemas.microsoft.com/office/powerpoint/2010/main" val="2686161344"/>
+        <p14:creationId xmlns:p14="http://schemas.microsoft.com/office/powerpoint/2010/main" val="3752774420"/>
       </p:ext>
     </p:extLst>
   </p:cSld>
@@ -549,13 +493,7 @@
       </p:grpSpPr>
       <p:sp>
         <p:nvSpPr>
-          <p:cNvPr id="2" name="Vertical Title 1">
-            <a:extLst>
-              <a:ext uri="{FF2B5EF4-FFF2-40B4-BE49-F238E27FC236}">
-                <a16:creationId xmlns:a16="http://schemas.microsoft.com/office/drawing/2014/main" id="{151A9AA1-6EB0-4E1C-A3E9-049FD80884BB}"/>
-              </a:ext>
-            </a:extLst>
-          </p:cNvPr>
+          <p:cNvPr id="2" name="Vertical Title 1"/>
           <p:cNvSpPr>
             <a:spLocks noGrp="1"/>
           </p:cNvSpPr>
@@ -565,8 +503,8 @@
         </p:nvSpPr>
         <p:spPr>
           <a:xfrm>
-            <a:off x="8724900" y="365125"/>
-            <a:ext cx="2628900" cy="5811838"/>
+            <a:off x="4089797" y="365125"/>
+            <a:ext cx="1232297" cy="5811838"/>
           </a:xfrm>
         </p:spPr>
         <p:txBody>
@@ -577,18 +515,13 @@
               <a:rPr lang="en-US"/>
               <a:t>Click to edit Master title style</a:t>
             </a:r>
-          </a:p>
-        </p:txBody>
-      </p:sp>
-      <p:sp>
-        <p:nvSpPr>
-          <p:cNvPr id="3" name="Vertical Text Placeholder 2">
-            <a:extLst>
-              <a:ext uri="{FF2B5EF4-FFF2-40B4-BE49-F238E27FC236}">
-                <a16:creationId xmlns:a16="http://schemas.microsoft.com/office/drawing/2014/main" id="{9321C720-EBEA-41DD-B5A1-0619F33D2CF1}"/>
-              </a:ext>
-            </a:extLst>
-          </p:cNvPr>
+            <a:endParaRPr lang="en-US" dirty="0"/>
+          </a:p>
+        </p:txBody>
+      </p:sp>
+      <p:sp>
+        <p:nvSpPr>
+          <p:cNvPr id="3" name="Vertical Text Placeholder 2"/>
           <p:cNvSpPr>
             <a:spLocks noGrp="1"/>
           </p:cNvSpPr>
@@ -598,8 +531,8 @@
         </p:nvSpPr>
         <p:spPr>
           <a:xfrm>
-            <a:off x="838200" y="365125"/>
-            <a:ext cx="7734300" cy="5811838"/>
+            <a:off x="392907" y="365125"/>
+            <a:ext cx="3625453" cy="5811838"/>
           </a:xfrm>
         </p:spPr>
         <p:txBody>
@@ -639,18 +572,13 @@
               <a:rPr lang="en-US"/>
               <a:t>Fifth level</a:t>
             </a:r>
-          </a:p>
-        </p:txBody>
-      </p:sp>
-      <p:sp>
-        <p:nvSpPr>
-          <p:cNvPr id="4" name="Date Placeholder 3">
-            <a:extLst>
-              <a:ext uri="{FF2B5EF4-FFF2-40B4-BE49-F238E27FC236}">
-                <a16:creationId xmlns:a16="http://schemas.microsoft.com/office/drawing/2014/main" id="{9B617B5A-053B-4C0A-A6FE-5A6511F03AFB}"/>
-              </a:ext>
-            </a:extLst>
-          </p:cNvPr>
+            <a:endParaRPr lang="en-US" dirty="0"/>
+          </a:p>
+        </p:txBody>
+      </p:sp>
+      <p:sp>
+        <p:nvSpPr>
+          <p:cNvPr id="4" name="Date Placeholder 3"/>
           <p:cNvSpPr>
             <a:spLocks noGrp="1"/>
           </p:cNvSpPr>
@@ -665,7 +593,7 @@
           <a:p>
             <a:fld id="{6B6CC2A7-A866-42C2-A27A-50AEF0DF511B}" type="datetimeFigureOut">
               <a:rPr lang="en-US" smtClean="0"/>
-              <a:t>7/5/2021</a:t>
+              <a:t>9/20/2021</a:t>
             </a:fld>
             <a:endParaRPr lang="en-US"/>
           </a:p>
@@ -673,13 +601,7 @@
       </p:sp>
       <p:sp>
         <p:nvSpPr>
-          <p:cNvPr id="5" name="Footer Placeholder 4">
-            <a:extLst>
-              <a:ext uri="{FF2B5EF4-FFF2-40B4-BE49-F238E27FC236}">
-                <a16:creationId xmlns:a16="http://schemas.microsoft.com/office/drawing/2014/main" id="{EF8611B9-ECCD-4B78-B51B-1468DC461A71}"/>
-              </a:ext>
-            </a:extLst>
-          </p:cNvPr>
+          <p:cNvPr id="5" name="Footer Placeholder 4"/>
           <p:cNvSpPr>
             <a:spLocks noGrp="1"/>
           </p:cNvSpPr>
@@ -698,13 +620,7 @@
       </p:sp>
       <p:sp>
         <p:nvSpPr>
-          <p:cNvPr id="6" name="Slide Number Placeholder 5">
-            <a:extLst>
-              <a:ext uri="{FF2B5EF4-FFF2-40B4-BE49-F238E27FC236}">
-                <a16:creationId xmlns:a16="http://schemas.microsoft.com/office/drawing/2014/main" id="{747C1852-B79A-4005-B73A-3500FCFA1699}"/>
-              </a:ext>
-            </a:extLst>
-          </p:cNvPr>
+          <p:cNvPr id="6" name="Slide Number Placeholder 5"/>
           <p:cNvSpPr>
             <a:spLocks noGrp="1"/>
           </p:cNvSpPr>
@@ -728,7 +644,7 @@
     </p:spTree>
     <p:extLst>
       <p:ext uri="{BB962C8B-B14F-4D97-AF65-F5344CB8AC3E}">
-        <p14:creationId xmlns:p14="http://schemas.microsoft.com/office/powerpoint/2010/main" val="451672921"/>
+        <p14:creationId xmlns:p14="http://schemas.microsoft.com/office/powerpoint/2010/main" val="1654128126"/>
       </p:ext>
     </p:extLst>
   </p:cSld>
@@ -757,13 +673,7 @@
       </p:grpSpPr>
       <p:sp>
         <p:nvSpPr>
-          <p:cNvPr id="2" name="Title 1">
-            <a:extLst>
-              <a:ext uri="{FF2B5EF4-FFF2-40B4-BE49-F238E27FC236}">
-                <a16:creationId xmlns:a16="http://schemas.microsoft.com/office/drawing/2014/main" id="{4B86AEDC-47B0-49C6-AF94-534900272DD5}"/>
-              </a:ext>
-            </a:extLst>
-          </p:cNvPr>
+          <p:cNvPr id="2" name="Title 1"/>
           <p:cNvSpPr>
             <a:spLocks noGrp="1"/>
           </p:cNvSpPr>
@@ -780,18 +690,13 @@
               <a:rPr lang="en-US"/>
               <a:t>Click to edit Master title style</a:t>
             </a:r>
-          </a:p>
-        </p:txBody>
-      </p:sp>
-      <p:sp>
-        <p:nvSpPr>
-          <p:cNvPr id="3" name="Content Placeholder 2">
-            <a:extLst>
-              <a:ext uri="{FF2B5EF4-FFF2-40B4-BE49-F238E27FC236}">
-                <a16:creationId xmlns:a16="http://schemas.microsoft.com/office/drawing/2014/main" id="{E9A5DD19-D689-4418-AEF8-A642CA38BA67}"/>
-              </a:ext>
-            </a:extLst>
-          </p:cNvPr>
+            <a:endParaRPr lang="en-US" dirty="0"/>
+          </a:p>
+        </p:txBody>
+      </p:sp>
+      <p:sp>
+        <p:nvSpPr>
+          <p:cNvPr id="3" name="Content Placeholder 2"/>
           <p:cNvSpPr>
             <a:spLocks noGrp="1"/>
           </p:cNvSpPr>
@@ -837,18 +742,13 @@
               <a:rPr lang="en-US"/>
               <a:t>Fifth level</a:t>
             </a:r>
-          </a:p>
-        </p:txBody>
-      </p:sp>
-      <p:sp>
-        <p:nvSpPr>
-          <p:cNvPr id="4" name="Date Placeholder 3">
-            <a:extLst>
-              <a:ext uri="{FF2B5EF4-FFF2-40B4-BE49-F238E27FC236}">
-                <a16:creationId xmlns:a16="http://schemas.microsoft.com/office/drawing/2014/main" id="{F7D11F1E-F568-45DB-B632-A77DA9F24DCD}"/>
-              </a:ext>
-            </a:extLst>
-          </p:cNvPr>
+            <a:endParaRPr lang="en-US" dirty="0"/>
+          </a:p>
+        </p:txBody>
+      </p:sp>
+      <p:sp>
+        <p:nvSpPr>
+          <p:cNvPr id="4" name="Date Placeholder 3"/>
           <p:cNvSpPr>
             <a:spLocks noGrp="1"/>
           </p:cNvSpPr>
@@ -863,7 +763,7 @@
           <a:p>
             <a:fld id="{6B6CC2A7-A866-42C2-A27A-50AEF0DF511B}" type="datetimeFigureOut">
               <a:rPr lang="en-US" smtClean="0"/>
-              <a:t>7/5/2021</a:t>
+              <a:t>9/20/2021</a:t>
             </a:fld>
             <a:endParaRPr lang="en-US"/>
           </a:p>
@@ -871,13 +771,7 @@
       </p:sp>
       <p:sp>
         <p:nvSpPr>
-          <p:cNvPr id="5" name="Footer Placeholder 4">
-            <a:extLst>
-              <a:ext uri="{FF2B5EF4-FFF2-40B4-BE49-F238E27FC236}">
-                <a16:creationId xmlns:a16="http://schemas.microsoft.com/office/drawing/2014/main" id="{A3E1CD85-39F1-43C6-8E8C-20382D6F5BB0}"/>
-              </a:ext>
-            </a:extLst>
-          </p:cNvPr>
+          <p:cNvPr id="5" name="Footer Placeholder 4"/>
           <p:cNvSpPr>
             <a:spLocks noGrp="1"/>
           </p:cNvSpPr>
@@ -896,13 +790,7 @@
       </p:sp>
       <p:sp>
         <p:nvSpPr>
-          <p:cNvPr id="6" name="Slide Number Placeholder 5">
-            <a:extLst>
-              <a:ext uri="{FF2B5EF4-FFF2-40B4-BE49-F238E27FC236}">
-                <a16:creationId xmlns:a16="http://schemas.microsoft.com/office/drawing/2014/main" id="{FDBA00EF-F72F-4101-9231-2E846951A2FA}"/>
-              </a:ext>
-            </a:extLst>
-          </p:cNvPr>
+          <p:cNvPr id="6" name="Slide Number Placeholder 5"/>
           <p:cNvSpPr>
             <a:spLocks noGrp="1"/>
           </p:cNvSpPr>
@@ -926,7 +814,7 @@
     </p:spTree>
     <p:extLst>
       <p:ext uri="{BB962C8B-B14F-4D97-AF65-F5344CB8AC3E}">
-        <p14:creationId xmlns:p14="http://schemas.microsoft.com/office/powerpoint/2010/main" val="3251246012"/>
+        <p14:creationId xmlns:p14="http://schemas.microsoft.com/office/powerpoint/2010/main" val="3903950378"/>
       </p:ext>
     </p:extLst>
   </p:cSld>
@@ -955,13 +843,7 @@
       </p:grpSpPr>
       <p:sp>
         <p:nvSpPr>
-          <p:cNvPr id="2" name="Title 1">
-            <a:extLst>
-              <a:ext uri="{FF2B5EF4-FFF2-40B4-BE49-F238E27FC236}">
-                <a16:creationId xmlns:a16="http://schemas.microsoft.com/office/drawing/2014/main" id="{E5A81E18-4740-45D1-8122-298C04B4EB68}"/>
-              </a:ext>
-            </a:extLst>
-          </p:cNvPr>
+          <p:cNvPr id="2" name="Title 1"/>
           <p:cNvSpPr>
             <a:spLocks noGrp="1"/>
           </p:cNvSpPr>
@@ -971,15 +853,15 @@
         </p:nvSpPr>
         <p:spPr>
           <a:xfrm>
-            <a:off x="831850" y="1709738"/>
-            <a:ext cx="10515600" cy="2852737"/>
+            <a:off x="389930" y="1709740"/>
+            <a:ext cx="4929188" cy="2852737"/>
           </a:xfrm>
         </p:spPr>
         <p:txBody>
           <a:bodyPr anchor="b"/>
           <a:lstStyle>
             <a:lvl1pPr>
-              <a:defRPr sz="6000"/>
+              <a:defRPr sz="3750"/>
             </a:lvl1pPr>
           </a:lstStyle>
           <a:p>
@@ -987,18 +869,13 @@
               <a:rPr lang="en-US"/>
               <a:t>Click to edit Master title style</a:t>
             </a:r>
-          </a:p>
-        </p:txBody>
-      </p:sp>
-      <p:sp>
-        <p:nvSpPr>
-          <p:cNvPr id="3" name="Text Placeholder 2">
-            <a:extLst>
-              <a:ext uri="{FF2B5EF4-FFF2-40B4-BE49-F238E27FC236}">
-                <a16:creationId xmlns:a16="http://schemas.microsoft.com/office/drawing/2014/main" id="{6DE28D35-2821-41C1-890B-3B544ACC39DA}"/>
-              </a:ext>
-            </a:extLst>
-          </p:cNvPr>
+            <a:endParaRPr lang="en-US" dirty="0"/>
+          </a:p>
+        </p:txBody>
+      </p:sp>
+      <p:sp>
+        <p:nvSpPr>
+          <p:cNvPr id="3" name="Text Placeholder 2"/>
           <p:cNvSpPr>
             <a:spLocks noGrp="1"/>
           </p:cNvSpPr>
@@ -1008,8 +885,8 @@
         </p:nvSpPr>
         <p:spPr>
           <a:xfrm>
-            <a:off x="831850" y="4589463"/>
-            <a:ext cx="10515600" cy="1500187"/>
+            <a:off x="389930" y="4589465"/>
+            <a:ext cx="4929188" cy="1500187"/>
           </a:xfrm>
         </p:spPr>
         <p:txBody>
@@ -1017,17 +894,15 @@
           <a:lstStyle>
             <a:lvl1pPr marL="0" indent="0">
               <a:buNone/>
-              <a:defRPr sz="2400">
+              <a:defRPr sz="1500">
                 <a:solidFill>
-                  <a:schemeClr val="tx1">
-                    <a:tint val="75000"/>
-                  </a:schemeClr>
+                  <a:schemeClr val="tx1"/>
                 </a:solidFill>
               </a:defRPr>
             </a:lvl1pPr>
-            <a:lvl2pPr marL="457200" indent="0">
-              <a:buNone/>
-              <a:defRPr sz="2000">
+            <a:lvl2pPr marL="285750" indent="0">
+              <a:buNone/>
+              <a:defRPr sz="1250">
                 <a:solidFill>
                   <a:schemeClr val="tx1">
                     <a:tint val="75000"/>
@@ -1035,9 +910,9 @@
                 </a:solidFill>
               </a:defRPr>
             </a:lvl2pPr>
-            <a:lvl3pPr marL="914400" indent="0">
-              <a:buNone/>
-              <a:defRPr sz="1800">
+            <a:lvl3pPr marL="571500" indent="0">
+              <a:buNone/>
+              <a:defRPr sz="1125">
                 <a:solidFill>
                   <a:schemeClr val="tx1">
                     <a:tint val="75000"/>
@@ -1045,9 +920,9 @@
                 </a:solidFill>
               </a:defRPr>
             </a:lvl3pPr>
-            <a:lvl4pPr marL="1371600" indent="0">
-              <a:buNone/>
-              <a:defRPr sz="1600">
+            <a:lvl4pPr marL="857250" indent="0">
+              <a:buNone/>
+              <a:defRPr sz="1000">
                 <a:solidFill>
                   <a:schemeClr val="tx1">
                     <a:tint val="75000"/>
@@ -1055,9 +930,9 @@
                 </a:solidFill>
               </a:defRPr>
             </a:lvl4pPr>
-            <a:lvl5pPr marL="1828800" indent="0">
-              <a:buNone/>
-              <a:defRPr sz="1600">
+            <a:lvl5pPr marL="1143000" indent="0">
+              <a:buNone/>
+              <a:defRPr sz="1000">
                 <a:solidFill>
                   <a:schemeClr val="tx1">
                     <a:tint val="75000"/>
@@ -1065,9 +940,9 @@
                 </a:solidFill>
               </a:defRPr>
             </a:lvl5pPr>
-            <a:lvl6pPr marL="2286000" indent="0">
-              <a:buNone/>
-              <a:defRPr sz="1600">
+            <a:lvl6pPr marL="1428750" indent="0">
+              <a:buNone/>
+              <a:defRPr sz="1000">
                 <a:solidFill>
                   <a:schemeClr val="tx1">
                     <a:tint val="75000"/>
@@ -1075,9 +950,9 @@
                 </a:solidFill>
               </a:defRPr>
             </a:lvl6pPr>
-            <a:lvl7pPr marL="2743200" indent="0">
-              <a:buNone/>
-              <a:defRPr sz="1600">
+            <a:lvl7pPr marL="1714500" indent="0">
+              <a:buNone/>
+              <a:defRPr sz="1000">
                 <a:solidFill>
                   <a:schemeClr val="tx1">
                     <a:tint val="75000"/>
@@ -1085,9 +960,9 @@
                 </a:solidFill>
               </a:defRPr>
             </a:lvl7pPr>
-            <a:lvl8pPr marL="3200400" indent="0">
-              <a:buNone/>
-              <a:defRPr sz="1600">
+            <a:lvl8pPr marL="2000250" indent="0">
+              <a:buNone/>
+              <a:defRPr sz="1000">
                 <a:solidFill>
                   <a:schemeClr val="tx1">
                     <a:tint val="75000"/>
@@ -1095,9 +970,9 @@
                 </a:solidFill>
               </a:defRPr>
             </a:lvl8pPr>
-            <a:lvl9pPr marL="3657600" indent="0">
-              <a:buNone/>
-              <a:defRPr sz="1600">
+            <a:lvl9pPr marL="2286000" indent="0">
+              <a:buNone/>
+              <a:defRPr sz="1000">
                 <a:solidFill>
                   <a:schemeClr val="tx1">
                     <a:tint val="75000"/>
@@ -1117,13 +992,7 @@
       </p:sp>
       <p:sp>
         <p:nvSpPr>
-          <p:cNvPr id="4" name="Date Placeholder 3">
-            <a:extLst>
-              <a:ext uri="{FF2B5EF4-FFF2-40B4-BE49-F238E27FC236}">
-                <a16:creationId xmlns:a16="http://schemas.microsoft.com/office/drawing/2014/main" id="{7ED362DB-AF13-4EF7-8DC5-F092DCA2C87F}"/>
-              </a:ext>
-            </a:extLst>
-          </p:cNvPr>
+          <p:cNvPr id="4" name="Date Placeholder 3"/>
           <p:cNvSpPr>
             <a:spLocks noGrp="1"/>
           </p:cNvSpPr>
@@ -1138,7 +1007,7 @@
           <a:p>
             <a:fld id="{6B6CC2A7-A866-42C2-A27A-50AEF0DF511B}" type="datetimeFigureOut">
               <a:rPr lang="en-US" smtClean="0"/>
-              <a:t>7/5/2021</a:t>
+              <a:t>9/20/2021</a:t>
             </a:fld>
             <a:endParaRPr lang="en-US"/>
           </a:p>
@@ -1146,13 +1015,7 @@
       </p:sp>
       <p:sp>
         <p:nvSpPr>
-          <p:cNvPr id="5" name="Footer Placeholder 4">
-            <a:extLst>
-              <a:ext uri="{FF2B5EF4-FFF2-40B4-BE49-F238E27FC236}">
-                <a16:creationId xmlns:a16="http://schemas.microsoft.com/office/drawing/2014/main" id="{0BD1CAC4-969C-4978-ADB7-8D1CBB2C074F}"/>
-              </a:ext>
-            </a:extLst>
-          </p:cNvPr>
+          <p:cNvPr id="5" name="Footer Placeholder 4"/>
           <p:cNvSpPr>
             <a:spLocks noGrp="1"/>
           </p:cNvSpPr>
@@ -1171,13 +1034,7 @@
       </p:sp>
       <p:sp>
         <p:nvSpPr>
-          <p:cNvPr id="6" name="Slide Number Placeholder 5">
-            <a:extLst>
-              <a:ext uri="{FF2B5EF4-FFF2-40B4-BE49-F238E27FC236}">
-                <a16:creationId xmlns:a16="http://schemas.microsoft.com/office/drawing/2014/main" id="{FC941734-2F4B-4F33-B4DB-E3553C9C7809}"/>
-              </a:ext>
-            </a:extLst>
-          </p:cNvPr>
+          <p:cNvPr id="6" name="Slide Number Placeholder 5"/>
           <p:cNvSpPr>
             <a:spLocks noGrp="1"/>
           </p:cNvSpPr>
@@ -1201,7 +1058,7 @@
     </p:spTree>
     <p:extLst>
       <p:ext uri="{BB962C8B-B14F-4D97-AF65-F5344CB8AC3E}">
-        <p14:creationId xmlns:p14="http://schemas.microsoft.com/office/powerpoint/2010/main" val="276660254"/>
+        <p14:creationId xmlns:p14="http://schemas.microsoft.com/office/powerpoint/2010/main" val="4290523274"/>
       </p:ext>
     </p:extLst>
   </p:cSld>
@@ -1230,13 +1087,7 @@
       </p:grpSpPr>
       <p:sp>
         <p:nvSpPr>
-          <p:cNvPr id="2" name="Title 1">
-            <a:extLst>
-              <a:ext uri="{FF2B5EF4-FFF2-40B4-BE49-F238E27FC236}">
-                <a16:creationId xmlns:a16="http://schemas.microsoft.com/office/drawing/2014/main" id="{04B9B205-11E6-4B3C-B659-1A025047932C}"/>
-              </a:ext>
-            </a:extLst>
-          </p:cNvPr>
+          <p:cNvPr id="2" name="Title 1"/>
           <p:cNvSpPr>
             <a:spLocks noGrp="1"/>
           </p:cNvSpPr>
@@ -1253,18 +1104,13 @@
               <a:rPr lang="en-US"/>
               <a:t>Click to edit Master title style</a:t>
             </a:r>
-          </a:p>
-        </p:txBody>
-      </p:sp>
-      <p:sp>
-        <p:nvSpPr>
-          <p:cNvPr id="3" name="Content Placeholder 2">
-            <a:extLst>
-              <a:ext uri="{FF2B5EF4-FFF2-40B4-BE49-F238E27FC236}">
-                <a16:creationId xmlns:a16="http://schemas.microsoft.com/office/drawing/2014/main" id="{C17A0C05-17EA-4A2C-A7A2-32C4DEA37C29}"/>
-              </a:ext>
-            </a:extLst>
-          </p:cNvPr>
+            <a:endParaRPr lang="en-US" dirty="0"/>
+          </a:p>
+        </p:txBody>
+      </p:sp>
+      <p:sp>
+        <p:nvSpPr>
+          <p:cNvPr id="3" name="Content Placeholder 2"/>
           <p:cNvSpPr>
             <a:spLocks noGrp="1"/>
           </p:cNvSpPr>
@@ -1274,8 +1120,8 @@
         </p:nvSpPr>
         <p:spPr>
           <a:xfrm>
-            <a:off x="838200" y="1825625"/>
-            <a:ext cx="5181600" cy="4351338"/>
+            <a:off x="392906" y="1825625"/>
+            <a:ext cx="2428875" cy="4351338"/>
           </a:xfrm>
         </p:spPr>
         <p:txBody>
@@ -1315,18 +1161,13 @@
               <a:rPr lang="en-US"/>
               <a:t>Fifth level</a:t>
             </a:r>
-          </a:p>
-        </p:txBody>
-      </p:sp>
-      <p:sp>
-        <p:nvSpPr>
-          <p:cNvPr id="4" name="Content Placeholder 3">
-            <a:extLst>
-              <a:ext uri="{FF2B5EF4-FFF2-40B4-BE49-F238E27FC236}">
-                <a16:creationId xmlns:a16="http://schemas.microsoft.com/office/drawing/2014/main" id="{1CC6741E-4CDE-4CD6-BF27-CC35D2B1AA45}"/>
-              </a:ext>
-            </a:extLst>
-          </p:cNvPr>
+            <a:endParaRPr lang="en-US" dirty="0"/>
+          </a:p>
+        </p:txBody>
+      </p:sp>
+      <p:sp>
+        <p:nvSpPr>
+          <p:cNvPr id="4" name="Content Placeholder 3"/>
           <p:cNvSpPr>
             <a:spLocks noGrp="1"/>
           </p:cNvSpPr>
@@ -1336,8 +1177,8 @@
         </p:nvSpPr>
         <p:spPr>
           <a:xfrm>
-            <a:off x="6172200" y="1825625"/>
-            <a:ext cx="5181600" cy="4351338"/>
+            <a:off x="2893219" y="1825625"/>
+            <a:ext cx="2428875" cy="4351338"/>
           </a:xfrm>
         </p:spPr>
         <p:txBody>
@@ -1377,18 +1218,13 @@
               <a:rPr lang="en-US"/>
               <a:t>Fifth level</a:t>
             </a:r>
-          </a:p>
-        </p:txBody>
-      </p:sp>
-      <p:sp>
-        <p:nvSpPr>
-          <p:cNvPr id="5" name="Date Placeholder 4">
-            <a:extLst>
-              <a:ext uri="{FF2B5EF4-FFF2-40B4-BE49-F238E27FC236}">
-                <a16:creationId xmlns:a16="http://schemas.microsoft.com/office/drawing/2014/main" id="{7962D937-36CF-4AFD-8F65-B239050DAFEB}"/>
-              </a:ext>
-            </a:extLst>
-          </p:cNvPr>
+            <a:endParaRPr lang="en-US" dirty="0"/>
+          </a:p>
+        </p:txBody>
+      </p:sp>
+      <p:sp>
+        <p:nvSpPr>
+          <p:cNvPr id="5" name="Date Placeholder 4"/>
           <p:cNvSpPr>
             <a:spLocks noGrp="1"/>
           </p:cNvSpPr>
@@ -1403,7 +1239,7 @@
           <a:p>
             <a:fld id="{6B6CC2A7-A866-42C2-A27A-50AEF0DF511B}" type="datetimeFigureOut">
               <a:rPr lang="en-US" smtClean="0"/>
-              <a:t>7/5/2021</a:t>
+              <a:t>9/20/2021</a:t>
             </a:fld>
             <a:endParaRPr lang="en-US"/>
           </a:p>
@@ -1411,13 +1247,7 @@
       </p:sp>
       <p:sp>
         <p:nvSpPr>
-          <p:cNvPr id="6" name="Footer Placeholder 5">
-            <a:extLst>
-              <a:ext uri="{FF2B5EF4-FFF2-40B4-BE49-F238E27FC236}">
-                <a16:creationId xmlns:a16="http://schemas.microsoft.com/office/drawing/2014/main" id="{302E50CD-BBB4-4D3D-B804-1039E0EA211D}"/>
-              </a:ext>
-            </a:extLst>
-          </p:cNvPr>
+          <p:cNvPr id="6" name="Footer Placeholder 5"/>
           <p:cNvSpPr>
             <a:spLocks noGrp="1"/>
           </p:cNvSpPr>
@@ -1436,13 +1266,7 @@
       </p:sp>
       <p:sp>
         <p:nvSpPr>
-          <p:cNvPr id="7" name="Slide Number Placeholder 6">
-            <a:extLst>
-              <a:ext uri="{FF2B5EF4-FFF2-40B4-BE49-F238E27FC236}">
-                <a16:creationId xmlns:a16="http://schemas.microsoft.com/office/drawing/2014/main" id="{6FB5CC04-E761-4F18-8213-59540F20BB7F}"/>
-              </a:ext>
-            </a:extLst>
-          </p:cNvPr>
+          <p:cNvPr id="7" name="Slide Number Placeholder 6"/>
           <p:cNvSpPr>
             <a:spLocks noGrp="1"/>
           </p:cNvSpPr>
@@ -1466,7 +1290,7 @@
     </p:spTree>
     <p:extLst>
       <p:ext uri="{BB962C8B-B14F-4D97-AF65-F5344CB8AC3E}">
-        <p14:creationId xmlns:p14="http://schemas.microsoft.com/office/powerpoint/2010/main" val="2438158494"/>
+        <p14:creationId xmlns:p14="http://schemas.microsoft.com/office/powerpoint/2010/main" val="3010744707"/>
       </p:ext>
     </p:extLst>
   </p:cSld>
@@ -1495,13 +1319,7 @@
       </p:grpSpPr>
       <p:sp>
         <p:nvSpPr>
-          <p:cNvPr id="2" name="Title 1">
-            <a:extLst>
-              <a:ext uri="{FF2B5EF4-FFF2-40B4-BE49-F238E27FC236}">
-                <a16:creationId xmlns:a16="http://schemas.microsoft.com/office/drawing/2014/main" id="{CB66E175-775F-4F02-AE3F-FB7974145268}"/>
-              </a:ext>
-            </a:extLst>
-          </p:cNvPr>
+          <p:cNvPr id="2" name="Title 1"/>
           <p:cNvSpPr>
             <a:spLocks noGrp="1"/>
           </p:cNvSpPr>
@@ -1511,8 +1329,8 @@
         </p:nvSpPr>
         <p:spPr>
           <a:xfrm>
-            <a:off x="839788" y="365125"/>
-            <a:ext cx="10515600" cy="1325563"/>
+            <a:off x="393650" y="365127"/>
+            <a:ext cx="4929188" cy="1325563"/>
           </a:xfrm>
         </p:spPr>
         <p:txBody>
@@ -1523,18 +1341,13 @@
               <a:rPr lang="en-US"/>
               <a:t>Click to edit Master title style</a:t>
             </a:r>
-          </a:p>
-        </p:txBody>
-      </p:sp>
-      <p:sp>
-        <p:nvSpPr>
-          <p:cNvPr id="3" name="Text Placeholder 2">
-            <a:extLst>
-              <a:ext uri="{FF2B5EF4-FFF2-40B4-BE49-F238E27FC236}">
-                <a16:creationId xmlns:a16="http://schemas.microsoft.com/office/drawing/2014/main" id="{1081D30C-28A8-4B06-B5C6-CB7972D3EF5C}"/>
-              </a:ext>
-            </a:extLst>
-          </p:cNvPr>
+            <a:endParaRPr lang="en-US" dirty="0"/>
+          </a:p>
+        </p:txBody>
+      </p:sp>
+      <p:sp>
+        <p:nvSpPr>
+          <p:cNvPr id="3" name="Text Placeholder 2"/>
           <p:cNvSpPr>
             <a:spLocks noGrp="1"/>
           </p:cNvSpPr>
@@ -1544,8 +1357,8 @@
         </p:nvSpPr>
         <p:spPr>
           <a:xfrm>
-            <a:off x="839788" y="1681163"/>
-            <a:ext cx="5157787" cy="823912"/>
+            <a:off x="393651" y="1681163"/>
+            <a:ext cx="2417713" cy="823912"/>
           </a:xfrm>
         </p:spPr>
         <p:txBody>
@@ -1553,39 +1366,39 @@
           <a:lstStyle>
             <a:lvl1pPr marL="0" indent="0">
               <a:buNone/>
-              <a:defRPr sz="2400" b="1"/>
+              <a:defRPr sz="1500" b="1"/>
             </a:lvl1pPr>
-            <a:lvl2pPr marL="457200" indent="0">
-              <a:buNone/>
-              <a:defRPr sz="2000" b="1"/>
+            <a:lvl2pPr marL="285750" indent="0">
+              <a:buNone/>
+              <a:defRPr sz="1250" b="1"/>
             </a:lvl2pPr>
-            <a:lvl3pPr marL="914400" indent="0">
-              <a:buNone/>
-              <a:defRPr sz="1800" b="1"/>
+            <a:lvl3pPr marL="571500" indent="0">
+              <a:buNone/>
+              <a:defRPr sz="1125" b="1"/>
             </a:lvl3pPr>
-            <a:lvl4pPr marL="1371600" indent="0">
-              <a:buNone/>
-              <a:defRPr sz="1600" b="1"/>
+            <a:lvl4pPr marL="857250" indent="0">
+              <a:buNone/>
+              <a:defRPr sz="1000" b="1"/>
             </a:lvl4pPr>
-            <a:lvl5pPr marL="1828800" indent="0">
-              <a:buNone/>
-              <a:defRPr sz="1600" b="1"/>
+            <a:lvl5pPr marL="1143000" indent="0">
+              <a:buNone/>
+              <a:defRPr sz="1000" b="1"/>
             </a:lvl5pPr>
-            <a:lvl6pPr marL="2286000" indent="0">
-              <a:buNone/>
-              <a:defRPr sz="1600" b="1"/>
+            <a:lvl6pPr marL="1428750" indent="0">
+              <a:buNone/>
+              <a:defRPr sz="1000" b="1"/>
             </a:lvl6pPr>
-            <a:lvl7pPr marL="2743200" indent="0">
-              <a:buNone/>
-              <a:defRPr sz="1600" b="1"/>
+            <a:lvl7pPr marL="1714500" indent="0">
+              <a:buNone/>
+              <a:defRPr sz="1000" b="1"/>
             </a:lvl7pPr>
-            <a:lvl8pPr marL="3200400" indent="0">
-              <a:buNone/>
-              <a:defRPr sz="1600" b="1"/>
+            <a:lvl8pPr marL="2000250" indent="0">
+              <a:buNone/>
+              <a:defRPr sz="1000" b="1"/>
             </a:lvl8pPr>
-            <a:lvl9pPr marL="3657600" indent="0">
-              <a:buNone/>
-              <a:defRPr sz="1600" b="1"/>
+            <a:lvl9pPr marL="2286000" indent="0">
+              <a:buNone/>
+              <a:defRPr sz="1000" b="1"/>
             </a:lvl9pPr>
           </a:lstStyle>
           <a:p>
@@ -1599,13 +1412,7 @@
       </p:sp>
       <p:sp>
         <p:nvSpPr>
-          <p:cNvPr id="4" name="Content Placeholder 3">
-            <a:extLst>
-              <a:ext uri="{FF2B5EF4-FFF2-40B4-BE49-F238E27FC236}">
-                <a16:creationId xmlns:a16="http://schemas.microsoft.com/office/drawing/2014/main" id="{2F4EFF06-FDA8-49EF-9D8E-21E668402B08}"/>
-              </a:ext>
-            </a:extLst>
-          </p:cNvPr>
+          <p:cNvPr id="4" name="Content Placeholder 3"/>
           <p:cNvSpPr>
             <a:spLocks noGrp="1"/>
           </p:cNvSpPr>
@@ -1615,8 +1422,8 @@
         </p:nvSpPr>
         <p:spPr>
           <a:xfrm>
-            <a:off x="839788" y="2505075"/>
-            <a:ext cx="5157787" cy="3684588"/>
+            <a:off x="393651" y="2505075"/>
+            <a:ext cx="2417713" cy="3684588"/>
           </a:xfrm>
         </p:spPr>
         <p:txBody>
@@ -1656,18 +1463,13 @@
               <a:rPr lang="en-US"/>
               <a:t>Fifth level</a:t>
             </a:r>
-          </a:p>
-        </p:txBody>
-      </p:sp>
-      <p:sp>
-        <p:nvSpPr>
-          <p:cNvPr id="5" name="Text Placeholder 4">
-            <a:extLst>
-              <a:ext uri="{FF2B5EF4-FFF2-40B4-BE49-F238E27FC236}">
-                <a16:creationId xmlns:a16="http://schemas.microsoft.com/office/drawing/2014/main" id="{E918B177-C80B-49AD-8BD9-B185F19DB84F}"/>
-              </a:ext>
-            </a:extLst>
-          </p:cNvPr>
+            <a:endParaRPr lang="en-US" dirty="0"/>
+          </a:p>
+        </p:txBody>
+      </p:sp>
+      <p:sp>
+        <p:nvSpPr>
+          <p:cNvPr id="5" name="Text Placeholder 4"/>
           <p:cNvSpPr>
             <a:spLocks noGrp="1"/>
           </p:cNvSpPr>
@@ -1677,8 +1479,8 @@
         </p:nvSpPr>
         <p:spPr>
           <a:xfrm>
-            <a:off x="6172200" y="1681163"/>
-            <a:ext cx="5183188" cy="823912"/>
+            <a:off x="2893219" y="1681163"/>
+            <a:ext cx="2429619" cy="823912"/>
           </a:xfrm>
         </p:spPr>
         <p:txBody>
@@ -1686,39 +1488,39 @@
           <a:lstStyle>
             <a:lvl1pPr marL="0" indent="0">
               <a:buNone/>
-              <a:defRPr sz="2400" b="1"/>
+              <a:defRPr sz="1500" b="1"/>
             </a:lvl1pPr>
-            <a:lvl2pPr marL="457200" indent="0">
-              <a:buNone/>
-              <a:defRPr sz="2000" b="1"/>
+            <a:lvl2pPr marL="285750" indent="0">
+              <a:buNone/>
+              <a:defRPr sz="1250" b="1"/>
             </a:lvl2pPr>
-            <a:lvl3pPr marL="914400" indent="0">
-              <a:buNone/>
-              <a:defRPr sz="1800" b="1"/>
+            <a:lvl3pPr marL="571500" indent="0">
+              <a:buNone/>
+              <a:defRPr sz="1125" b="1"/>
             </a:lvl3pPr>
-            <a:lvl4pPr marL="1371600" indent="0">
-              <a:buNone/>
-              <a:defRPr sz="1600" b="1"/>
+            <a:lvl4pPr marL="857250" indent="0">
+              <a:buNone/>
+              <a:defRPr sz="1000" b="1"/>
             </a:lvl4pPr>
-            <a:lvl5pPr marL="1828800" indent="0">
-              <a:buNone/>
-              <a:defRPr sz="1600" b="1"/>
+            <a:lvl5pPr marL="1143000" indent="0">
+              <a:buNone/>
+              <a:defRPr sz="1000" b="1"/>
             </a:lvl5pPr>
-            <a:lvl6pPr marL="2286000" indent="0">
-              <a:buNone/>
-              <a:defRPr sz="1600" b="1"/>
+            <a:lvl6pPr marL="1428750" indent="0">
+              <a:buNone/>
+              <a:defRPr sz="1000" b="1"/>
             </a:lvl6pPr>
-            <a:lvl7pPr marL="2743200" indent="0">
-              <a:buNone/>
-              <a:defRPr sz="1600" b="1"/>
+            <a:lvl7pPr marL="1714500" indent="0">
+              <a:buNone/>
+              <a:defRPr sz="1000" b="1"/>
             </a:lvl7pPr>
-            <a:lvl8pPr marL="3200400" indent="0">
-              <a:buNone/>
-              <a:defRPr sz="1600" b="1"/>
+            <a:lvl8pPr marL="2000250" indent="0">
+              <a:buNone/>
+              <a:defRPr sz="1000" b="1"/>
             </a:lvl8pPr>
-            <a:lvl9pPr marL="3657600" indent="0">
-              <a:buNone/>
-              <a:defRPr sz="1600" b="1"/>
+            <a:lvl9pPr marL="2286000" indent="0">
+              <a:buNone/>
+              <a:defRPr sz="1000" b="1"/>
             </a:lvl9pPr>
           </a:lstStyle>
           <a:p>
@@ -1732,13 +1534,7 @@
       </p:sp>
       <p:sp>
         <p:nvSpPr>
-          <p:cNvPr id="6" name="Content Placeholder 5">
-            <a:extLst>
-              <a:ext uri="{FF2B5EF4-FFF2-40B4-BE49-F238E27FC236}">
-                <a16:creationId xmlns:a16="http://schemas.microsoft.com/office/drawing/2014/main" id="{4C28ADD9-A9A1-4F4F-A569-B5ECF293A4AA}"/>
-              </a:ext>
-            </a:extLst>
-          </p:cNvPr>
+          <p:cNvPr id="6" name="Content Placeholder 5"/>
           <p:cNvSpPr>
             <a:spLocks noGrp="1"/>
           </p:cNvSpPr>
@@ -1748,8 +1544,8 @@
         </p:nvSpPr>
         <p:spPr>
           <a:xfrm>
-            <a:off x="6172200" y="2505075"/>
-            <a:ext cx="5183188" cy="3684588"/>
+            <a:off x="2893219" y="2505075"/>
+            <a:ext cx="2429619" cy="3684588"/>
           </a:xfrm>
         </p:spPr>
         <p:txBody>
@@ -1789,18 +1585,13 @@
               <a:rPr lang="en-US"/>
               <a:t>Fifth level</a:t>
             </a:r>
-          </a:p>
-        </p:txBody>
-      </p:sp>
-      <p:sp>
-        <p:nvSpPr>
-          <p:cNvPr id="7" name="Date Placeholder 6">
-            <a:extLst>
-              <a:ext uri="{FF2B5EF4-FFF2-40B4-BE49-F238E27FC236}">
-                <a16:creationId xmlns:a16="http://schemas.microsoft.com/office/drawing/2014/main" id="{C79733E4-0798-45CA-B4C3-B3F2D6B53C57}"/>
-              </a:ext>
-            </a:extLst>
-          </p:cNvPr>
+            <a:endParaRPr lang="en-US" dirty="0"/>
+          </a:p>
+        </p:txBody>
+      </p:sp>
+      <p:sp>
+        <p:nvSpPr>
+          <p:cNvPr id="7" name="Date Placeholder 6"/>
           <p:cNvSpPr>
             <a:spLocks noGrp="1"/>
           </p:cNvSpPr>
@@ -1815,7 +1606,7 @@
           <a:p>
             <a:fld id="{6B6CC2A7-A866-42C2-A27A-50AEF0DF511B}" type="datetimeFigureOut">
               <a:rPr lang="en-US" smtClean="0"/>
-              <a:t>7/5/2021</a:t>
+              <a:t>9/20/2021</a:t>
             </a:fld>
             <a:endParaRPr lang="en-US"/>
           </a:p>
@@ -1823,13 +1614,7 @@
       </p:sp>
       <p:sp>
         <p:nvSpPr>
-          <p:cNvPr id="8" name="Footer Placeholder 7">
-            <a:extLst>
-              <a:ext uri="{FF2B5EF4-FFF2-40B4-BE49-F238E27FC236}">
-                <a16:creationId xmlns:a16="http://schemas.microsoft.com/office/drawing/2014/main" id="{A906C0B9-3D34-41ED-91E3-3412B38CFE35}"/>
-              </a:ext>
-            </a:extLst>
-          </p:cNvPr>
+          <p:cNvPr id="8" name="Footer Placeholder 7"/>
           <p:cNvSpPr>
             <a:spLocks noGrp="1"/>
           </p:cNvSpPr>
@@ -1848,13 +1633,7 @@
       </p:sp>
       <p:sp>
         <p:nvSpPr>
-          <p:cNvPr id="9" name="Slide Number Placeholder 8">
-            <a:extLst>
-              <a:ext uri="{FF2B5EF4-FFF2-40B4-BE49-F238E27FC236}">
-                <a16:creationId xmlns:a16="http://schemas.microsoft.com/office/drawing/2014/main" id="{755477F7-DDAC-4CA8-A44D-1A10E06390B1}"/>
-              </a:ext>
-            </a:extLst>
-          </p:cNvPr>
+          <p:cNvPr id="9" name="Slide Number Placeholder 8"/>
           <p:cNvSpPr>
             <a:spLocks noGrp="1"/>
           </p:cNvSpPr>
@@ -1878,7 +1657,7 @@
     </p:spTree>
     <p:extLst>
       <p:ext uri="{BB962C8B-B14F-4D97-AF65-F5344CB8AC3E}">
-        <p14:creationId xmlns:p14="http://schemas.microsoft.com/office/powerpoint/2010/main" val="845371804"/>
+        <p14:creationId xmlns:p14="http://schemas.microsoft.com/office/powerpoint/2010/main" val="3695449712"/>
       </p:ext>
     </p:extLst>
   </p:cSld>
@@ -1907,13 +1686,7 @@
       </p:grpSpPr>
       <p:sp>
         <p:nvSpPr>
-          <p:cNvPr id="2" name="Title 1">
-            <a:extLst>
-              <a:ext uri="{FF2B5EF4-FFF2-40B4-BE49-F238E27FC236}">
-                <a16:creationId xmlns:a16="http://schemas.microsoft.com/office/drawing/2014/main" id="{1CB6EB34-8C7A-4978-8D88-2168398E954A}"/>
-              </a:ext>
-            </a:extLst>
-          </p:cNvPr>
+          <p:cNvPr id="2" name="Title 1"/>
           <p:cNvSpPr>
             <a:spLocks noGrp="1"/>
           </p:cNvSpPr>
@@ -1930,18 +1703,13 @@
               <a:rPr lang="en-US"/>
               <a:t>Click to edit Master title style</a:t>
             </a:r>
-          </a:p>
-        </p:txBody>
-      </p:sp>
-      <p:sp>
-        <p:nvSpPr>
-          <p:cNvPr id="3" name="Date Placeholder 2">
-            <a:extLst>
-              <a:ext uri="{FF2B5EF4-FFF2-40B4-BE49-F238E27FC236}">
-                <a16:creationId xmlns:a16="http://schemas.microsoft.com/office/drawing/2014/main" id="{92120F3D-98DC-4342-97C6-673931733E0A}"/>
-              </a:ext>
-            </a:extLst>
-          </p:cNvPr>
+            <a:endParaRPr lang="en-US" dirty="0"/>
+          </a:p>
+        </p:txBody>
+      </p:sp>
+      <p:sp>
+        <p:nvSpPr>
+          <p:cNvPr id="3" name="Date Placeholder 2"/>
           <p:cNvSpPr>
             <a:spLocks noGrp="1"/>
           </p:cNvSpPr>
@@ -1956,7 +1724,7 @@
           <a:p>
             <a:fld id="{6B6CC2A7-A866-42C2-A27A-50AEF0DF511B}" type="datetimeFigureOut">
               <a:rPr lang="en-US" smtClean="0"/>
-              <a:t>7/5/2021</a:t>
+              <a:t>9/20/2021</a:t>
             </a:fld>
             <a:endParaRPr lang="en-US"/>
           </a:p>
@@ -1964,13 +1732,7 @@
       </p:sp>
       <p:sp>
         <p:nvSpPr>
-          <p:cNvPr id="4" name="Footer Placeholder 3">
-            <a:extLst>
-              <a:ext uri="{FF2B5EF4-FFF2-40B4-BE49-F238E27FC236}">
-                <a16:creationId xmlns:a16="http://schemas.microsoft.com/office/drawing/2014/main" id="{05336599-4022-4ABF-9F00-94929D651581}"/>
-              </a:ext>
-            </a:extLst>
-          </p:cNvPr>
+          <p:cNvPr id="4" name="Footer Placeholder 3"/>
           <p:cNvSpPr>
             <a:spLocks noGrp="1"/>
           </p:cNvSpPr>
@@ -1989,13 +1751,7 @@
       </p:sp>
       <p:sp>
         <p:nvSpPr>
-          <p:cNvPr id="5" name="Slide Number Placeholder 4">
-            <a:extLst>
-              <a:ext uri="{FF2B5EF4-FFF2-40B4-BE49-F238E27FC236}">
-                <a16:creationId xmlns:a16="http://schemas.microsoft.com/office/drawing/2014/main" id="{EDA03807-85B0-4905-A1CC-762EFAE0D776}"/>
-              </a:ext>
-            </a:extLst>
-          </p:cNvPr>
+          <p:cNvPr id="5" name="Slide Number Placeholder 4"/>
           <p:cNvSpPr>
             <a:spLocks noGrp="1"/>
           </p:cNvSpPr>
@@ -2019,7 +1775,7 @@
     </p:spTree>
     <p:extLst>
       <p:ext uri="{BB962C8B-B14F-4D97-AF65-F5344CB8AC3E}">
-        <p14:creationId xmlns:p14="http://schemas.microsoft.com/office/powerpoint/2010/main" val="3607496536"/>
+        <p14:creationId xmlns:p14="http://schemas.microsoft.com/office/powerpoint/2010/main" val="55214529"/>
       </p:ext>
     </p:extLst>
   </p:cSld>
@@ -2048,13 +1804,7 @@
       </p:grpSpPr>
       <p:sp>
         <p:nvSpPr>
-          <p:cNvPr id="2" name="Date Placeholder 1">
-            <a:extLst>
-              <a:ext uri="{FF2B5EF4-FFF2-40B4-BE49-F238E27FC236}">
-                <a16:creationId xmlns:a16="http://schemas.microsoft.com/office/drawing/2014/main" id="{E8E6B679-6915-400F-9663-CF9389C7D95C}"/>
-              </a:ext>
-            </a:extLst>
-          </p:cNvPr>
+          <p:cNvPr id="2" name="Date Placeholder 1"/>
           <p:cNvSpPr>
             <a:spLocks noGrp="1"/>
           </p:cNvSpPr>
@@ -2069,7 +1819,7 @@
           <a:p>
             <a:fld id="{6B6CC2A7-A866-42C2-A27A-50AEF0DF511B}" type="datetimeFigureOut">
               <a:rPr lang="en-US" smtClean="0"/>
-              <a:t>7/5/2021</a:t>
+              <a:t>9/20/2021</a:t>
             </a:fld>
             <a:endParaRPr lang="en-US"/>
           </a:p>
@@ -2077,13 +1827,7 @@
       </p:sp>
       <p:sp>
         <p:nvSpPr>
-          <p:cNvPr id="3" name="Footer Placeholder 2">
-            <a:extLst>
-              <a:ext uri="{FF2B5EF4-FFF2-40B4-BE49-F238E27FC236}">
-                <a16:creationId xmlns:a16="http://schemas.microsoft.com/office/drawing/2014/main" id="{47FDB12E-1042-473D-8F44-8DB2DC9DD005}"/>
-              </a:ext>
-            </a:extLst>
-          </p:cNvPr>
+          <p:cNvPr id="3" name="Footer Placeholder 2"/>
           <p:cNvSpPr>
             <a:spLocks noGrp="1"/>
           </p:cNvSpPr>
@@ -2102,13 +1846,7 @@
       </p:sp>
       <p:sp>
         <p:nvSpPr>
-          <p:cNvPr id="4" name="Slide Number Placeholder 3">
-            <a:extLst>
-              <a:ext uri="{FF2B5EF4-FFF2-40B4-BE49-F238E27FC236}">
-                <a16:creationId xmlns:a16="http://schemas.microsoft.com/office/drawing/2014/main" id="{9A7AB244-F03C-40E5-A24E-4F99D9EF32C9}"/>
-              </a:ext>
-            </a:extLst>
-          </p:cNvPr>
+          <p:cNvPr id="4" name="Slide Number Placeholder 3"/>
           <p:cNvSpPr>
             <a:spLocks noGrp="1"/>
           </p:cNvSpPr>
@@ -2132,7 +1870,7 @@
     </p:spTree>
     <p:extLst>
       <p:ext uri="{BB962C8B-B14F-4D97-AF65-F5344CB8AC3E}">
-        <p14:creationId xmlns:p14="http://schemas.microsoft.com/office/powerpoint/2010/main" val="877885752"/>
+        <p14:creationId xmlns:p14="http://schemas.microsoft.com/office/powerpoint/2010/main" val="3232464646"/>
       </p:ext>
     </p:extLst>
   </p:cSld>
@@ -2161,13 +1899,7 @@
       </p:grpSpPr>
       <p:sp>
         <p:nvSpPr>
-          <p:cNvPr id="2" name="Title 1">
-            <a:extLst>
-              <a:ext uri="{FF2B5EF4-FFF2-40B4-BE49-F238E27FC236}">
-                <a16:creationId xmlns:a16="http://schemas.microsoft.com/office/drawing/2014/main" id="{B54C00A8-BD00-4D6A-94F9-E72C65FA8893}"/>
-              </a:ext>
-            </a:extLst>
-          </p:cNvPr>
+          <p:cNvPr id="2" name="Title 1"/>
           <p:cNvSpPr>
             <a:spLocks noGrp="1"/>
           </p:cNvSpPr>
@@ -2177,15 +1909,15 @@
         </p:nvSpPr>
         <p:spPr>
           <a:xfrm>
-            <a:off x="839788" y="457200"/>
-            <a:ext cx="3932237" cy="1600200"/>
+            <a:off x="393651" y="457200"/>
+            <a:ext cx="1843236" cy="1600200"/>
           </a:xfrm>
         </p:spPr>
         <p:txBody>
           <a:bodyPr anchor="b"/>
           <a:lstStyle>
             <a:lvl1pPr>
-              <a:defRPr sz="3200"/>
+              <a:defRPr sz="2000"/>
             </a:lvl1pPr>
           </a:lstStyle>
           <a:p>
@@ -2193,18 +1925,13 @@
               <a:rPr lang="en-US"/>
               <a:t>Click to edit Master title style</a:t>
             </a:r>
-          </a:p>
-        </p:txBody>
-      </p:sp>
-      <p:sp>
-        <p:nvSpPr>
-          <p:cNvPr id="3" name="Content Placeholder 2">
-            <a:extLst>
-              <a:ext uri="{FF2B5EF4-FFF2-40B4-BE49-F238E27FC236}">
-                <a16:creationId xmlns:a16="http://schemas.microsoft.com/office/drawing/2014/main" id="{6B7FDF9E-56E6-4A6A-9855-40FED865C6B7}"/>
-              </a:ext>
-            </a:extLst>
-          </p:cNvPr>
+            <a:endParaRPr lang="en-US" dirty="0"/>
+          </a:p>
+        </p:txBody>
+      </p:sp>
+      <p:sp>
+        <p:nvSpPr>
+          <p:cNvPr id="3" name="Content Placeholder 2"/>
           <p:cNvSpPr>
             <a:spLocks noGrp="1"/>
           </p:cNvSpPr>
@@ -2214,39 +1941,39 @@
         </p:nvSpPr>
         <p:spPr>
           <a:xfrm>
-            <a:off x="5183188" y="987425"/>
-            <a:ext cx="6172200" cy="4873625"/>
+            <a:off x="2429619" y="987427"/>
+            <a:ext cx="2893219" cy="4873625"/>
           </a:xfrm>
         </p:spPr>
         <p:txBody>
           <a:bodyPr/>
           <a:lstStyle>
             <a:lvl1pPr>
-              <a:defRPr sz="3200"/>
+              <a:defRPr sz="2000"/>
             </a:lvl1pPr>
             <a:lvl2pPr>
-              <a:defRPr sz="2800"/>
+              <a:defRPr sz="1750"/>
             </a:lvl2pPr>
             <a:lvl3pPr>
-              <a:defRPr sz="2400"/>
+              <a:defRPr sz="1500"/>
             </a:lvl3pPr>
             <a:lvl4pPr>
-              <a:defRPr sz="2000"/>
+              <a:defRPr sz="1250"/>
             </a:lvl4pPr>
             <a:lvl5pPr>
-              <a:defRPr sz="2000"/>
+              <a:defRPr sz="1250"/>
             </a:lvl5pPr>
             <a:lvl6pPr>
-              <a:defRPr sz="2000"/>
+              <a:defRPr sz="1250"/>
             </a:lvl6pPr>
             <a:lvl7pPr>
-              <a:defRPr sz="2000"/>
+              <a:defRPr sz="1250"/>
             </a:lvl7pPr>
             <a:lvl8pPr>
-              <a:defRPr sz="2000"/>
+              <a:defRPr sz="1250"/>
             </a:lvl8pPr>
             <a:lvl9pPr>
-              <a:defRPr sz="2000"/>
+              <a:defRPr sz="1250"/>
             </a:lvl9pPr>
           </a:lstStyle>
           <a:p>
@@ -2283,18 +2010,13 @@
               <a:rPr lang="en-US"/>
               <a:t>Fifth level</a:t>
             </a:r>
-          </a:p>
-        </p:txBody>
-      </p:sp>
-      <p:sp>
-        <p:nvSpPr>
-          <p:cNvPr id="4" name="Text Placeholder 3">
-            <a:extLst>
-              <a:ext uri="{FF2B5EF4-FFF2-40B4-BE49-F238E27FC236}">
-                <a16:creationId xmlns:a16="http://schemas.microsoft.com/office/drawing/2014/main" id="{F79F3457-3B37-4225-A3AC-EF873F2E9EE5}"/>
-              </a:ext>
-            </a:extLst>
-          </p:cNvPr>
+            <a:endParaRPr lang="en-US" dirty="0"/>
+          </a:p>
+        </p:txBody>
+      </p:sp>
+      <p:sp>
+        <p:nvSpPr>
+          <p:cNvPr id="4" name="Text Placeholder 3"/>
           <p:cNvSpPr>
             <a:spLocks noGrp="1"/>
           </p:cNvSpPr>
@@ -2304,8 +2026,8 @@
         </p:nvSpPr>
         <p:spPr>
           <a:xfrm>
-            <a:off x="839788" y="2057400"/>
-            <a:ext cx="3932237" cy="3811588"/>
+            <a:off x="393651" y="2057400"/>
+            <a:ext cx="1843236" cy="3811588"/>
           </a:xfrm>
         </p:spPr>
         <p:txBody>
@@ -2313,39 +2035,39 @@
           <a:lstStyle>
             <a:lvl1pPr marL="0" indent="0">
               <a:buNone/>
-              <a:defRPr sz="1600"/>
+              <a:defRPr sz="1000"/>
             </a:lvl1pPr>
-            <a:lvl2pPr marL="457200" indent="0">
-              <a:buNone/>
-              <a:defRPr sz="1400"/>
+            <a:lvl2pPr marL="285750" indent="0">
+              <a:buNone/>
+              <a:defRPr sz="875"/>
             </a:lvl2pPr>
-            <a:lvl3pPr marL="914400" indent="0">
-              <a:buNone/>
-              <a:defRPr sz="1200"/>
+            <a:lvl3pPr marL="571500" indent="0">
+              <a:buNone/>
+              <a:defRPr sz="750"/>
             </a:lvl3pPr>
-            <a:lvl4pPr marL="1371600" indent="0">
-              <a:buNone/>
-              <a:defRPr sz="1000"/>
+            <a:lvl4pPr marL="857250" indent="0">
+              <a:buNone/>
+              <a:defRPr sz="625"/>
             </a:lvl4pPr>
-            <a:lvl5pPr marL="1828800" indent="0">
-              <a:buNone/>
-              <a:defRPr sz="1000"/>
+            <a:lvl5pPr marL="1143000" indent="0">
+              <a:buNone/>
+              <a:defRPr sz="625"/>
             </a:lvl5pPr>
-            <a:lvl6pPr marL="2286000" indent="0">
-              <a:buNone/>
-              <a:defRPr sz="1000"/>
+            <a:lvl6pPr marL="1428750" indent="0">
+              <a:buNone/>
+              <a:defRPr sz="625"/>
             </a:lvl6pPr>
-            <a:lvl7pPr marL="2743200" indent="0">
-              <a:buNone/>
-              <a:defRPr sz="1000"/>
+            <a:lvl7pPr marL="1714500" indent="0">
+              <a:buNone/>
+              <a:defRPr sz="625"/>
             </a:lvl7pPr>
-            <a:lvl8pPr marL="3200400" indent="0">
-              <a:buNone/>
-              <a:defRPr sz="1000"/>
+            <a:lvl8pPr marL="2000250" indent="0">
+              <a:buNone/>
+              <a:defRPr sz="625"/>
             </a:lvl8pPr>
-            <a:lvl9pPr marL="3657600" indent="0">
-              <a:buNone/>
-              <a:defRPr sz="1000"/>
+            <a:lvl9pPr marL="2286000" indent="0">
+              <a:buNone/>
+              <a:defRPr sz="625"/>
             </a:lvl9pPr>
           </a:lstStyle>
           <a:p>
@@ -2359,13 +2081,7 @@
       </p:sp>
       <p:sp>
         <p:nvSpPr>
-          <p:cNvPr id="5" name="Date Placeholder 4">
-            <a:extLst>
-              <a:ext uri="{FF2B5EF4-FFF2-40B4-BE49-F238E27FC236}">
-                <a16:creationId xmlns:a16="http://schemas.microsoft.com/office/drawing/2014/main" id="{201719C6-F18C-4389-9636-CE62EBE98D4A}"/>
-              </a:ext>
-            </a:extLst>
-          </p:cNvPr>
+          <p:cNvPr id="5" name="Date Placeholder 4"/>
           <p:cNvSpPr>
             <a:spLocks noGrp="1"/>
           </p:cNvSpPr>
@@ -2380,7 +2096,7 @@
           <a:p>
             <a:fld id="{6B6CC2A7-A866-42C2-A27A-50AEF0DF511B}" type="datetimeFigureOut">
               <a:rPr lang="en-US" smtClean="0"/>
-              <a:t>7/5/2021</a:t>
+              <a:t>9/20/2021</a:t>
             </a:fld>
             <a:endParaRPr lang="en-US"/>
           </a:p>
@@ -2388,13 +2104,7 @@
       </p:sp>
       <p:sp>
         <p:nvSpPr>
-          <p:cNvPr id="6" name="Footer Placeholder 5">
-            <a:extLst>
-              <a:ext uri="{FF2B5EF4-FFF2-40B4-BE49-F238E27FC236}">
-                <a16:creationId xmlns:a16="http://schemas.microsoft.com/office/drawing/2014/main" id="{8FD37C56-7EB3-4B5A-9BA6-94CAD1643D08}"/>
-              </a:ext>
-            </a:extLst>
-          </p:cNvPr>
+          <p:cNvPr id="6" name="Footer Placeholder 5"/>
           <p:cNvSpPr>
             <a:spLocks noGrp="1"/>
           </p:cNvSpPr>
@@ -2413,13 +2123,7 @@
       </p:sp>
       <p:sp>
         <p:nvSpPr>
-          <p:cNvPr id="7" name="Slide Number Placeholder 6">
-            <a:extLst>
-              <a:ext uri="{FF2B5EF4-FFF2-40B4-BE49-F238E27FC236}">
-                <a16:creationId xmlns:a16="http://schemas.microsoft.com/office/drawing/2014/main" id="{F7D296E0-BF78-4AF4-A9D7-A06689C6AB6B}"/>
-              </a:ext>
-            </a:extLst>
-          </p:cNvPr>
+          <p:cNvPr id="7" name="Slide Number Placeholder 6"/>
           <p:cNvSpPr>
             <a:spLocks noGrp="1"/>
           </p:cNvSpPr>
@@ -2443,7 +2147,7 @@
     </p:spTree>
     <p:extLst>
       <p:ext uri="{BB962C8B-B14F-4D97-AF65-F5344CB8AC3E}">
-        <p14:creationId xmlns:p14="http://schemas.microsoft.com/office/powerpoint/2010/main" val="1817821981"/>
+        <p14:creationId xmlns:p14="http://schemas.microsoft.com/office/powerpoint/2010/main" val="74718038"/>
       </p:ext>
     </p:extLst>
   </p:cSld>
@@ -2472,13 +2176,7 @@
       </p:grpSpPr>
       <p:sp>
         <p:nvSpPr>
-          <p:cNvPr id="2" name="Title 1">
-            <a:extLst>
-              <a:ext uri="{FF2B5EF4-FFF2-40B4-BE49-F238E27FC236}">
-                <a16:creationId xmlns:a16="http://schemas.microsoft.com/office/drawing/2014/main" id="{8B86EBF0-A39B-42ED-ABE1-98B5CB0D022B}"/>
-              </a:ext>
-            </a:extLst>
-          </p:cNvPr>
+          <p:cNvPr id="2" name="Title 1"/>
           <p:cNvSpPr>
             <a:spLocks noGrp="1"/>
           </p:cNvSpPr>
@@ -2488,15 +2186,15 @@
         </p:nvSpPr>
         <p:spPr>
           <a:xfrm>
-            <a:off x="839788" y="457200"/>
-            <a:ext cx="3932237" cy="1600200"/>
+            <a:off x="393651" y="457200"/>
+            <a:ext cx="1843236" cy="1600200"/>
           </a:xfrm>
         </p:spPr>
         <p:txBody>
           <a:bodyPr anchor="b"/>
           <a:lstStyle>
             <a:lvl1pPr>
-              <a:defRPr sz="3200"/>
+              <a:defRPr sz="2000"/>
             </a:lvl1pPr>
           </a:lstStyle>
           <a:p>
@@ -2504,20 +2202,15 @@
               <a:rPr lang="en-US"/>
               <a:t>Click to edit Master title style</a:t>
             </a:r>
-          </a:p>
-        </p:txBody>
-      </p:sp>
-      <p:sp>
-        <p:nvSpPr>
-          <p:cNvPr id="3" name="Picture Placeholder 2">
-            <a:extLst>
-              <a:ext uri="{FF2B5EF4-FFF2-40B4-BE49-F238E27FC236}">
-                <a16:creationId xmlns:a16="http://schemas.microsoft.com/office/drawing/2014/main" id="{350461DA-4A22-4157-AC57-8E6790E7BF83}"/>
-              </a:ext>
-            </a:extLst>
-          </p:cNvPr>
-          <p:cNvSpPr>
-            <a:spLocks noGrp="1"/>
+            <a:endParaRPr lang="en-US" dirty="0"/>
+          </a:p>
+        </p:txBody>
+      </p:sp>
+      <p:sp>
+        <p:nvSpPr>
+          <p:cNvPr id="3" name="Picture Placeholder 2"/>
+          <p:cNvSpPr>
+            <a:spLocks noGrp="1" noChangeAspect="1"/>
           </p:cNvSpPr>
           <p:nvPr>
             <p:ph type="pic" idx="1"/>
@@ -2525,64 +2218,62 @@
         </p:nvSpPr>
         <p:spPr>
           <a:xfrm>
-            <a:off x="5183188" y="987425"/>
-            <a:ext cx="6172200" cy="4873625"/>
+            <a:off x="2429619" y="987427"/>
+            <a:ext cx="2893219" cy="4873625"/>
           </a:xfrm>
         </p:spPr>
         <p:txBody>
-          <a:bodyPr/>
+          <a:bodyPr anchor="t"/>
           <a:lstStyle>
             <a:lvl1pPr marL="0" indent="0">
               <a:buNone/>
-              <a:defRPr sz="3200"/>
+              <a:defRPr sz="2000"/>
             </a:lvl1pPr>
-            <a:lvl2pPr marL="457200" indent="0">
-              <a:buNone/>
-              <a:defRPr sz="2800"/>
+            <a:lvl2pPr marL="285750" indent="0">
+              <a:buNone/>
+              <a:defRPr sz="1750"/>
             </a:lvl2pPr>
-            <a:lvl3pPr marL="914400" indent="0">
-              <a:buNone/>
-              <a:defRPr sz="2400"/>
+            <a:lvl3pPr marL="571500" indent="0">
+              <a:buNone/>
+              <a:defRPr sz="1500"/>
             </a:lvl3pPr>
-            <a:lvl4pPr marL="1371600" indent="0">
-              <a:buNone/>
-              <a:defRPr sz="2000"/>
+            <a:lvl4pPr marL="857250" indent="0">
+              <a:buNone/>
+              <a:defRPr sz="1250"/>
             </a:lvl4pPr>
-            <a:lvl5pPr marL="1828800" indent="0">
-              <a:buNone/>
-              <a:defRPr sz="2000"/>
+            <a:lvl5pPr marL="1143000" indent="0">
+              <a:buNone/>
+              <a:defRPr sz="1250"/>
             </a:lvl5pPr>
-            <a:lvl6pPr marL="2286000" indent="0">
-              <a:buNone/>
-              <a:defRPr sz="2000"/>
+            <a:lvl6pPr marL="1428750" indent="0">
+              <a:buNone/>
+              <a:defRPr sz="1250"/>
             </a:lvl6pPr>
-            <a:lvl7pPr marL="2743200" indent="0">
-              <a:buNone/>
-              <a:defRPr sz="2000"/>
+            <a:lvl7pPr marL="1714500" indent="0">
+              <a:buNone/>
+              <a:defRPr sz="1250"/>
             </a:lvl7pPr>
-            <a:lvl8pPr marL="3200400" indent="0">
-              <a:buNone/>
-              <a:defRPr sz="2000"/>
+            <a:lvl8pPr marL="2000250" indent="0">
+              <a:buNone/>
+              <a:defRPr sz="1250"/>
             </a:lvl8pPr>
-            <a:lvl9pPr marL="3657600" indent="0">
-              <a:buNone/>
-              <a:defRPr sz="2000"/>
+            <a:lvl9pPr marL="2286000" indent="0">
+              <a:buNone/>
+              <a:defRPr sz="1250"/>
             </a:lvl9pPr>
           </a:lstStyle>
           <a:p>
-            <a:endParaRPr lang="en-US"/>
-          </a:p>
-        </p:txBody>
-      </p:sp>
-      <p:sp>
-        <p:nvSpPr>
-          <p:cNvPr id="4" name="Text Placeholder 3">
-            <a:extLst>
-              <a:ext uri="{FF2B5EF4-FFF2-40B4-BE49-F238E27FC236}">
-                <a16:creationId xmlns:a16="http://schemas.microsoft.com/office/drawing/2014/main" id="{1B943F7C-E42E-46A4-9A01-A2D6BD2EF492}"/>
-              </a:ext>
-            </a:extLst>
-          </p:cNvPr>
+            <a:r>
+              <a:rPr lang="en-US"/>
+              <a:t>Click icon to add picture</a:t>
+            </a:r>
+            <a:endParaRPr lang="en-US" dirty="0"/>
+          </a:p>
+        </p:txBody>
+      </p:sp>
+      <p:sp>
+        <p:nvSpPr>
+          <p:cNvPr id="4" name="Text Placeholder 3"/>
           <p:cNvSpPr>
             <a:spLocks noGrp="1"/>
           </p:cNvSpPr>
@@ -2592,8 +2283,8 @@
         </p:nvSpPr>
         <p:spPr>
           <a:xfrm>
-            <a:off x="839788" y="2057400"/>
-            <a:ext cx="3932237" cy="3811588"/>
+            <a:off x="393651" y="2057400"/>
+            <a:ext cx="1843236" cy="3811588"/>
           </a:xfrm>
         </p:spPr>
         <p:txBody>
@@ -2601,39 +2292,39 @@
           <a:lstStyle>
             <a:lvl1pPr marL="0" indent="0">
               <a:buNone/>
-              <a:defRPr sz="1600"/>
+              <a:defRPr sz="1000"/>
             </a:lvl1pPr>
-            <a:lvl2pPr marL="457200" indent="0">
-              <a:buNone/>
-              <a:defRPr sz="1400"/>
+            <a:lvl2pPr marL="285750" indent="0">
+              <a:buNone/>
+              <a:defRPr sz="875"/>
             </a:lvl2pPr>
-            <a:lvl3pPr marL="914400" indent="0">
-              <a:buNone/>
-              <a:defRPr sz="1200"/>
+            <a:lvl3pPr marL="571500" indent="0">
+              <a:buNone/>
+              <a:defRPr sz="750"/>
             </a:lvl3pPr>
-            <a:lvl4pPr marL="1371600" indent="0">
-              <a:buNone/>
-              <a:defRPr sz="1000"/>
+            <a:lvl4pPr marL="857250" indent="0">
+              <a:buNone/>
+              <a:defRPr sz="625"/>
             </a:lvl4pPr>
-            <a:lvl5pPr marL="1828800" indent="0">
-              <a:buNone/>
-              <a:defRPr sz="1000"/>
+            <a:lvl5pPr marL="1143000" indent="0">
+              <a:buNone/>
+              <a:defRPr sz="625"/>
             </a:lvl5pPr>
-            <a:lvl6pPr marL="2286000" indent="0">
-              <a:buNone/>
-              <a:defRPr sz="1000"/>
+            <a:lvl6pPr marL="1428750" indent="0">
+              <a:buNone/>
+              <a:defRPr sz="625"/>
             </a:lvl6pPr>
-            <a:lvl7pPr marL="2743200" indent="0">
-              <a:buNone/>
-              <a:defRPr sz="1000"/>
+            <a:lvl7pPr marL="1714500" indent="0">
+              <a:buNone/>
+              <a:defRPr sz="625"/>
             </a:lvl7pPr>
-            <a:lvl8pPr marL="3200400" indent="0">
-              <a:buNone/>
-              <a:defRPr sz="1000"/>
+            <a:lvl8pPr marL="2000250" indent="0">
+              <a:buNone/>
+              <a:defRPr sz="625"/>
             </a:lvl8pPr>
-            <a:lvl9pPr marL="3657600" indent="0">
-              <a:buNone/>
-              <a:defRPr sz="1000"/>
+            <a:lvl9pPr marL="2286000" indent="0">
+              <a:buNone/>
+              <a:defRPr sz="625"/>
             </a:lvl9pPr>
           </a:lstStyle>
           <a:p>
@@ -2647,13 +2338,7 @@
       </p:sp>
       <p:sp>
         <p:nvSpPr>
-          <p:cNvPr id="5" name="Date Placeholder 4">
-            <a:extLst>
-              <a:ext uri="{FF2B5EF4-FFF2-40B4-BE49-F238E27FC236}">
-                <a16:creationId xmlns:a16="http://schemas.microsoft.com/office/drawing/2014/main" id="{27DB3726-08A6-4FF2-A012-08ACFC8AE648}"/>
-              </a:ext>
-            </a:extLst>
-          </p:cNvPr>
+          <p:cNvPr id="5" name="Date Placeholder 4"/>
           <p:cNvSpPr>
             <a:spLocks noGrp="1"/>
           </p:cNvSpPr>
@@ -2668,7 +2353,7 @@
           <a:p>
             <a:fld id="{6B6CC2A7-A866-42C2-A27A-50AEF0DF511B}" type="datetimeFigureOut">
               <a:rPr lang="en-US" smtClean="0"/>
-              <a:t>7/5/2021</a:t>
+              <a:t>9/20/2021</a:t>
             </a:fld>
             <a:endParaRPr lang="en-US"/>
           </a:p>
@@ -2676,13 +2361,7 @@
       </p:sp>
       <p:sp>
         <p:nvSpPr>
-          <p:cNvPr id="6" name="Footer Placeholder 5">
-            <a:extLst>
-              <a:ext uri="{FF2B5EF4-FFF2-40B4-BE49-F238E27FC236}">
-                <a16:creationId xmlns:a16="http://schemas.microsoft.com/office/drawing/2014/main" id="{DCA7DB5F-423D-4547-A6BE-C36CF17646C1}"/>
-              </a:ext>
-            </a:extLst>
-          </p:cNvPr>
+          <p:cNvPr id="6" name="Footer Placeholder 5"/>
           <p:cNvSpPr>
             <a:spLocks noGrp="1"/>
           </p:cNvSpPr>
@@ -2701,13 +2380,7 @@
       </p:sp>
       <p:sp>
         <p:nvSpPr>
-          <p:cNvPr id="7" name="Slide Number Placeholder 6">
-            <a:extLst>
-              <a:ext uri="{FF2B5EF4-FFF2-40B4-BE49-F238E27FC236}">
-                <a16:creationId xmlns:a16="http://schemas.microsoft.com/office/drawing/2014/main" id="{14B88431-7A97-4684-A7F0-19C76DCC8B76}"/>
-              </a:ext>
-            </a:extLst>
-          </p:cNvPr>
+          <p:cNvPr id="7" name="Slide Number Placeholder 6"/>
           <p:cNvSpPr>
             <a:spLocks noGrp="1"/>
           </p:cNvSpPr>
@@ -2731,7 +2404,7 @@
     </p:spTree>
     <p:extLst>
       <p:ext uri="{BB962C8B-B14F-4D97-AF65-F5344CB8AC3E}">
-        <p14:creationId xmlns:p14="http://schemas.microsoft.com/office/powerpoint/2010/main" val="1894708103"/>
+        <p14:creationId xmlns:p14="http://schemas.microsoft.com/office/powerpoint/2010/main" val="273962966"/>
       </p:ext>
     </p:extLst>
   </p:cSld>
@@ -2765,13 +2438,7 @@
       </p:grpSpPr>
       <p:sp>
         <p:nvSpPr>
-          <p:cNvPr id="2" name="Title Placeholder 1">
-            <a:extLst>
-              <a:ext uri="{FF2B5EF4-FFF2-40B4-BE49-F238E27FC236}">
-                <a16:creationId xmlns:a16="http://schemas.microsoft.com/office/drawing/2014/main" id="{50B04EEF-317F-4B07-A4EF-1D09FD60EC1D}"/>
-              </a:ext>
-            </a:extLst>
-          </p:cNvPr>
+          <p:cNvPr id="2" name="Title Placeholder 1"/>
           <p:cNvSpPr>
             <a:spLocks noGrp="1"/>
           </p:cNvSpPr>
@@ -2781,8 +2448,8 @@
         </p:nvSpPr>
         <p:spPr>
           <a:xfrm>
-            <a:off x="838200" y="365125"/>
-            <a:ext cx="10515600" cy="1325563"/>
+            <a:off x="392906" y="365127"/>
+            <a:ext cx="4929188" cy="1325563"/>
           </a:xfrm>
           <a:prstGeom prst="rect">
             <a:avLst/>
@@ -2798,18 +2465,13 @@
               <a:rPr lang="en-US"/>
               <a:t>Click to edit Master title style</a:t>
             </a:r>
-          </a:p>
-        </p:txBody>
-      </p:sp>
-      <p:sp>
-        <p:nvSpPr>
-          <p:cNvPr id="3" name="Text Placeholder 2">
-            <a:extLst>
-              <a:ext uri="{FF2B5EF4-FFF2-40B4-BE49-F238E27FC236}">
-                <a16:creationId xmlns:a16="http://schemas.microsoft.com/office/drawing/2014/main" id="{41D27885-7049-4A48-BB78-5D9B5E01B789}"/>
-              </a:ext>
-            </a:extLst>
-          </p:cNvPr>
+            <a:endParaRPr lang="en-US" dirty="0"/>
+          </a:p>
+        </p:txBody>
+      </p:sp>
+      <p:sp>
+        <p:nvSpPr>
+          <p:cNvPr id="3" name="Text Placeholder 2"/>
           <p:cNvSpPr>
             <a:spLocks noGrp="1"/>
           </p:cNvSpPr>
@@ -2819,8 +2481,8 @@
         </p:nvSpPr>
         <p:spPr>
           <a:xfrm>
-            <a:off x="838200" y="1825625"/>
-            <a:ext cx="10515600" cy="4351338"/>
+            <a:off x="392906" y="1825625"/>
+            <a:ext cx="4929188" cy="4351338"/>
           </a:xfrm>
           <a:prstGeom prst="rect">
             <a:avLst/>
@@ -2865,18 +2527,13 @@
               <a:rPr lang="en-US"/>
               <a:t>Fifth level</a:t>
             </a:r>
-          </a:p>
-        </p:txBody>
-      </p:sp>
-      <p:sp>
-        <p:nvSpPr>
-          <p:cNvPr id="4" name="Date Placeholder 3">
-            <a:extLst>
-              <a:ext uri="{FF2B5EF4-FFF2-40B4-BE49-F238E27FC236}">
-                <a16:creationId xmlns:a16="http://schemas.microsoft.com/office/drawing/2014/main" id="{23186DA7-9641-4A24-A096-17ADB73CC789}"/>
-              </a:ext>
-            </a:extLst>
-          </p:cNvPr>
+            <a:endParaRPr lang="en-US" dirty="0"/>
+          </a:p>
+        </p:txBody>
+      </p:sp>
+      <p:sp>
+        <p:nvSpPr>
+          <p:cNvPr id="4" name="Date Placeholder 3"/>
           <p:cNvSpPr>
             <a:spLocks noGrp="1"/>
           </p:cNvSpPr>
@@ -2886,8 +2543,8 @@
         </p:nvSpPr>
         <p:spPr>
           <a:xfrm>
-            <a:off x="838200" y="6356350"/>
-            <a:ext cx="2743200" cy="365125"/>
+            <a:off x="392906" y="6356352"/>
+            <a:ext cx="1285875" cy="365125"/>
           </a:xfrm>
           <a:prstGeom prst="rect">
             <a:avLst/>
@@ -2897,7 +2554,7 @@
           <a:bodyPr vert="horz" lIns="91440" tIns="45720" rIns="91440" bIns="45720" rtlCol="0" anchor="ctr"/>
           <a:lstStyle>
             <a:lvl1pPr algn="l">
-              <a:defRPr sz="1200">
+              <a:defRPr sz="750">
                 <a:solidFill>
                   <a:schemeClr val="tx1">
                     <a:tint val="75000"/>
@@ -2909,7 +2566,7 @@
           <a:p>
             <a:fld id="{6B6CC2A7-A866-42C2-A27A-50AEF0DF511B}" type="datetimeFigureOut">
               <a:rPr lang="en-US" smtClean="0"/>
-              <a:t>7/5/2021</a:t>
+              <a:t>9/20/2021</a:t>
             </a:fld>
             <a:endParaRPr lang="en-US"/>
           </a:p>
@@ -2917,13 +2574,7 @@
       </p:sp>
       <p:sp>
         <p:nvSpPr>
-          <p:cNvPr id="5" name="Footer Placeholder 4">
-            <a:extLst>
-              <a:ext uri="{FF2B5EF4-FFF2-40B4-BE49-F238E27FC236}">
-                <a16:creationId xmlns:a16="http://schemas.microsoft.com/office/drawing/2014/main" id="{8FCDBE65-410E-4295-A93E-9050CCEAC0D7}"/>
-              </a:ext>
-            </a:extLst>
-          </p:cNvPr>
+          <p:cNvPr id="5" name="Footer Placeholder 4"/>
           <p:cNvSpPr>
             <a:spLocks noGrp="1"/>
           </p:cNvSpPr>
@@ -2933,8 +2584,8 @@
         </p:nvSpPr>
         <p:spPr>
           <a:xfrm>
-            <a:off x="4038600" y="6356350"/>
-            <a:ext cx="4114800" cy="365125"/>
+            <a:off x="1893094" y="6356352"/>
+            <a:ext cx="1928813" cy="365125"/>
           </a:xfrm>
           <a:prstGeom prst="rect">
             <a:avLst/>
@@ -2944,7 +2595,7 @@
           <a:bodyPr vert="horz" lIns="91440" tIns="45720" rIns="91440" bIns="45720" rtlCol="0" anchor="ctr"/>
           <a:lstStyle>
             <a:lvl1pPr algn="ctr">
-              <a:defRPr sz="1200">
+              <a:defRPr sz="750">
                 <a:solidFill>
                   <a:schemeClr val="tx1">
                     <a:tint val="75000"/>
@@ -2960,13 +2611,7 @@
       </p:sp>
       <p:sp>
         <p:nvSpPr>
-          <p:cNvPr id="6" name="Slide Number Placeholder 5">
-            <a:extLst>
-              <a:ext uri="{FF2B5EF4-FFF2-40B4-BE49-F238E27FC236}">
-                <a16:creationId xmlns:a16="http://schemas.microsoft.com/office/drawing/2014/main" id="{423AD459-0714-44C5-BB0B-A06212EA5C95}"/>
-              </a:ext>
-            </a:extLst>
-          </p:cNvPr>
+          <p:cNvPr id="6" name="Slide Number Placeholder 5"/>
           <p:cNvSpPr>
             <a:spLocks noGrp="1"/>
           </p:cNvSpPr>
@@ -2976,8 +2621,8 @@
         </p:nvSpPr>
         <p:spPr>
           <a:xfrm>
-            <a:off x="8610600" y="6356350"/>
-            <a:ext cx="2743200" cy="365125"/>
+            <a:off x="4036219" y="6356352"/>
+            <a:ext cx="1285875" cy="365125"/>
           </a:xfrm>
           <a:prstGeom prst="rect">
             <a:avLst/>
@@ -2987,7 +2632,7 @@
           <a:bodyPr vert="horz" lIns="91440" tIns="45720" rIns="91440" bIns="45720" rtlCol="0" anchor="ctr"/>
           <a:lstStyle>
             <a:lvl1pPr algn="r">
-              <a:defRPr sz="1200">
+              <a:defRPr sz="750">
                 <a:solidFill>
                   <a:schemeClr val="tx1">
                     <a:tint val="75000"/>
@@ -3008,27 +2653,27 @@
     </p:spTree>
     <p:extLst>
       <p:ext uri="{BB962C8B-B14F-4D97-AF65-F5344CB8AC3E}">
-        <p14:creationId xmlns:p14="http://schemas.microsoft.com/office/powerpoint/2010/main" val="844980359"/>
+        <p14:creationId xmlns:p14="http://schemas.microsoft.com/office/powerpoint/2010/main" val="479687100"/>
       </p:ext>
     </p:extLst>
   </p:cSld>
   <p:clrMap bg1="lt1" tx1="dk1" bg2="lt2" tx2="dk2" accent1="accent1" accent2="accent2" accent3="accent3" accent4="accent4" accent5="accent5" accent6="accent6" hlink="hlink" folHlink="folHlink"/>
   <p:sldLayoutIdLst>
-    <p:sldLayoutId id="2147483649" r:id="rId1"/>
-    <p:sldLayoutId id="2147483650" r:id="rId2"/>
-    <p:sldLayoutId id="2147483651" r:id="rId3"/>
-    <p:sldLayoutId id="2147483652" r:id="rId4"/>
-    <p:sldLayoutId id="2147483653" r:id="rId5"/>
-    <p:sldLayoutId id="2147483654" r:id="rId6"/>
-    <p:sldLayoutId id="2147483655" r:id="rId7"/>
-    <p:sldLayoutId id="2147483656" r:id="rId8"/>
-    <p:sldLayoutId id="2147483657" r:id="rId9"/>
-    <p:sldLayoutId id="2147483658" r:id="rId10"/>
-    <p:sldLayoutId id="2147483659" r:id="rId11"/>
+    <p:sldLayoutId id="2147483661" r:id="rId1"/>
+    <p:sldLayoutId id="2147483662" r:id="rId2"/>
+    <p:sldLayoutId id="2147483663" r:id="rId3"/>
+    <p:sldLayoutId id="2147483664" r:id="rId4"/>
+    <p:sldLayoutId id="2147483665" r:id="rId5"/>
+    <p:sldLayoutId id="2147483666" r:id="rId6"/>
+    <p:sldLayoutId id="2147483667" r:id="rId7"/>
+    <p:sldLayoutId id="2147483668" r:id="rId8"/>
+    <p:sldLayoutId id="2147483669" r:id="rId9"/>
+    <p:sldLayoutId id="2147483670" r:id="rId10"/>
+    <p:sldLayoutId id="2147483671" r:id="rId11"/>
   </p:sldLayoutIdLst>
   <p:txStyles>
     <p:titleStyle>
-      <a:lvl1pPr algn="l" defTabSz="914400" rtl="0" eaLnBrk="1" latinLnBrk="0" hangingPunct="1">
+      <a:lvl1pPr algn="l" defTabSz="571500" rtl="0" eaLnBrk="1" latinLnBrk="0" hangingPunct="1">
         <a:lnSpc>
           <a:spcPct val="90000"/>
         </a:lnSpc>
@@ -3036,7 +2681,7 @@
           <a:spcPct val="0"/>
         </a:spcBef>
         <a:buNone/>
-        <a:defRPr sz="4400" kern="1200">
+        <a:defRPr sz="2750" kern="1200">
           <a:solidFill>
             <a:schemeClr val="tx1"/>
           </a:solidFill>
@@ -3047,16 +2692,16 @@
       </a:lvl1pPr>
     </p:titleStyle>
     <p:bodyStyle>
-      <a:lvl1pPr marL="228600" indent="-228600" algn="l" defTabSz="914400" rtl="0" eaLnBrk="1" latinLnBrk="0" hangingPunct="1">
+      <a:lvl1pPr marL="142875" indent="-142875" algn="l" defTabSz="571500" rtl="0" eaLnBrk="1" latinLnBrk="0" hangingPunct="1">
         <a:lnSpc>
           <a:spcPct val="90000"/>
         </a:lnSpc>
         <a:spcBef>
-          <a:spcPts val="1000"/>
+          <a:spcPts val="625"/>
         </a:spcBef>
         <a:buFont typeface="Arial" panose="020B0604020202020204" pitchFamily="34" charset="0"/>
         <a:buChar char="•"/>
-        <a:defRPr sz="2800" kern="1200">
+        <a:defRPr sz="1750" kern="1200">
           <a:solidFill>
             <a:schemeClr val="tx1"/>
           </a:solidFill>
@@ -3065,16 +2710,16 @@
           <a:cs typeface="+mn-cs"/>
         </a:defRPr>
       </a:lvl1pPr>
-      <a:lvl2pPr marL="685800" indent="-228600" algn="l" defTabSz="914400" rtl="0" eaLnBrk="1" latinLnBrk="0" hangingPunct="1">
+      <a:lvl2pPr marL="428625" indent="-142875" algn="l" defTabSz="571500" rtl="0" eaLnBrk="1" latinLnBrk="0" hangingPunct="1">
         <a:lnSpc>
           <a:spcPct val="90000"/>
         </a:lnSpc>
         <a:spcBef>
-          <a:spcPts val="500"/>
+          <a:spcPts val="313"/>
         </a:spcBef>
         <a:buFont typeface="Arial" panose="020B0604020202020204" pitchFamily="34" charset="0"/>
         <a:buChar char="•"/>
-        <a:defRPr sz="2400" kern="1200">
+        <a:defRPr sz="1500" kern="1200">
           <a:solidFill>
             <a:schemeClr val="tx1"/>
           </a:solidFill>
@@ -3083,16 +2728,16 @@
           <a:cs typeface="+mn-cs"/>
         </a:defRPr>
       </a:lvl2pPr>
-      <a:lvl3pPr marL="1143000" indent="-228600" algn="l" defTabSz="914400" rtl="0" eaLnBrk="1" latinLnBrk="0" hangingPunct="1">
+      <a:lvl3pPr marL="714375" indent="-142875" algn="l" defTabSz="571500" rtl="0" eaLnBrk="1" latinLnBrk="0" hangingPunct="1">
         <a:lnSpc>
           <a:spcPct val="90000"/>
         </a:lnSpc>
         <a:spcBef>
-          <a:spcPts val="500"/>
+          <a:spcPts val="313"/>
         </a:spcBef>
         <a:buFont typeface="Arial" panose="020B0604020202020204" pitchFamily="34" charset="0"/>
         <a:buChar char="•"/>
-        <a:defRPr sz="2000" kern="1200">
+        <a:defRPr sz="1250" kern="1200">
           <a:solidFill>
             <a:schemeClr val="tx1"/>
           </a:solidFill>
@@ -3101,16 +2746,16 @@
           <a:cs typeface="+mn-cs"/>
         </a:defRPr>
       </a:lvl3pPr>
-      <a:lvl4pPr marL="1600200" indent="-228600" algn="l" defTabSz="914400" rtl="0" eaLnBrk="1" latinLnBrk="0" hangingPunct="1">
+      <a:lvl4pPr marL="1000125" indent="-142875" algn="l" defTabSz="571500" rtl="0" eaLnBrk="1" latinLnBrk="0" hangingPunct="1">
         <a:lnSpc>
           <a:spcPct val="90000"/>
         </a:lnSpc>
         <a:spcBef>
-          <a:spcPts val="500"/>
+          <a:spcPts val="313"/>
         </a:spcBef>
         <a:buFont typeface="Arial" panose="020B0604020202020204" pitchFamily="34" charset="0"/>
         <a:buChar char="•"/>
-        <a:defRPr sz="1800" kern="1200">
+        <a:defRPr sz="1125" kern="1200">
           <a:solidFill>
             <a:schemeClr val="tx1"/>
           </a:solidFill>
@@ -3119,16 +2764,16 @@
           <a:cs typeface="+mn-cs"/>
         </a:defRPr>
       </a:lvl4pPr>
-      <a:lvl5pPr marL="2057400" indent="-228600" algn="l" defTabSz="914400" rtl="0" eaLnBrk="1" latinLnBrk="0" hangingPunct="1">
+      <a:lvl5pPr marL="1285875" indent="-142875" algn="l" defTabSz="571500" rtl="0" eaLnBrk="1" latinLnBrk="0" hangingPunct="1">
         <a:lnSpc>
           <a:spcPct val="90000"/>
         </a:lnSpc>
         <a:spcBef>
-          <a:spcPts val="500"/>
+          <a:spcPts val="313"/>
         </a:spcBef>
         <a:buFont typeface="Arial" panose="020B0604020202020204" pitchFamily="34" charset="0"/>
         <a:buChar char="•"/>
-        <a:defRPr sz="1800" kern="1200">
+        <a:defRPr sz="1125" kern="1200">
           <a:solidFill>
             <a:schemeClr val="tx1"/>
           </a:solidFill>
@@ -3137,16 +2782,16 @@
           <a:cs typeface="+mn-cs"/>
         </a:defRPr>
       </a:lvl5pPr>
-      <a:lvl6pPr marL="2514600" indent="-228600" algn="l" defTabSz="914400" rtl="0" eaLnBrk="1" latinLnBrk="0" hangingPunct="1">
+      <a:lvl6pPr marL="1571625" indent="-142875" algn="l" defTabSz="571500" rtl="0" eaLnBrk="1" latinLnBrk="0" hangingPunct="1">
         <a:lnSpc>
           <a:spcPct val="90000"/>
         </a:lnSpc>
         <a:spcBef>
-          <a:spcPts val="500"/>
+          <a:spcPts val="313"/>
         </a:spcBef>
         <a:buFont typeface="Arial" panose="020B0604020202020204" pitchFamily="34" charset="0"/>
         <a:buChar char="•"/>
-        <a:defRPr sz="1800" kern="1200">
+        <a:defRPr sz="1125" kern="1200">
           <a:solidFill>
             <a:schemeClr val="tx1"/>
           </a:solidFill>
@@ -3155,16 +2800,16 @@
           <a:cs typeface="+mn-cs"/>
         </a:defRPr>
       </a:lvl6pPr>
-      <a:lvl7pPr marL="2971800" indent="-228600" algn="l" defTabSz="914400" rtl="0" eaLnBrk="1" latinLnBrk="0" hangingPunct="1">
+      <a:lvl7pPr marL="1857375" indent="-142875" algn="l" defTabSz="571500" rtl="0" eaLnBrk="1" latinLnBrk="0" hangingPunct="1">
         <a:lnSpc>
           <a:spcPct val="90000"/>
         </a:lnSpc>
         <a:spcBef>
-          <a:spcPts val="500"/>
+          <a:spcPts val="313"/>
         </a:spcBef>
         <a:buFont typeface="Arial" panose="020B0604020202020204" pitchFamily="34" charset="0"/>
         <a:buChar char="•"/>
-        <a:defRPr sz="1800" kern="1200">
+        <a:defRPr sz="1125" kern="1200">
           <a:solidFill>
             <a:schemeClr val="tx1"/>
           </a:solidFill>
@@ -3173,16 +2818,16 @@
           <a:cs typeface="+mn-cs"/>
         </a:defRPr>
       </a:lvl7pPr>
-      <a:lvl8pPr marL="3429000" indent="-228600" algn="l" defTabSz="914400" rtl="0" eaLnBrk="1" latinLnBrk="0" hangingPunct="1">
+      <a:lvl8pPr marL="2143125" indent="-142875" algn="l" defTabSz="571500" rtl="0" eaLnBrk="1" latinLnBrk="0" hangingPunct="1">
         <a:lnSpc>
           <a:spcPct val="90000"/>
         </a:lnSpc>
         <a:spcBef>
-          <a:spcPts val="500"/>
+          <a:spcPts val="313"/>
         </a:spcBef>
         <a:buFont typeface="Arial" panose="020B0604020202020204" pitchFamily="34" charset="0"/>
         <a:buChar char="•"/>
-        <a:defRPr sz="1800" kern="1200">
+        <a:defRPr sz="1125" kern="1200">
           <a:solidFill>
             <a:schemeClr val="tx1"/>
           </a:solidFill>
@@ -3191,16 +2836,16 @@
           <a:cs typeface="+mn-cs"/>
         </a:defRPr>
       </a:lvl8pPr>
-      <a:lvl9pPr marL="3886200" indent="-228600" algn="l" defTabSz="914400" rtl="0" eaLnBrk="1" latinLnBrk="0" hangingPunct="1">
+      <a:lvl9pPr marL="2428875" indent="-142875" algn="l" defTabSz="571500" rtl="0" eaLnBrk="1" latinLnBrk="0" hangingPunct="1">
         <a:lnSpc>
           <a:spcPct val="90000"/>
         </a:lnSpc>
         <a:spcBef>
-          <a:spcPts val="500"/>
+          <a:spcPts val="313"/>
         </a:spcBef>
         <a:buFont typeface="Arial" panose="020B0604020202020204" pitchFamily="34" charset="0"/>
         <a:buChar char="•"/>
-        <a:defRPr sz="1800" kern="1200">
+        <a:defRPr sz="1125" kern="1200">
           <a:solidFill>
             <a:schemeClr val="tx1"/>
           </a:solidFill>
@@ -3214,8 +2859,8 @@
       <a:defPPr>
         <a:defRPr lang="en-US"/>
       </a:defPPr>
-      <a:lvl1pPr marL="0" algn="l" defTabSz="914400" rtl="0" eaLnBrk="1" latinLnBrk="0" hangingPunct="1">
-        <a:defRPr sz="1800" kern="1200">
+      <a:lvl1pPr marL="0" algn="l" defTabSz="571500" rtl="0" eaLnBrk="1" latinLnBrk="0" hangingPunct="1">
+        <a:defRPr sz="1125" kern="1200">
           <a:solidFill>
             <a:schemeClr val="tx1"/>
           </a:solidFill>
@@ -3224,8 +2869,8 @@
           <a:cs typeface="+mn-cs"/>
         </a:defRPr>
       </a:lvl1pPr>
-      <a:lvl2pPr marL="457200" algn="l" defTabSz="914400" rtl="0" eaLnBrk="1" latinLnBrk="0" hangingPunct="1">
-        <a:defRPr sz="1800" kern="1200">
+      <a:lvl2pPr marL="285750" algn="l" defTabSz="571500" rtl="0" eaLnBrk="1" latinLnBrk="0" hangingPunct="1">
+        <a:defRPr sz="1125" kern="1200">
           <a:solidFill>
             <a:schemeClr val="tx1"/>
           </a:solidFill>
@@ -3234,8 +2879,8 @@
           <a:cs typeface="+mn-cs"/>
         </a:defRPr>
       </a:lvl2pPr>
-      <a:lvl3pPr marL="914400" algn="l" defTabSz="914400" rtl="0" eaLnBrk="1" latinLnBrk="0" hangingPunct="1">
-        <a:defRPr sz="1800" kern="1200">
+      <a:lvl3pPr marL="571500" algn="l" defTabSz="571500" rtl="0" eaLnBrk="1" latinLnBrk="0" hangingPunct="1">
+        <a:defRPr sz="1125" kern="1200">
           <a:solidFill>
             <a:schemeClr val="tx1"/>
           </a:solidFill>
@@ -3244,8 +2889,8 @@
           <a:cs typeface="+mn-cs"/>
         </a:defRPr>
       </a:lvl3pPr>
-      <a:lvl4pPr marL="1371600" algn="l" defTabSz="914400" rtl="0" eaLnBrk="1" latinLnBrk="0" hangingPunct="1">
-        <a:defRPr sz="1800" kern="1200">
+      <a:lvl4pPr marL="857250" algn="l" defTabSz="571500" rtl="0" eaLnBrk="1" latinLnBrk="0" hangingPunct="1">
+        <a:defRPr sz="1125" kern="1200">
           <a:solidFill>
             <a:schemeClr val="tx1"/>
           </a:solidFill>
@@ -3254,8 +2899,8 @@
           <a:cs typeface="+mn-cs"/>
         </a:defRPr>
       </a:lvl4pPr>
-      <a:lvl5pPr marL="1828800" algn="l" defTabSz="914400" rtl="0" eaLnBrk="1" latinLnBrk="0" hangingPunct="1">
-        <a:defRPr sz="1800" kern="1200">
+      <a:lvl5pPr marL="1143000" algn="l" defTabSz="571500" rtl="0" eaLnBrk="1" latinLnBrk="0" hangingPunct="1">
+        <a:defRPr sz="1125" kern="1200">
           <a:solidFill>
             <a:schemeClr val="tx1"/>
           </a:solidFill>
@@ -3264,8 +2909,8 @@
           <a:cs typeface="+mn-cs"/>
         </a:defRPr>
       </a:lvl5pPr>
-      <a:lvl6pPr marL="2286000" algn="l" defTabSz="914400" rtl="0" eaLnBrk="1" latinLnBrk="0" hangingPunct="1">
-        <a:defRPr sz="1800" kern="1200">
+      <a:lvl6pPr marL="1428750" algn="l" defTabSz="571500" rtl="0" eaLnBrk="1" latinLnBrk="0" hangingPunct="1">
+        <a:defRPr sz="1125" kern="1200">
           <a:solidFill>
             <a:schemeClr val="tx1"/>
           </a:solidFill>
@@ -3274,8 +2919,8 @@
           <a:cs typeface="+mn-cs"/>
         </a:defRPr>
       </a:lvl6pPr>
-      <a:lvl7pPr marL="2743200" algn="l" defTabSz="914400" rtl="0" eaLnBrk="1" latinLnBrk="0" hangingPunct="1">
-        <a:defRPr sz="1800" kern="1200">
+      <a:lvl7pPr marL="1714500" algn="l" defTabSz="571500" rtl="0" eaLnBrk="1" latinLnBrk="0" hangingPunct="1">
+        <a:defRPr sz="1125" kern="1200">
           <a:solidFill>
             <a:schemeClr val="tx1"/>
           </a:solidFill>
@@ -3284,8 +2929,8 @@
           <a:cs typeface="+mn-cs"/>
         </a:defRPr>
       </a:lvl7pPr>
-      <a:lvl8pPr marL="3200400" algn="l" defTabSz="914400" rtl="0" eaLnBrk="1" latinLnBrk="0" hangingPunct="1">
-        <a:defRPr sz="1800" kern="1200">
+      <a:lvl8pPr marL="2000250" algn="l" defTabSz="571500" rtl="0" eaLnBrk="1" latinLnBrk="0" hangingPunct="1">
+        <a:defRPr sz="1125" kern="1200">
           <a:solidFill>
             <a:schemeClr val="tx1"/>
           </a:solidFill>
@@ -3294,8 +2939,8 @@
           <a:cs typeface="+mn-cs"/>
         </a:defRPr>
       </a:lvl8pPr>
-      <a:lvl9pPr marL="3657600" algn="l" defTabSz="914400" rtl="0" eaLnBrk="1" latinLnBrk="0" hangingPunct="1">
-        <a:defRPr sz="1800" kern="1200">
+      <a:lvl9pPr marL="2286000" algn="l" defTabSz="571500" rtl="0" eaLnBrk="1" latinLnBrk="0" hangingPunct="1">
+        <a:defRPr sz="1125" kern="1200">
           <a:solidFill>
             <a:schemeClr val="tx1"/>
           </a:solidFill>
@@ -3326,64 +2971,12 @@
           <a:chExt cx="0" cy="0"/>
         </a:xfrm>
       </p:grpSpPr>
-      <p:sp>
-        <p:nvSpPr>
-          <p:cNvPr id="24" name="Rectangle 23">
+      <p:grpSp>
+        <p:nvGrpSpPr>
+          <p:cNvPr id="8" name="Group 7">
             <a:extLst>
               <a:ext uri="{FF2B5EF4-FFF2-40B4-BE49-F238E27FC236}">
-                <a16:creationId xmlns:a16="http://schemas.microsoft.com/office/drawing/2014/main" id="{13F87077-C6E7-4BB1-B0E5-C6ADA08FD2FD}"/>
-              </a:ext>
-            </a:extLst>
-          </p:cNvPr>
-          <p:cNvSpPr/>
-          <p:nvPr/>
-        </p:nvSpPr>
-        <p:spPr>
-          <a:xfrm>
-            <a:off x="3048113" y="71155"/>
-            <a:ext cx="5718358" cy="6786845"/>
-          </a:xfrm>
-          <a:prstGeom prst="rect">
-            <a:avLst/>
-          </a:prstGeom>
-          <a:solidFill>
-            <a:schemeClr val="bg1"/>
-          </a:solidFill>
-          <a:ln>
-            <a:noFill/>
-          </a:ln>
-        </p:spPr>
-        <p:style>
-          <a:lnRef idx="2">
-            <a:schemeClr val="accent1">
-              <a:shade val="50000"/>
-            </a:schemeClr>
-          </a:lnRef>
-          <a:fillRef idx="1">
-            <a:schemeClr val="accent1"/>
-          </a:fillRef>
-          <a:effectRef idx="0">
-            <a:schemeClr val="accent1"/>
-          </a:effectRef>
-          <a:fontRef idx="minor">
-            <a:schemeClr val="lt1"/>
-          </a:fontRef>
-        </p:style>
-        <p:txBody>
-          <a:bodyPr rtlCol="0" anchor="ctr"/>
-          <a:lstStyle/>
-          <a:p>
-            <a:pPr algn="ctr"/>
-            <a:endParaRPr lang="en-US"/>
-          </a:p>
-        </p:txBody>
-      </p:sp>
-      <p:grpSp>
-        <p:nvGrpSpPr>
-          <p:cNvPr id="16" name="Group 15">
-            <a:extLst>
-              <a:ext uri="{FF2B5EF4-FFF2-40B4-BE49-F238E27FC236}">
-                <a16:creationId xmlns:a16="http://schemas.microsoft.com/office/drawing/2014/main" id="{944E5CC4-444B-486A-B448-4FFDE743C575}"/>
+                <a16:creationId xmlns:a16="http://schemas.microsoft.com/office/drawing/2014/main" id="{7786AC18-7899-498D-8F62-A933D0303DAE}"/>
               </a:ext>
             </a:extLst>
           </p:cNvPr>
@@ -3392,18 +2985,70 @@
         </p:nvGrpSpPr>
         <p:grpSpPr>
           <a:xfrm>
-            <a:off x="3278909" y="71155"/>
-            <a:ext cx="5414401" cy="4420266"/>
-            <a:chOff x="1094240" y="426127"/>
-            <a:chExt cx="7207032" cy="5727436"/>
+            <a:off x="-3358" y="0"/>
+            <a:ext cx="5718358" cy="6798930"/>
+            <a:chOff x="3048113" y="59070"/>
+            <a:chExt cx="5718358" cy="6798930"/>
           </a:xfrm>
         </p:grpSpPr>
+        <p:sp>
+          <p:nvSpPr>
+            <p:cNvPr id="24" name="Rectangle 23">
+              <a:extLst>
+                <a:ext uri="{FF2B5EF4-FFF2-40B4-BE49-F238E27FC236}">
+                  <a16:creationId xmlns:a16="http://schemas.microsoft.com/office/drawing/2014/main" id="{13F87077-C6E7-4BB1-B0E5-C6ADA08FD2FD}"/>
+                </a:ext>
+              </a:extLst>
+            </p:cNvPr>
+            <p:cNvSpPr/>
+            <p:nvPr/>
+          </p:nvSpPr>
+          <p:spPr>
+            <a:xfrm>
+              <a:off x="3048113" y="71155"/>
+              <a:ext cx="5718358" cy="6786845"/>
+            </a:xfrm>
+            <a:prstGeom prst="rect">
+              <a:avLst/>
+            </a:prstGeom>
+            <a:solidFill>
+              <a:schemeClr val="bg1"/>
+            </a:solidFill>
+            <a:ln>
+              <a:noFill/>
+            </a:ln>
+          </p:spPr>
+          <p:style>
+            <a:lnRef idx="2">
+              <a:schemeClr val="accent1">
+                <a:shade val="50000"/>
+              </a:schemeClr>
+            </a:lnRef>
+            <a:fillRef idx="1">
+              <a:schemeClr val="accent1"/>
+            </a:fillRef>
+            <a:effectRef idx="0">
+              <a:schemeClr val="accent1"/>
+            </a:effectRef>
+            <a:fontRef idx="minor">
+              <a:schemeClr val="lt1"/>
+            </a:fontRef>
+          </p:style>
+          <p:txBody>
+            <a:bodyPr rtlCol="0" anchor="ctr"/>
+            <a:lstStyle/>
+            <a:p>
+              <a:pPr algn="ctr"/>
+              <a:endParaRPr lang="en-US"/>
+            </a:p>
+          </p:txBody>
+        </p:sp>
         <p:pic>
           <p:nvPicPr>
-            <p:cNvPr id="9" name="Picture 8">
+            <p:cNvPr id="4" name="Picture 3">
               <a:extLst>
                 <a:ext uri="{FF2B5EF4-FFF2-40B4-BE49-F238E27FC236}">
-                  <a16:creationId xmlns:a16="http://schemas.microsoft.com/office/drawing/2014/main" id="{F24D8402-B827-4A57-AFA8-205E25DA283F}"/>
+                  <a16:creationId xmlns:a16="http://schemas.microsoft.com/office/drawing/2014/main" id="{228F41EE-29A6-452F-8590-D42C4EA9FFA4}"/>
                 </a:ext>
               </a:extLst>
             </p:cNvPr>
@@ -3420,25 +3065,242 @@
                 </a:ext>
               </a:extLst>
             </a:blip>
-            <a:srcRect l="30533" r="28191" b="11010"/>
+            <a:srcRect l="12153" t="5104" r="10567" b="10958"/>
             <a:stretch/>
           </p:blipFill>
           <p:spPr>
             <a:xfrm>
-              <a:off x="5794002" y="426127"/>
-              <a:ext cx="2420386" cy="5078028"/>
+              <a:off x="3155022" y="59070"/>
+              <a:ext cx="3783807" cy="3931157"/>
             </a:xfrm>
             <a:prstGeom prst="rect">
               <a:avLst/>
             </a:prstGeom>
           </p:spPr>
         </p:pic>
+        <p:grpSp>
+          <p:nvGrpSpPr>
+            <p:cNvPr id="16" name="Group 15">
+              <a:extLst>
+                <a:ext uri="{FF2B5EF4-FFF2-40B4-BE49-F238E27FC236}">
+                  <a16:creationId xmlns:a16="http://schemas.microsoft.com/office/drawing/2014/main" id="{944E5CC4-444B-486A-B448-4FFDE743C575}"/>
+                </a:ext>
+              </a:extLst>
+            </p:cNvPr>
+            <p:cNvGrpSpPr/>
+            <p:nvPr/>
+          </p:nvGrpSpPr>
+          <p:grpSpPr>
+            <a:xfrm>
+              <a:off x="3399756" y="71155"/>
+              <a:ext cx="5293554" cy="4404165"/>
+              <a:chOff x="1255098" y="426127"/>
+              <a:chExt cx="7046174" cy="5706574"/>
+            </a:xfrm>
+          </p:grpSpPr>
+          <p:pic>
+            <p:nvPicPr>
+              <p:cNvPr id="9" name="Picture 8">
+                <a:extLst>
+                  <a:ext uri="{FF2B5EF4-FFF2-40B4-BE49-F238E27FC236}">
+                    <a16:creationId xmlns:a16="http://schemas.microsoft.com/office/drawing/2014/main" id="{F24D8402-B827-4A57-AFA8-205E25DA283F}"/>
+                  </a:ext>
+                </a:extLst>
+              </p:cNvPr>
+              <p:cNvPicPr>
+                <a:picLocks noChangeAspect="1"/>
+              </p:cNvPicPr>
+              <p:nvPr/>
+            </p:nvPicPr>
+            <p:blipFill rotWithShape="1">
+              <a:blip r:embed="rId3">
+                <a:extLst>
+                  <a:ext uri="{28A0092B-C50C-407E-A947-70E740481C1C}">
+                    <a14:useLocalDpi xmlns:a14="http://schemas.microsoft.com/office/drawing/2010/main" val="0"/>
+                  </a:ext>
+                </a:extLst>
+              </a:blip>
+              <a:srcRect l="30533" r="28191" b="11010"/>
+              <a:stretch/>
+            </p:blipFill>
+            <p:spPr>
+              <a:xfrm>
+                <a:off x="5794002" y="426127"/>
+                <a:ext cx="2420386" cy="5078028"/>
+              </a:xfrm>
+              <a:prstGeom prst="rect">
+                <a:avLst/>
+              </a:prstGeom>
+            </p:spPr>
+          </p:pic>
+          <p:pic>
+            <p:nvPicPr>
+              <p:cNvPr id="11" name="Picture 10">
+                <a:extLst>
+                  <a:ext uri="{FF2B5EF4-FFF2-40B4-BE49-F238E27FC236}">
+                    <a16:creationId xmlns:a16="http://schemas.microsoft.com/office/drawing/2014/main" id="{E808B232-3F6D-4BA0-A763-FF64EAF710AE}"/>
+                  </a:ext>
+                </a:extLst>
+              </p:cNvPr>
+              <p:cNvPicPr>
+                <a:picLocks noChangeAspect="1"/>
+              </p:cNvPicPr>
+              <p:nvPr/>
+            </p:nvPicPr>
+            <p:blipFill rotWithShape="1">
+              <a:blip r:embed="rId3">
+                <a:extLst>
+                  <a:ext uri="{28A0092B-C50C-407E-A947-70E740481C1C}">
+                    <a14:useLocalDpi xmlns:a14="http://schemas.microsoft.com/office/drawing/2010/main" val="0"/>
+                  </a:ext>
+                </a:extLst>
+              </a:blip>
+              <a:srcRect l="26071" t="88342" r="23914"/>
+              <a:stretch/>
+            </p:blipFill>
+            <p:spPr>
+              <a:xfrm>
+                <a:off x="5282865" y="5450446"/>
+                <a:ext cx="3018407" cy="682255"/>
+              </a:xfrm>
+              <a:prstGeom prst="rect">
+                <a:avLst/>
+              </a:prstGeom>
+            </p:spPr>
+          </p:pic>
+          <p:sp>
+            <p:nvSpPr>
+              <p:cNvPr id="13" name="TextBox 12">
+                <a:extLst>
+                  <a:ext uri="{FF2B5EF4-FFF2-40B4-BE49-F238E27FC236}">
+                    <a16:creationId xmlns:a16="http://schemas.microsoft.com/office/drawing/2014/main" id="{B6F3E780-0B33-495A-AFB8-4A828E1841D8}"/>
+                  </a:ext>
+                </a:extLst>
+              </p:cNvPr>
+              <p:cNvSpPr txBox="1"/>
+              <p:nvPr/>
+            </p:nvSpPr>
+            <p:spPr>
+              <a:xfrm>
+                <a:off x="1255098" y="426127"/>
+                <a:ext cx="319596" cy="338974"/>
+              </a:xfrm>
+              <a:prstGeom prst="rect">
+                <a:avLst/>
+              </a:prstGeom>
+              <a:noFill/>
+            </p:spPr>
+            <p:txBody>
+              <a:bodyPr wrap="square" rtlCol="0">
+                <a:spAutoFit/>
+              </a:bodyPr>
+              <a:lstStyle/>
+              <a:p>
+                <a:r>
+                  <a:rPr lang="en-AU" sz="1100" dirty="0">
+                    <a:latin typeface="Arial" panose="020B0604020202020204" pitchFamily="34" charset="0"/>
+                    <a:cs typeface="Arial" panose="020B0604020202020204" pitchFamily="34" charset="0"/>
+                  </a:rPr>
+                  <a:t>A</a:t>
+                </a:r>
+                <a:endParaRPr lang="en-US" sz="1100" dirty="0">
+                  <a:latin typeface="Arial" panose="020B0604020202020204" pitchFamily="34" charset="0"/>
+                  <a:cs typeface="Arial" panose="020B0604020202020204" pitchFamily="34" charset="0"/>
+                </a:endParaRPr>
+              </a:p>
+            </p:txBody>
+          </p:sp>
+          <p:sp>
+            <p:nvSpPr>
+              <p:cNvPr id="14" name="TextBox 13">
+                <a:extLst>
+                  <a:ext uri="{FF2B5EF4-FFF2-40B4-BE49-F238E27FC236}">
+                    <a16:creationId xmlns:a16="http://schemas.microsoft.com/office/drawing/2014/main" id="{5F2F841A-7B42-47A4-833A-CDCD04397B29}"/>
+                  </a:ext>
+                </a:extLst>
+              </p:cNvPr>
+              <p:cNvSpPr txBox="1"/>
+              <p:nvPr/>
+            </p:nvSpPr>
+            <p:spPr>
+              <a:xfrm>
+                <a:off x="3492624" y="426127"/>
+                <a:ext cx="319596" cy="338974"/>
+              </a:xfrm>
+              <a:prstGeom prst="rect">
+                <a:avLst/>
+              </a:prstGeom>
+              <a:noFill/>
+            </p:spPr>
+            <p:txBody>
+              <a:bodyPr wrap="square" rtlCol="0">
+                <a:spAutoFit/>
+              </a:bodyPr>
+              <a:lstStyle/>
+              <a:p>
+                <a:r>
+                  <a:rPr lang="en-AU" sz="1100" dirty="0">
+                    <a:latin typeface="Arial" panose="020B0604020202020204" pitchFamily="34" charset="0"/>
+                    <a:cs typeface="Arial" panose="020B0604020202020204" pitchFamily="34" charset="0"/>
+                  </a:rPr>
+                  <a:t>B</a:t>
+                </a:r>
+                <a:endParaRPr lang="en-US" sz="1100" dirty="0">
+                  <a:latin typeface="Arial" panose="020B0604020202020204" pitchFamily="34" charset="0"/>
+                  <a:cs typeface="Arial" panose="020B0604020202020204" pitchFamily="34" charset="0"/>
+                </a:endParaRPr>
+              </a:p>
+            </p:txBody>
+          </p:sp>
+          <p:sp>
+            <p:nvSpPr>
+              <p:cNvPr id="15" name="TextBox 14">
+                <a:extLst>
+                  <a:ext uri="{FF2B5EF4-FFF2-40B4-BE49-F238E27FC236}">
+                    <a16:creationId xmlns:a16="http://schemas.microsoft.com/office/drawing/2014/main" id="{43E0B0CE-4BBF-4251-9503-F0FE7B74D668}"/>
+                  </a:ext>
+                </a:extLst>
+              </p:cNvPr>
+              <p:cNvSpPr txBox="1"/>
+              <p:nvPr/>
+            </p:nvSpPr>
+            <p:spPr>
+              <a:xfrm>
+                <a:off x="5797178" y="440256"/>
+                <a:ext cx="319596" cy="338974"/>
+              </a:xfrm>
+              <a:prstGeom prst="rect">
+                <a:avLst/>
+              </a:prstGeom>
+              <a:noFill/>
+            </p:spPr>
+            <p:txBody>
+              <a:bodyPr wrap="square" rtlCol="0">
+                <a:spAutoFit/>
+              </a:bodyPr>
+              <a:lstStyle/>
+              <a:p>
+                <a:r>
+                  <a:rPr lang="en-AU" sz="1100" dirty="0">
+                    <a:latin typeface="Arial" panose="020B0604020202020204" pitchFamily="34" charset="0"/>
+                    <a:cs typeface="Arial" panose="020B0604020202020204" pitchFamily="34" charset="0"/>
+                  </a:rPr>
+                  <a:t>C</a:t>
+                </a:r>
+                <a:endParaRPr lang="en-US" sz="1100" dirty="0">
+                  <a:latin typeface="Arial" panose="020B0604020202020204" pitchFamily="34" charset="0"/>
+                  <a:cs typeface="Arial" panose="020B0604020202020204" pitchFamily="34" charset="0"/>
+                </a:endParaRPr>
+              </a:p>
+            </p:txBody>
+          </p:sp>
+        </p:grpSp>
         <p:pic>
           <p:nvPicPr>
-            <p:cNvPr id="5" name="Picture 4">
+            <p:cNvPr id="3" name="Picture 2">
               <a:extLst>
                 <a:ext uri="{FF2B5EF4-FFF2-40B4-BE49-F238E27FC236}">
-                  <a16:creationId xmlns:a16="http://schemas.microsoft.com/office/drawing/2014/main" id="{D1E4208F-1132-45D7-9530-E783C49FC6D5}"/>
+                  <a16:creationId xmlns:a16="http://schemas.microsoft.com/office/drawing/2014/main" id="{A1CAF3BD-186F-490F-AC45-0580481FE37F}"/>
                 </a:ext>
               </a:extLst>
             </p:cNvPr>
@@ -3447,56 +3309,22 @@
             </p:cNvPicPr>
             <p:nvPr/>
           </p:nvPicPr>
-          <p:blipFill rotWithShape="1">
-            <a:blip r:embed="rId3">
+          <p:blipFill>
+            <a:blip r:embed="rId4">
               <a:extLst>
                 <a:ext uri="{28A0092B-C50C-407E-A947-70E740481C1C}">
                   <a14:useLocalDpi xmlns:a14="http://schemas.microsoft.com/office/drawing/2010/main" val="0"/>
                 </a:ext>
               </a:extLst>
             </a:blip>
-            <a:srcRect l="12373" t="5331" r="12385"/>
-            <a:stretch/>
+            <a:stretch>
+              <a:fillRect/>
+            </a:stretch>
           </p:blipFill>
           <p:spPr>
             <a:xfrm>
-              <a:off x="1094240" y="440256"/>
-              <a:ext cx="4747269" cy="5713307"/>
-            </a:xfrm>
-            <a:prstGeom prst="rect">
-              <a:avLst/>
-            </a:prstGeom>
-          </p:spPr>
-        </p:pic>
-        <p:pic>
-          <p:nvPicPr>
-            <p:cNvPr id="11" name="Picture 10">
-              <a:extLst>
-                <a:ext uri="{FF2B5EF4-FFF2-40B4-BE49-F238E27FC236}">
-                  <a16:creationId xmlns:a16="http://schemas.microsoft.com/office/drawing/2014/main" id="{E808B232-3F6D-4BA0-A763-FF64EAF710AE}"/>
-                </a:ext>
-              </a:extLst>
-            </p:cNvPr>
-            <p:cNvPicPr>
-              <a:picLocks noChangeAspect="1"/>
-            </p:cNvPicPr>
-            <p:nvPr/>
-          </p:nvPicPr>
-          <p:blipFill rotWithShape="1">
-            <a:blip r:embed="rId2">
-              <a:extLst>
-                <a:ext uri="{28A0092B-C50C-407E-A947-70E740481C1C}">
-                  <a14:useLocalDpi xmlns:a14="http://schemas.microsoft.com/office/drawing/2010/main" val="0"/>
-                </a:ext>
-              </a:extLst>
-            </a:blip>
-            <a:srcRect l="26071" t="88342" r="23914"/>
-            <a:stretch/>
-          </p:blipFill>
-          <p:spPr>
-            <a:xfrm>
-              <a:off x="5282865" y="5450446"/>
-              <a:ext cx="3018407" cy="682255"/>
+              <a:off x="3048113" y="4383629"/>
+              <a:ext cx="5544983" cy="2464437"/>
             </a:xfrm>
             <a:prstGeom prst="rect">
               <a:avLst/>
@@ -3505,10 +3333,10 @@
         </p:pic>
         <p:sp>
           <p:nvSpPr>
-            <p:cNvPr id="13" name="TextBox 12">
+            <p:cNvPr id="23" name="TextBox 22">
               <a:extLst>
                 <a:ext uri="{FF2B5EF4-FFF2-40B4-BE49-F238E27FC236}">
-                  <a16:creationId xmlns:a16="http://schemas.microsoft.com/office/drawing/2014/main" id="{B6F3E780-0B33-495A-AFB8-4A828E1841D8}"/>
+                  <a16:creationId xmlns:a16="http://schemas.microsoft.com/office/drawing/2014/main" id="{ACB22D61-3FF8-4120-882C-F091FD3A53F0}"/>
                 </a:ext>
               </a:extLst>
             </p:cNvPr>
@@ -3517,8 +3345,8 @@
           </p:nvSpPr>
           <p:spPr>
             <a:xfrm>
-              <a:off x="1305076" y="440256"/>
-              <a:ext cx="319596" cy="338974"/>
+              <a:off x="3428067" y="4387269"/>
+              <a:ext cx="240102" cy="261610"/>
             </a:xfrm>
             <a:prstGeom prst="rect">
               <a:avLst/>
@@ -3536,7 +3364,7 @@
                   <a:latin typeface="Arial" panose="020B0604020202020204" pitchFamily="34" charset="0"/>
                   <a:cs typeface="Arial" panose="020B0604020202020204" pitchFamily="34" charset="0"/>
                 </a:rPr>
-                <a:t>A</a:t>
+                <a:t>D</a:t>
               </a:r>
               <a:endParaRPr lang="en-US" sz="1100" dirty="0">
                 <a:latin typeface="Arial" panose="020B0604020202020204" pitchFamily="34" charset="0"/>
@@ -3545,169 +3373,42 @@
             </a:p>
           </p:txBody>
         </p:sp>
-        <p:sp>
-          <p:nvSpPr>
-            <p:cNvPr id="14" name="TextBox 13">
+        <p:pic>
+          <p:nvPicPr>
+            <p:cNvPr id="7" name="Picture 6">
               <a:extLst>
                 <a:ext uri="{FF2B5EF4-FFF2-40B4-BE49-F238E27FC236}">
-                  <a16:creationId xmlns:a16="http://schemas.microsoft.com/office/drawing/2014/main" id="{5F2F841A-7B42-47A4-833A-CDCD04397B29}"/>
+                  <a16:creationId xmlns:a16="http://schemas.microsoft.com/office/drawing/2014/main" id="{4C56F0F6-14D6-4739-A0F3-CDF07A4EBA3A}"/>
                 </a:ext>
               </a:extLst>
             </p:cNvPr>
-            <p:cNvSpPr txBox="1"/>
+            <p:cNvPicPr>
+              <a:picLocks noChangeAspect="1"/>
+            </p:cNvPicPr>
             <p:nvPr/>
-          </p:nvSpPr>
+          </p:nvPicPr>
+          <p:blipFill rotWithShape="1">
+            <a:blip r:embed="rId2">
+              <a:extLst>
+                <a:ext uri="{28A0092B-C50C-407E-A947-70E740481C1C}">
+                  <a14:useLocalDpi xmlns:a14="http://schemas.microsoft.com/office/drawing/2010/main" val="0"/>
+                </a:ext>
+              </a:extLst>
+            </a:blip>
+            <a:srcRect l="26570" t="89091" r="21546"/>
+            <a:stretch/>
+          </p:blipFill>
           <p:spPr>
             <a:xfrm>
-              <a:off x="3528932" y="440256"/>
-              <a:ext cx="319596" cy="338974"/>
+              <a:off x="3863004" y="3967552"/>
+              <a:ext cx="2267628" cy="456063"/>
             </a:xfrm>
             <a:prstGeom prst="rect">
               <a:avLst/>
             </a:prstGeom>
-            <a:noFill/>
           </p:spPr>
-          <p:txBody>
-            <a:bodyPr wrap="square" rtlCol="0">
-              <a:spAutoFit/>
-            </a:bodyPr>
-            <a:lstStyle/>
-            <a:p>
-              <a:r>
-                <a:rPr lang="en-AU" sz="1100" dirty="0">
-                  <a:latin typeface="Arial" panose="020B0604020202020204" pitchFamily="34" charset="0"/>
-                  <a:cs typeface="Arial" panose="020B0604020202020204" pitchFamily="34" charset="0"/>
-                </a:rPr>
-                <a:t>B</a:t>
-              </a:r>
-              <a:endParaRPr lang="en-US" sz="1100" dirty="0">
-                <a:latin typeface="Arial" panose="020B0604020202020204" pitchFamily="34" charset="0"/>
-                <a:cs typeface="Arial" panose="020B0604020202020204" pitchFamily="34" charset="0"/>
-              </a:endParaRPr>
-            </a:p>
-          </p:txBody>
-        </p:sp>
-        <p:sp>
-          <p:nvSpPr>
-            <p:cNvPr id="15" name="TextBox 14">
-              <a:extLst>
-                <a:ext uri="{FF2B5EF4-FFF2-40B4-BE49-F238E27FC236}">
-                  <a16:creationId xmlns:a16="http://schemas.microsoft.com/office/drawing/2014/main" id="{43E0B0CE-4BBF-4251-9503-F0FE7B74D668}"/>
-                </a:ext>
-              </a:extLst>
-            </p:cNvPr>
-            <p:cNvSpPr txBox="1"/>
-            <p:nvPr/>
-          </p:nvSpPr>
-          <p:spPr>
-            <a:xfrm>
-              <a:off x="5797178" y="440256"/>
-              <a:ext cx="319596" cy="338974"/>
-            </a:xfrm>
-            <a:prstGeom prst="rect">
-              <a:avLst/>
-            </a:prstGeom>
-            <a:noFill/>
-          </p:spPr>
-          <p:txBody>
-            <a:bodyPr wrap="square" rtlCol="0">
-              <a:spAutoFit/>
-            </a:bodyPr>
-            <a:lstStyle/>
-            <a:p>
-              <a:r>
-                <a:rPr lang="en-AU" sz="1100" dirty="0">
-                  <a:latin typeface="Arial" panose="020B0604020202020204" pitchFamily="34" charset="0"/>
-                  <a:cs typeface="Arial" panose="020B0604020202020204" pitchFamily="34" charset="0"/>
-                </a:rPr>
-                <a:t>C</a:t>
-              </a:r>
-              <a:endParaRPr lang="en-US" sz="1100" dirty="0">
-                <a:latin typeface="Arial" panose="020B0604020202020204" pitchFamily="34" charset="0"/>
-                <a:cs typeface="Arial" panose="020B0604020202020204" pitchFamily="34" charset="0"/>
-              </a:endParaRPr>
-            </a:p>
-          </p:txBody>
-        </p:sp>
+        </p:pic>
       </p:grpSp>
-      <p:pic>
-        <p:nvPicPr>
-          <p:cNvPr id="3" name="Picture 2">
-            <a:extLst>
-              <a:ext uri="{FF2B5EF4-FFF2-40B4-BE49-F238E27FC236}">
-                <a16:creationId xmlns:a16="http://schemas.microsoft.com/office/drawing/2014/main" id="{A1CAF3BD-186F-490F-AC45-0580481FE37F}"/>
-              </a:ext>
-            </a:extLst>
-          </p:cNvPr>
-          <p:cNvPicPr>
-            <a:picLocks noChangeAspect="1"/>
-          </p:cNvPicPr>
-          <p:nvPr/>
-        </p:nvPicPr>
-        <p:blipFill>
-          <a:blip r:embed="rId4">
-            <a:extLst>
-              <a:ext uri="{28A0092B-C50C-407E-A947-70E740481C1C}">
-                <a14:useLocalDpi xmlns:a14="http://schemas.microsoft.com/office/drawing/2010/main" val="0"/>
-              </a:ext>
-            </a:extLst>
-          </a:blip>
-          <a:stretch>
-            <a:fillRect/>
-          </a:stretch>
-        </p:blipFill>
-        <p:spPr>
-          <a:xfrm>
-            <a:off x="3048113" y="4383629"/>
-            <a:ext cx="5544983" cy="2464437"/>
-          </a:xfrm>
-          <a:prstGeom prst="rect">
-            <a:avLst/>
-          </a:prstGeom>
-        </p:spPr>
-      </p:pic>
-      <p:sp>
-        <p:nvSpPr>
-          <p:cNvPr id="23" name="TextBox 22">
-            <a:extLst>
-              <a:ext uri="{FF2B5EF4-FFF2-40B4-BE49-F238E27FC236}">
-                <a16:creationId xmlns:a16="http://schemas.microsoft.com/office/drawing/2014/main" id="{ACB22D61-3FF8-4120-882C-F091FD3A53F0}"/>
-              </a:ext>
-            </a:extLst>
-          </p:cNvPr>
-          <p:cNvSpPr txBox="1"/>
-          <p:nvPr/>
-        </p:nvSpPr>
-        <p:spPr>
-          <a:xfrm>
-            <a:off x="3428067" y="4387269"/>
-            <a:ext cx="240102" cy="261610"/>
-          </a:xfrm>
-          <a:prstGeom prst="rect">
-            <a:avLst/>
-          </a:prstGeom>
-          <a:noFill/>
-        </p:spPr>
-        <p:txBody>
-          <a:bodyPr wrap="square" rtlCol="0">
-            <a:spAutoFit/>
-          </a:bodyPr>
-          <a:lstStyle/>
-          <a:p>
-            <a:r>
-              <a:rPr lang="en-AU" sz="1100" dirty="0">
-                <a:latin typeface="Arial" panose="020B0604020202020204" pitchFamily="34" charset="0"/>
-                <a:cs typeface="Arial" panose="020B0604020202020204" pitchFamily="34" charset="0"/>
-              </a:rPr>
-              <a:t>D</a:t>
-            </a:r>
-            <a:endParaRPr lang="en-US" sz="1100" dirty="0">
-              <a:latin typeface="Arial" panose="020B0604020202020204" pitchFamily="34" charset="0"/>
-              <a:cs typeface="Arial" panose="020B0604020202020204" pitchFamily="34" charset="0"/>
-            </a:endParaRPr>
-          </a:p>
-        </p:txBody>
-      </p:sp>
     </p:spTree>
     <p:extLst>
       <p:ext uri="{BB962C8B-B14F-4D97-AF65-F5344CB8AC3E}">
@@ -3724,7 +3425,7 @@
 <file path=ppt/theme/theme1.xml><?xml version="1.0" encoding="utf-8"?>
 <a:theme xmlns:a="http://schemas.openxmlformats.org/drawingml/2006/main" name="Office Theme">
   <a:themeElements>
-    <a:clrScheme name="Office">
+    <a:clrScheme name="Office Theme">
       <a:dk1>
         <a:sysClr val="windowText" lastClr="000000"/>
       </a:dk1>
@@ -3762,7 +3463,7 @@
         <a:srgbClr val="954F72"/>
       </a:folHlink>
     </a:clrScheme>
-    <a:fontScheme name="Office">
+    <a:fontScheme name="Office Theme">
       <a:majorFont>
         <a:latin typeface="Calibri Light" panose="020F0302020204030204"/>
         <a:ea typeface=""/>
@@ -3797,23 +3498,6 @@
         <a:font script="Viet" typeface="Times New Roman"/>
         <a:font script="Uigh" typeface="Microsoft Uighur"/>
         <a:font script="Geor" typeface="Sylfaen"/>
-        <a:font script="Armn" typeface="Arial"/>
-        <a:font script="Bugi" typeface="Leelawadee UI"/>
-        <a:font script="Bopo" typeface="Microsoft JhengHei"/>
-        <a:font script="Java" typeface="Javanese Text"/>
-        <a:font script="Lisu" typeface="Segoe UI"/>
-        <a:font script="Mymr" typeface="Myanmar Text"/>
-        <a:font script="Nkoo" typeface="Ebrima"/>
-        <a:font script="Olck" typeface="Nirmala UI"/>
-        <a:font script="Osma" typeface="Ebrima"/>
-        <a:font script="Phag" typeface="Phagspa"/>
-        <a:font script="Syrn" typeface="Estrangelo Edessa"/>
-        <a:font script="Syrj" typeface="Estrangelo Edessa"/>
-        <a:font script="Syre" typeface="Estrangelo Edessa"/>
-        <a:font script="Sora" typeface="Nirmala UI"/>
-        <a:font script="Tale" typeface="Microsoft Tai Le"/>
-        <a:font script="Talu" typeface="Microsoft New Tai Lue"/>
-        <a:font script="Tfng" typeface="Ebrima"/>
       </a:majorFont>
       <a:minorFont>
         <a:latin typeface="Calibri" panose="020F0502020204030204"/>
@@ -3849,26 +3533,9 @@
         <a:font script="Viet" typeface="Arial"/>
         <a:font script="Uigh" typeface="Microsoft Uighur"/>
         <a:font script="Geor" typeface="Sylfaen"/>
-        <a:font script="Armn" typeface="Arial"/>
-        <a:font script="Bugi" typeface="Leelawadee UI"/>
-        <a:font script="Bopo" typeface="Microsoft JhengHei"/>
-        <a:font script="Java" typeface="Javanese Text"/>
-        <a:font script="Lisu" typeface="Segoe UI"/>
-        <a:font script="Mymr" typeface="Myanmar Text"/>
-        <a:font script="Nkoo" typeface="Ebrima"/>
-        <a:font script="Olck" typeface="Nirmala UI"/>
-        <a:font script="Osma" typeface="Ebrima"/>
-        <a:font script="Phag" typeface="Phagspa"/>
-        <a:font script="Syrn" typeface="Estrangelo Edessa"/>
-        <a:font script="Syrj" typeface="Estrangelo Edessa"/>
-        <a:font script="Syre" typeface="Estrangelo Edessa"/>
-        <a:font script="Sora" typeface="Nirmala UI"/>
-        <a:font script="Tale" typeface="Microsoft Tai Le"/>
-        <a:font script="Talu" typeface="Microsoft New Tai Lue"/>
-        <a:font script="Tfng" typeface="Ebrima"/>
       </a:minorFont>
     </a:fontScheme>
-    <a:fmtScheme name="Office">
+    <a:fmtScheme name="Office Theme">
       <a:fillStyleLst>
         <a:solidFill>
           <a:schemeClr val="phClr"/>

--- a/Figures/make_map_figure.pptx
+++ b/Figures/make_map_figure.pptx
@@ -2,12 +2,12 @@
 <file path=ppt/presentation.xml><?xml version="1.0" encoding="utf-8"?>
 <p:presentation xmlns:a="http://schemas.openxmlformats.org/drawingml/2006/main" xmlns:r="http://schemas.openxmlformats.org/officeDocument/2006/relationships" xmlns:p="http://schemas.openxmlformats.org/presentationml/2006/main" saveSubsetFonts="1">
   <p:sldMasterIdLst>
-    <p:sldMasterId id="2147483660" r:id="rId1"/>
+    <p:sldMasterId id="2147483672" r:id="rId1"/>
   </p:sldMasterIdLst>
   <p:sldIdLst>
     <p:sldId id="256" r:id="rId2"/>
   </p:sldIdLst>
-  <p:sldSz cx="5715000" cy="6858000"/>
+  <p:sldSz cx="5715000" cy="7086600"/>
   <p:notesSz cx="6858000" cy="9144000"/>
   <p:defaultTextStyle>
     <a:defPPr>
@@ -141,8 +141,8 @@
         </p:nvSpPr>
         <p:spPr>
           <a:xfrm>
-            <a:off x="428625" y="1122363"/>
-            <a:ext cx="4857750" cy="2387600"/>
+            <a:off x="428625" y="1159775"/>
+            <a:ext cx="4857750" cy="2467187"/>
           </a:xfrm>
         </p:spPr>
         <p:txBody>
@@ -173,8 +173,8 @@
         </p:nvSpPr>
         <p:spPr>
           <a:xfrm>
-            <a:off x="714375" y="3602038"/>
-            <a:ext cx="4286250" cy="1655762"/>
+            <a:off x="714375" y="3722106"/>
+            <a:ext cx="4286250" cy="1710954"/>
           </a:xfrm>
         </p:spPr>
         <p:txBody>
@@ -243,7 +243,7 @@
           <a:p>
             <a:fld id="{6B6CC2A7-A866-42C2-A27A-50AEF0DF511B}" type="datetimeFigureOut">
               <a:rPr lang="en-US" smtClean="0"/>
-              <a:t>9/20/2021</a:t>
+              <a:t>1/20/2022</a:t>
             </a:fld>
             <a:endParaRPr lang="en-US"/>
           </a:p>
@@ -294,7 +294,7 @@
     </p:spTree>
     <p:extLst>
       <p:ext uri="{BB962C8B-B14F-4D97-AF65-F5344CB8AC3E}">
-        <p14:creationId xmlns:p14="http://schemas.microsoft.com/office/powerpoint/2010/main" val="703156061"/>
+        <p14:creationId xmlns:p14="http://schemas.microsoft.com/office/powerpoint/2010/main" val="929029283"/>
       </p:ext>
     </p:extLst>
   </p:cSld>
@@ -413,7 +413,7 @@
           <a:p>
             <a:fld id="{6B6CC2A7-A866-42C2-A27A-50AEF0DF511B}" type="datetimeFigureOut">
               <a:rPr lang="en-US" smtClean="0"/>
-              <a:t>9/20/2021</a:t>
+              <a:t>1/20/2022</a:t>
             </a:fld>
             <a:endParaRPr lang="en-US"/>
           </a:p>
@@ -464,7 +464,7 @@
     </p:spTree>
     <p:extLst>
       <p:ext uri="{BB962C8B-B14F-4D97-AF65-F5344CB8AC3E}">
-        <p14:creationId xmlns:p14="http://schemas.microsoft.com/office/powerpoint/2010/main" val="3752774420"/>
+        <p14:creationId xmlns:p14="http://schemas.microsoft.com/office/powerpoint/2010/main" val="2742570552"/>
       </p:ext>
     </p:extLst>
   </p:cSld>
@@ -503,8 +503,8 @@
         </p:nvSpPr>
         <p:spPr>
           <a:xfrm>
-            <a:off x="4089797" y="365125"/>
-            <a:ext cx="1232297" cy="5811838"/>
+            <a:off x="4089797" y="377296"/>
+            <a:ext cx="1232297" cy="6005566"/>
           </a:xfrm>
         </p:spPr>
         <p:txBody>
@@ -531,8 +531,8 @@
         </p:nvSpPr>
         <p:spPr>
           <a:xfrm>
-            <a:off x="392907" y="365125"/>
-            <a:ext cx="3625453" cy="5811838"/>
+            <a:off x="392907" y="377296"/>
+            <a:ext cx="3625453" cy="6005566"/>
           </a:xfrm>
         </p:spPr>
         <p:txBody>
@@ -593,7 +593,7 @@
           <a:p>
             <a:fld id="{6B6CC2A7-A866-42C2-A27A-50AEF0DF511B}" type="datetimeFigureOut">
               <a:rPr lang="en-US" smtClean="0"/>
-              <a:t>9/20/2021</a:t>
+              <a:t>1/20/2022</a:t>
             </a:fld>
             <a:endParaRPr lang="en-US"/>
           </a:p>
@@ -644,7 +644,7 @@
     </p:spTree>
     <p:extLst>
       <p:ext uri="{BB962C8B-B14F-4D97-AF65-F5344CB8AC3E}">
-        <p14:creationId xmlns:p14="http://schemas.microsoft.com/office/powerpoint/2010/main" val="1654128126"/>
+        <p14:creationId xmlns:p14="http://schemas.microsoft.com/office/powerpoint/2010/main" val="536456965"/>
       </p:ext>
     </p:extLst>
   </p:cSld>
@@ -763,7 +763,7 @@
           <a:p>
             <a:fld id="{6B6CC2A7-A866-42C2-A27A-50AEF0DF511B}" type="datetimeFigureOut">
               <a:rPr lang="en-US" smtClean="0"/>
-              <a:t>9/20/2021</a:t>
+              <a:t>1/20/2022</a:t>
             </a:fld>
             <a:endParaRPr lang="en-US"/>
           </a:p>
@@ -814,7 +814,7 @@
     </p:spTree>
     <p:extLst>
       <p:ext uri="{BB962C8B-B14F-4D97-AF65-F5344CB8AC3E}">
-        <p14:creationId xmlns:p14="http://schemas.microsoft.com/office/powerpoint/2010/main" val="3903950378"/>
+        <p14:creationId xmlns:p14="http://schemas.microsoft.com/office/powerpoint/2010/main" val="1729248539"/>
       </p:ext>
     </p:extLst>
   </p:cSld>
@@ -853,8 +853,8 @@
         </p:nvSpPr>
         <p:spPr>
           <a:xfrm>
-            <a:off x="389930" y="1709740"/>
-            <a:ext cx="4929188" cy="2852737"/>
+            <a:off x="389930" y="1766731"/>
+            <a:ext cx="4929188" cy="2947828"/>
           </a:xfrm>
         </p:spPr>
         <p:txBody>
@@ -885,8 +885,8 @@
         </p:nvSpPr>
         <p:spPr>
           <a:xfrm>
-            <a:off x="389930" y="4589465"/>
-            <a:ext cx="4929188" cy="1500187"/>
+            <a:off x="389930" y="4742447"/>
+            <a:ext cx="4929188" cy="1550193"/>
           </a:xfrm>
         </p:spPr>
         <p:txBody>
@@ -1007,7 +1007,7 @@
           <a:p>
             <a:fld id="{6B6CC2A7-A866-42C2-A27A-50AEF0DF511B}" type="datetimeFigureOut">
               <a:rPr lang="en-US" smtClean="0"/>
-              <a:t>9/20/2021</a:t>
+              <a:t>1/20/2022</a:t>
             </a:fld>
             <a:endParaRPr lang="en-US"/>
           </a:p>
@@ -1058,7 +1058,7 @@
     </p:spTree>
     <p:extLst>
       <p:ext uri="{BB962C8B-B14F-4D97-AF65-F5344CB8AC3E}">
-        <p14:creationId xmlns:p14="http://schemas.microsoft.com/office/powerpoint/2010/main" val="4290523274"/>
+        <p14:creationId xmlns:p14="http://schemas.microsoft.com/office/powerpoint/2010/main" val="1424794025"/>
       </p:ext>
     </p:extLst>
   </p:cSld>
@@ -1120,8 +1120,8 @@
         </p:nvSpPr>
         <p:spPr>
           <a:xfrm>
-            <a:off x="392906" y="1825625"/>
-            <a:ext cx="2428875" cy="4351338"/>
+            <a:off x="392906" y="1886479"/>
+            <a:ext cx="2428875" cy="4496383"/>
           </a:xfrm>
         </p:spPr>
         <p:txBody>
@@ -1177,8 +1177,8 @@
         </p:nvSpPr>
         <p:spPr>
           <a:xfrm>
-            <a:off x="2893219" y="1825625"/>
-            <a:ext cx="2428875" cy="4351338"/>
+            <a:off x="2893219" y="1886479"/>
+            <a:ext cx="2428875" cy="4496383"/>
           </a:xfrm>
         </p:spPr>
         <p:txBody>
@@ -1239,7 +1239,7 @@
           <a:p>
             <a:fld id="{6B6CC2A7-A866-42C2-A27A-50AEF0DF511B}" type="datetimeFigureOut">
               <a:rPr lang="en-US" smtClean="0"/>
-              <a:t>9/20/2021</a:t>
+              <a:t>1/20/2022</a:t>
             </a:fld>
             <a:endParaRPr lang="en-US"/>
           </a:p>
@@ -1290,7 +1290,7 @@
     </p:spTree>
     <p:extLst>
       <p:ext uri="{BB962C8B-B14F-4D97-AF65-F5344CB8AC3E}">
-        <p14:creationId xmlns:p14="http://schemas.microsoft.com/office/powerpoint/2010/main" val="3010744707"/>
+        <p14:creationId xmlns:p14="http://schemas.microsoft.com/office/powerpoint/2010/main" val="168464705"/>
       </p:ext>
     </p:extLst>
   </p:cSld>
@@ -1329,8 +1329,8 @@
         </p:nvSpPr>
         <p:spPr>
           <a:xfrm>
-            <a:off x="393650" y="365127"/>
-            <a:ext cx="4929188" cy="1325563"/>
+            <a:off x="393650" y="377298"/>
+            <a:ext cx="4929188" cy="1369748"/>
           </a:xfrm>
         </p:spPr>
         <p:txBody>
@@ -1357,8 +1357,8 @@
         </p:nvSpPr>
         <p:spPr>
           <a:xfrm>
-            <a:off x="393651" y="1681163"/>
-            <a:ext cx="2417713" cy="823912"/>
+            <a:off x="393651" y="1737202"/>
+            <a:ext cx="2417713" cy="851376"/>
           </a:xfrm>
         </p:spPr>
         <p:txBody>
@@ -1422,8 +1422,8 @@
         </p:nvSpPr>
         <p:spPr>
           <a:xfrm>
-            <a:off x="393651" y="2505075"/>
-            <a:ext cx="2417713" cy="3684588"/>
+            <a:off x="393651" y="2588577"/>
+            <a:ext cx="2417713" cy="3807408"/>
           </a:xfrm>
         </p:spPr>
         <p:txBody>
@@ -1479,8 +1479,8 @@
         </p:nvSpPr>
         <p:spPr>
           <a:xfrm>
-            <a:off x="2893219" y="1681163"/>
-            <a:ext cx="2429619" cy="823912"/>
+            <a:off x="2893219" y="1737202"/>
+            <a:ext cx="2429619" cy="851376"/>
           </a:xfrm>
         </p:spPr>
         <p:txBody>
@@ -1544,8 +1544,8 @@
         </p:nvSpPr>
         <p:spPr>
           <a:xfrm>
-            <a:off x="2893219" y="2505075"/>
-            <a:ext cx="2429619" cy="3684588"/>
+            <a:off x="2893219" y="2588577"/>
+            <a:ext cx="2429619" cy="3807408"/>
           </a:xfrm>
         </p:spPr>
         <p:txBody>
@@ -1606,7 +1606,7 @@
           <a:p>
             <a:fld id="{6B6CC2A7-A866-42C2-A27A-50AEF0DF511B}" type="datetimeFigureOut">
               <a:rPr lang="en-US" smtClean="0"/>
-              <a:t>9/20/2021</a:t>
+              <a:t>1/20/2022</a:t>
             </a:fld>
             <a:endParaRPr lang="en-US"/>
           </a:p>
@@ -1657,7 +1657,7 @@
     </p:spTree>
     <p:extLst>
       <p:ext uri="{BB962C8B-B14F-4D97-AF65-F5344CB8AC3E}">
-        <p14:creationId xmlns:p14="http://schemas.microsoft.com/office/powerpoint/2010/main" val="3695449712"/>
+        <p14:creationId xmlns:p14="http://schemas.microsoft.com/office/powerpoint/2010/main" val="1857931245"/>
       </p:ext>
     </p:extLst>
   </p:cSld>
@@ -1724,7 +1724,7 @@
           <a:p>
             <a:fld id="{6B6CC2A7-A866-42C2-A27A-50AEF0DF511B}" type="datetimeFigureOut">
               <a:rPr lang="en-US" smtClean="0"/>
-              <a:t>9/20/2021</a:t>
+              <a:t>1/20/2022</a:t>
             </a:fld>
             <a:endParaRPr lang="en-US"/>
           </a:p>
@@ -1775,7 +1775,7 @@
     </p:spTree>
     <p:extLst>
       <p:ext uri="{BB962C8B-B14F-4D97-AF65-F5344CB8AC3E}">
-        <p14:creationId xmlns:p14="http://schemas.microsoft.com/office/powerpoint/2010/main" val="55214529"/>
+        <p14:creationId xmlns:p14="http://schemas.microsoft.com/office/powerpoint/2010/main" val="3002324232"/>
       </p:ext>
     </p:extLst>
   </p:cSld>
@@ -1819,7 +1819,7 @@
           <a:p>
             <a:fld id="{6B6CC2A7-A866-42C2-A27A-50AEF0DF511B}" type="datetimeFigureOut">
               <a:rPr lang="en-US" smtClean="0"/>
-              <a:t>9/20/2021</a:t>
+              <a:t>1/20/2022</a:t>
             </a:fld>
             <a:endParaRPr lang="en-US"/>
           </a:p>
@@ -1870,7 +1870,7 @@
     </p:spTree>
     <p:extLst>
       <p:ext uri="{BB962C8B-B14F-4D97-AF65-F5344CB8AC3E}">
-        <p14:creationId xmlns:p14="http://schemas.microsoft.com/office/powerpoint/2010/main" val="3232464646"/>
+        <p14:creationId xmlns:p14="http://schemas.microsoft.com/office/powerpoint/2010/main" val="3022952154"/>
       </p:ext>
     </p:extLst>
   </p:cSld>
@@ -1909,8 +1909,8 @@
         </p:nvSpPr>
         <p:spPr>
           <a:xfrm>
-            <a:off x="393651" y="457200"/>
-            <a:ext cx="1843236" cy="1600200"/>
+            <a:off x="393651" y="472440"/>
+            <a:ext cx="1843236" cy="1653540"/>
           </a:xfrm>
         </p:spPr>
         <p:txBody>
@@ -1941,8 +1941,8 @@
         </p:nvSpPr>
         <p:spPr>
           <a:xfrm>
-            <a:off x="2429619" y="987427"/>
-            <a:ext cx="2893219" cy="4873625"/>
+            <a:off x="2429619" y="1020341"/>
+            <a:ext cx="2893219" cy="5036079"/>
           </a:xfrm>
         </p:spPr>
         <p:txBody>
@@ -2026,8 +2026,8 @@
         </p:nvSpPr>
         <p:spPr>
           <a:xfrm>
-            <a:off x="393651" y="2057400"/>
-            <a:ext cx="1843236" cy="3811588"/>
+            <a:off x="393651" y="2125980"/>
+            <a:ext cx="1843236" cy="3938641"/>
           </a:xfrm>
         </p:spPr>
         <p:txBody>
@@ -2096,7 +2096,7 @@
           <a:p>
             <a:fld id="{6B6CC2A7-A866-42C2-A27A-50AEF0DF511B}" type="datetimeFigureOut">
               <a:rPr lang="en-US" smtClean="0"/>
-              <a:t>9/20/2021</a:t>
+              <a:t>1/20/2022</a:t>
             </a:fld>
             <a:endParaRPr lang="en-US"/>
           </a:p>
@@ -2147,7 +2147,7 @@
     </p:spTree>
     <p:extLst>
       <p:ext uri="{BB962C8B-B14F-4D97-AF65-F5344CB8AC3E}">
-        <p14:creationId xmlns:p14="http://schemas.microsoft.com/office/powerpoint/2010/main" val="74718038"/>
+        <p14:creationId xmlns:p14="http://schemas.microsoft.com/office/powerpoint/2010/main" val="4283422055"/>
       </p:ext>
     </p:extLst>
   </p:cSld>
@@ -2186,8 +2186,8 @@
         </p:nvSpPr>
         <p:spPr>
           <a:xfrm>
-            <a:off x="393651" y="457200"/>
-            <a:ext cx="1843236" cy="1600200"/>
+            <a:off x="393651" y="472440"/>
+            <a:ext cx="1843236" cy="1653540"/>
           </a:xfrm>
         </p:spPr>
         <p:txBody>
@@ -2218,8 +2218,8 @@
         </p:nvSpPr>
         <p:spPr>
           <a:xfrm>
-            <a:off x="2429619" y="987427"/>
-            <a:ext cx="2893219" cy="4873625"/>
+            <a:off x="2429619" y="1020341"/>
+            <a:ext cx="2893219" cy="5036079"/>
           </a:xfrm>
         </p:spPr>
         <p:txBody>
@@ -2283,8 +2283,8 @@
         </p:nvSpPr>
         <p:spPr>
           <a:xfrm>
-            <a:off x="393651" y="2057400"/>
-            <a:ext cx="1843236" cy="3811588"/>
+            <a:off x="393651" y="2125980"/>
+            <a:ext cx="1843236" cy="3938641"/>
           </a:xfrm>
         </p:spPr>
         <p:txBody>
@@ -2353,7 +2353,7 @@
           <a:p>
             <a:fld id="{6B6CC2A7-A866-42C2-A27A-50AEF0DF511B}" type="datetimeFigureOut">
               <a:rPr lang="en-US" smtClean="0"/>
-              <a:t>9/20/2021</a:t>
+              <a:t>1/20/2022</a:t>
             </a:fld>
             <a:endParaRPr lang="en-US"/>
           </a:p>
@@ -2404,7 +2404,7 @@
     </p:spTree>
     <p:extLst>
       <p:ext uri="{BB962C8B-B14F-4D97-AF65-F5344CB8AC3E}">
-        <p14:creationId xmlns:p14="http://schemas.microsoft.com/office/powerpoint/2010/main" val="273962966"/>
+        <p14:creationId xmlns:p14="http://schemas.microsoft.com/office/powerpoint/2010/main" val="108713803"/>
       </p:ext>
     </p:extLst>
   </p:cSld>
@@ -2448,8 +2448,8 @@
         </p:nvSpPr>
         <p:spPr>
           <a:xfrm>
-            <a:off x="392906" y="365127"/>
-            <a:ext cx="4929188" cy="1325563"/>
+            <a:off x="392906" y="377298"/>
+            <a:ext cx="4929188" cy="1369748"/>
           </a:xfrm>
           <a:prstGeom prst="rect">
             <a:avLst/>
@@ -2481,8 +2481,8 @@
         </p:nvSpPr>
         <p:spPr>
           <a:xfrm>
-            <a:off x="392906" y="1825625"/>
-            <a:ext cx="4929188" cy="4351338"/>
+            <a:off x="392906" y="1886479"/>
+            <a:ext cx="4929188" cy="4496383"/>
           </a:xfrm>
           <a:prstGeom prst="rect">
             <a:avLst/>
@@ -2543,8 +2543,8 @@
         </p:nvSpPr>
         <p:spPr>
           <a:xfrm>
-            <a:off x="392906" y="6356352"/>
-            <a:ext cx="1285875" cy="365125"/>
+            <a:off x="392906" y="6568230"/>
+            <a:ext cx="1285875" cy="377296"/>
           </a:xfrm>
           <a:prstGeom prst="rect">
             <a:avLst/>
@@ -2566,7 +2566,7 @@
           <a:p>
             <a:fld id="{6B6CC2A7-A866-42C2-A27A-50AEF0DF511B}" type="datetimeFigureOut">
               <a:rPr lang="en-US" smtClean="0"/>
-              <a:t>9/20/2021</a:t>
+              <a:t>1/20/2022</a:t>
             </a:fld>
             <a:endParaRPr lang="en-US"/>
           </a:p>
@@ -2584,8 +2584,8 @@
         </p:nvSpPr>
         <p:spPr>
           <a:xfrm>
-            <a:off x="1893094" y="6356352"/>
-            <a:ext cx="1928813" cy="365125"/>
+            <a:off x="1893094" y="6568230"/>
+            <a:ext cx="1928813" cy="377296"/>
           </a:xfrm>
           <a:prstGeom prst="rect">
             <a:avLst/>
@@ -2621,8 +2621,8 @@
         </p:nvSpPr>
         <p:spPr>
           <a:xfrm>
-            <a:off x="4036219" y="6356352"/>
-            <a:ext cx="1285875" cy="365125"/>
+            <a:off x="4036219" y="6568230"/>
+            <a:ext cx="1285875" cy="377296"/>
           </a:xfrm>
           <a:prstGeom prst="rect">
             <a:avLst/>
@@ -2653,23 +2653,23 @@
     </p:spTree>
     <p:extLst>
       <p:ext uri="{BB962C8B-B14F-4D97-AF65-F5344CB8AC3E}">
-        <p14:creationId xmlns:p14="http://schemas.microsoft.com/office/powerpoint/2010/main" val="479687100"/>
+        <p14:creationId xmlns:p14="http://schemas.microsoft.com/office/powerpoint/2010/main" val="1524180691"/>
       </p:ext>
     </p:extLst>
   </p:cSld>
   <p:clrMap bg1="lt1" tx1="dk1" bg2="lt2" tx2="dk2" accent1="accent1" accent2="accent2" accent3="accent3" accent4="accent4" accent5="accent5" accent6="accent6" hlink="hlink" folHlink="folHlink"/>
   <p:sldLayoutIdLst>
-    <p:sldLayoutId id="2147483661" r:id="rId1"/>
-    <p:sldLayoutId id="2147483662" r:id="rId2"/>
-    <p:sldLayoutId id="2147483663" r:id="rId3"/>
-    <p:sldLayoutId id="2147483664" r:id="rId4"/>
-    <p:sldLayoutId id="2147483665" r:id="rId5"/>
-    <p:sldLayoutId id="2147483666" r:id="rId6"/>
-    <p:sldLayoutId id="2147483667" r:id="rId7"/>
-    <p:sldLayoutId id="2147483668" r:id="rId8"/>
-    <p:sldLayoutId id="2147483669" r:id="rId9"/>
-    <p:sldLayoutId id="2147483670" r:id="rId10"/>
-    <p:sldLayoutId id="2147483671" r:id="rId11"/>
+    <p:sldLayoutId id="2147483673" r:id="rId1"/>
+    <p:sldLayoutId id="2147483674" r:id="rId2"/>
+    <p:sldLayoutId id="2147483675" r:id="rId3"/>
+    <p:sldLayoutId id="2147483676" r:id="rId4"/>
+    <p:sldLayoutId id="2147483677" r:id="rId5"/>
+    <p:sldLayoutId id="2147483678" r:id="rId6"/>
+    <p:sldLayoutId id="2147483679" r:id="rId7"/>
+    <p:sldLayoutId id="2147483680" r:id="rId8"/>
+    <p:sldLayoutId id="2147483681" r:id="rId9"/>
+    <p:sldLayoutId id="2147483682" r:id="rId10"/>
+    <p:sldLayoutId id="2147483683" r:id="rId11"/>
   </p:sldLayoutIdLst>
   <p:txStyles>
     <p:titleStyle>
@@ -2971,444 +2971,528 @@
           <a:chExt cx="0" cy="0"/>
         </a:xfrm>
       </p:grpSpPr>
-      <p:grpSp>
-        <p:nvGrpSpPr>
-          <p:cNvPr id="8" name="Group 7">
+      <p:sp>
+        <p:nvSpPr>
+          <p:cNvPr id="24" name="Rectangle 23">
             <a:extLst>
               <a:ext uri="{FF2B5EF4-FFF2-40B4-BE49-F238E27FC236}">
-                <a16:creationId xmlns:a16="http://schemas.microsoft.com/office/drawing/2014/main" id="{7786AC18-7899-498D-8F62-A933D0303DAE}"/>
+                <a16:creationId xmlns:a16="http://schemas.microsoft.com/office/drawing/2014/main" id="{13F87077-C6E7-4BB1-B0E5-C6ADA08FD2FD}"/>
               </a:ext>
             </a:extLst>
           </p:cNvPr>
-          <p:cNvGrpSpPr/>
+          <p:cNvSpPr/>
           <p:nvPr/>
-        </p:nvGrpSpPr>
-        <p:grpSpPr>
+        </p:nvSpPr>
+        <p:spPr>
           <a:xfrm>
-            <a:off x="-3358" y="0"/>
-            <a:ext cx="5718358" cy="6798930"/>
-            <a:chOff x="3048113" y="59070"/>
-            <a:chExt cx="5718358" cy="6798930"/>
+            <a:off x="-1679" y="0"/>
+            <a:ext cx="5718358" cy="7086600"/>
           </a:xfrm>
-        </p:grpSpPr>
-        <p:sp>
-          <p:nvSpPr>
-            <p:cNvPr id="24" name="Rectangle 23">
-              <a:extLst>
-                <a:ext uri="{FF2B5EF4-FFF2-40B4-BE49-F238E27FC236}">
-                  <a16:creationId xmlns:a16="http://schemas.microsoft.com/office/drawing/2014/main" id="{13F87077-C6E7-4BB1-B0E5-C6ADA08FD2FD}"/>
-                </a:ext>
-              </a:extLst>
-            </p:cNvPr>
-            <p:cNvSpPr/>
-            <p:nvPr/>
-          </p:nvSpPr>
-          <p:spPr>
-            <a:xfrm>
-              <a:off x="3048113" y="71155"/>
-              <a:ext cx="5718358" cy="6786845"/>
-            </a:xfrm>
-            <a:prstGeom prst="rect">
-              <a:avLst/>
-            </a:prstGeom>
-            <a:solidFill>
-              <a:schemeClr val="bg1"/>
-            </a:solidFill>
-            <a:ln>
-              <a:noFill/>
-            </a:ln>
-          </p:spPr>
-          <p:style>
-            <a:lnRef idx="2">
-              <a:schemeClr val="accent1">
-                <a:shade val="50000"/>
-              </a:schemeClr>
-            </a:lnRef>
-            <a:fillRef idx="1">
-              <a:schemeClr val="accent1"/>
-            </a:fillRef>
-            <a:effectRef idx="0">
-              <a:schemeClr val="accent1"/>
-            </a:effectRef>
-            <a:fontRef idx="minor">
-              <a:schemeClr val="lt1"/>
-            </a:fontRef>
-          </p:style>
-          <p:txBody>
-            <a:bodyPr rtlCol="0" anchor="ctr"/>
-            <a:lstStyle/>
-            <a:p>
-              <a:pPr algn="ctr"/>
-              <a:endParaRPr lang="en-US"/>
-            </a:p>
-          </p:txBody>
-        </p:sp>
-        <p:pic>
-          <p:nvPicPr>
-            <p:cNvPr id="4" name="Picture 3">
-              <a:extLst>
-                <a:ext uri="{FF2B5EF4-FFF2-40B4-BE49-F238E27FC236}">
-                  <a16:creationId xmlns:a16="http://schemas.microsoft.com/office/drawing/2014/main" id="{228F41EE-29A6-452F-8590-D42C4EA9FFA4}"/>
-                </a:ext>
-              </a:extLst>
-            </p:cNvPr>
-            <p:cNvPicPr>
-              <a:picLocks noChangeAspect="1"/>
-            </p:cNvPicPr>
-            <p:nvPr/>
-          </p:nvPicPr>
-          <p:blipFill rotWithShape="1">
-            <a:blip r:embed="rId2">
-              <a:extLst>
-                <a:ext uri="{28A0092B-C50C-407E-A947-70E740481C1C}">
-                  <a14:useLocalDpi xmlns:a14="http://schemas.microsoft.com/office/drawing/2010/main" val="0"/>
-                </a:ext>
-              </a:extLst>
-            </a:blip>
-            <a:srcRect l="12153" t="5104" r="10567" b="10958"/>
-            <a:stretch/>
-          </p:blipFill>
-          <p:spPr>
-            <a:xfrm>
-              <a:off x="3155022" y="59070"/>
-              <a:ext cx="3783807" cy="3931157"/>
-            </a:xfrm>
-            <a:prstGeom prst="rect">
-              <a:avLst/>
-            </a:prstGeom>
-          </p:spPr>
-        </p:pic>
-        <p:grpSp>
-          <p:nvGrpSpPr>
-            <p:cNvPr id="16" name="Group 15">
-              <a:extLst>
-                <a:ext uri="{FF2B5EF4-FFF2-40B4-BE49-F238E27FC236}">
-                  <a16:creationId xmlns:a16="http://schemas.microsoft.com/office/drawing/2014/main" id="{944E5CC4-444B-486A-B448-4FFDE743C575}"/>
-                </a:ext>
-              </a:extLst>
-            </p:cNvPr>
-            <p:cNvGrpSpPr/>
-            <p:nvPr/>
-          </p:nvGrpSpPr>
-          <p:grpSpPr>
-            <a:xfrm>
-              <a:off x="3399756" y="71155"/>
-              <a:ext cx="5293554" cy="4404165"/>
-              <a:chOff x="1255098" y="426127"/>
-              <a:chExt cx="7046174" cy="5706574"/>
-            </a:xfrm>
-          </p:grpSpPr>
-          <p:pic>
-            <p:nvPicPr>
-              <p:cNvPr id="9" name="Picture 8">
-                <a:extLst>
-                  <a:ext uri="{FF2B5EF4-FFF2-40B4-BE49-F238E27FC236}">
-                    <a16:creationId xmlns:a16="http://schemas.microsoft.com/office/drawing/2014/main" id="{F24D8402-B827-4A57-AFA8-205E25DA283F}"/>
-                  </a:ext>
-                </a:extLst>
-              </p:cNvPr>
-              <p:cNvPicPr>
-                <a:picLocks noChangeAspect="1"/>
-              </p:cNvPicPr>
-              <p:nvPr/>
-            </p:nvPicPr>
-            <p:blipFill rotWithShape="1">
-              <a:blip r:embed="rId3">
-                <a:extLst>
-                  <a:ext uri="{28A0092B-C50C-407E-A947-70E740481C1C}">
-                    <a14:useLocalDpi xmlns:a14="http://schemas.microsoft.com/office/drawing/2010/main" val="0"/>
-                  </a:ext>
-                </a:extLst>
-              </a:blip>
-              <a:srcRect l="30533" r="28191" b="11010"/>
-              <a:stretch/>
-            </p:blipFill>
-            <p:spPr>
-              <a:xfrm>
-                <a:off x="5794002" y="426127"/>
-                <a:ext cx="2420386" cy="5078028"/>
-              </a:xfrm>
-              <a:prstGeom prst="rect">
-                <a:avLst/>
-              </a:prstGeom>
-            </p:spPr>
-          </p:pic>
-          <p:pic>
-            <p:nvPicPr>
-              <p:cNvPr id="11" name="Picture 10">
-                <a:extLst>
-                  <a:ext uri="{FF2B5EF4-FFF2-40B4-BE49-F238E27FC236}">
-                    <a16:creationId xmlns:a16="http://schemas.microsoft.com/office/drawing/2014/main" id="{E808B232-3F6D-4BA0-A763-FF64EAF710AE}"/>
-                  </a:ext>
-                </a:extLst>
-              </p:cNvPr>
-              <p:cNvPicPr>
-                <a:picLocks noChangeAspect="1"/>
-              </p:cNvPicPr>
-              <p:nvPr/>
-            </p:nvPicPr>
-            <p:blipFill rotWithShape="1">
-              <a:blip r:embed="rId3">
-                <a:extLst>
-                  <a:ext uri="{28A0092B-C50C-407E-A947-70E740481C1C}">
-                    <a14:useLocalDpi xmlns:a14="http://schemas.microsoft.com/office/drawing/2010/main" val="0"/>
-                  </a:ext>
-                </a:extLst>
-              </a:blip>
-              <a:srcRect l="26071" t="88342" r="23914"/>
-              <a:stretch/>
-            </p:blipFill>
-            <p:spPr>
-              <a:xfrm>
-                <a:off x="5282865" y="5450446"/>
-                <a:ext cx="3018407" cy="682255"/>
-              </a:xfrm>
-              <a:prstGeom prst="rect">
-                <a:avLst/>
-              </a:prstGeom>
-            </p:spPr>
-          </p:pic>
-          <p:sp>
-            <p:nvSpPr>
-              <p:cNvPr id="13" name="TextBox 12">
-                <a:extLst>
-                  <a:ext uri="{FF2B5EF4-FFF2-40B4-BE49-F238E27FC236}">
-                    <a16:creationId xmlns:a16="http://schemas.microsoft.com/office/drawing/2014/main" id="{B6F3E780-0B33-495A-AFB8-4A828E1841D8}"/>
-                  </a:ext>
-                </a:extLst>
-              </p:cNvPr>
-              <p:cNvSpPr txBox="1"/>
-              <p:nvPr/>
-            </p:nvSpPr>
-            <p:spPr>
-              <a:xfrm>
-                <a:off x="1255098" y="426127"/>
-                <a:ext cx="319596" cy="338974"/>
-              </a:xfrm>
-              <a:prstGeom prst="rect">
-                <a:avLst/>
-              </a:prstGeom>
-              <a:noFill/>
-            </p:spPr>
-            <p:txBody>
-              <a:bodyPr wrap="square" rtlCol="0">
-                <a:spAutoFit/>
-              </a:bodyPr>
-              <a:lstStyle/>
-              <a:p>
-                <a:r>
-                  <a:rPr lang="en-AU" sz="1100" dirty="0">
-                    <a:latin typeface="Arial" panose="020B0604020202020204" pitchFamily="34" charset="0"/>
-                    <a:cs typeface="Arial" panose="020B0604020202020204" pitchFamily="34" charset="0"/>
-                  </a:rPr>
-                  <a:t>A</a:t>
-                </a:r>
-                <a:endParaRPr lang="en-US" sz="1100" dirty="0">
-                  <a:latin typeface="Arial" panose="020B0604020202020204" pitchFamily="34" charset="0"/>
-                  <a:cs typeface="Arial" panose="020B0604020202020204" pitchFamily="34" charset="0"/>
-                </a:endParaRPr>
-              </a:p>
-            </p:txBody>
-          </p:sp>
-          <p:sp>
-            <p:nvSpPr>
-              <p:cNvPr id="14" name="TextBox 13">
-                <a:extLst>
-                  <a:ext uri="{FF2B5EF4-FFF2-40B4-BE49-F238E27FC236}">
-                    <a16:creationId xmlns:a16="http://schemas.microsoft.com/office/drawing/2014/main" id="{5F2F841A-7B42-47A4-833A-CDCD04397B29}"/>
-                  </a:ext>
-                </a:extLst>
-              </p:cNvPr>
-              <p:cNvSpPr txBox="1"/>
-              <p:nvPr/>
-            </p:nvSpPr>
-            <p:spPr>
-              <a:xfrm>
-                <a:off x="3492624" y="426127"/>
-                <a:ext cx="319596" cy="338974"/>
-              </a:xfrm>
-              <a:prstGeom prst="rect">
-                <a:avLst/>
-              </a:prstGeom>
-              <a:noFill/>
-            </p:spPr>
-            <p:txBody>
-              <a:bodyPr wrap="square" rtlCol="0">
-                <a:spAutoFit/>
-              </a:bodyPr>
-              <a:lstStyle/>
-              <a:p>
-                <a:r>
-                  <a:rPr lang="en-AU" sz="1100" dirty="0">
-                    <a:latin typeface="Arial" panose="020B0604020202020204" pitchFamily="34" charset="0"/>
-                    <a:cs typeface="Arial" panose="020B0604020202020204" pitchFamily="34" charset="0"/>
-                  </a:rPr>
-                  <a:t>B</a:t>
-                </a:r>
-                <a:endParaRPr lang="en-US" sz="1100" dirty="0">
-                  <a:latin typeface="Arial" panose="020B0604020202020204" pitchFamily="34" charset="0"/>
-                  <a:cs typeface="Arial" panose="020B0604020202020204" pitchFamily="34" charset="0"/>
-                </a:endParaRPr>
-              </a:p>
-            </p:txBody>
-          </p:sp>
-          <p:sp>
-            <p:nvSpPr>
-              <p:cNvPr id="15" name="TextBox 14">
-                <a:extLst>
-                  <a:ext uri="{FF2B5EF4-FFF2-40B4-BE49-F238E27FC236}">
-                    <a16:creationId xmlns:a16="http://schemas.microsoft.com/office/drawing/2014/main" id="{43E0B0CE-4BBF-4251-9503-F0FE7B74D668}"/>
-                  </a:ext>
-                </a:extLst>
-              </p:cNvPr>
-              <p:cNvSpPr txBox="1"/>
-              <p:nvPr/>
-            </p:nvSpPr>
-            <p:spPr>
-              <a:xfrm>
-                <a:off x="5797178" y="440256"/>
-                <a:ext cx="319596" cy="338974"/>
-              </a:xfrm>
-              <a:prstGeom prst="rect">
-                <a:avLst/>
-              </a:prstGeom>
-              <a:noFill/>
-            </p:spPr>
-            <p:txBody>
-              <a:bodyPr wrap="square" rtlCol="0">
-                <a:spAutoFit/>
-              </a:bodyPr>
-              <a:lstStyle/>
-              <a:p>
-                <a:r>
-                  <a:rPr lang="en-AU" sz="1100" dirty="0">
-                    <a:latin typeface="Arial" panose="020B0604020202020204" pitchFamily="34" charset="0"/>
-                    <a:cs typeface="Arial" panose="020B0604020202020204" pitchFamily="34" charset="0"/>
-                  </a:rPr>
-                  <a:t>C</a:t>
-                </a:r>
-                <a:endParaRPr lang="en-US" sz="1100" dirty="0">
-                  <a:latin typeface="Arial" panose="020B0604020202020204" pitchFamily="34" charset="0"/>
-                  <a:cs typeface="Arial" panose="020B0604020202020204" pitchFamily="34" charset="0"/>
-                </a:endParaRPr>
-              </a:p>
-            </p:txBody>
-          </p:sp>
-        </p:grpSp>
-        <p:pic>
-          <p:nvPicPr>
-            <p:cNvPr id="3" name="Picture 2">
-              <a:extLst>
-                <a:ext uri="{FF2B5EF4-FFF2-40B4-BE49-F238E27FC236}">
-                  <a16:creationId xmlns:a16="http://schemas.microsoft.com/office/drawing/2014/main" id="{A1CAF3BD-186F-490F-AC45-0580481FE37F}"/>
-                </a:ext>
-              </a:extLst>
-            </p:cNvPr>
-            <p:cNvPicPr>
-              <a:picLocks noChangeAspect="1"/>
-            </p:cNvPicPr>
-            <p:nvPr/>
-          </p:nvPicPr>
-          <p:blipFill>
-            <a:blip r:embed="rId4">
-              <a:extLst>
-                <a:ext uri="{28A0092B-C50C-407E-A947-70E740481C1C}">
-                  <a14:useLocalDpi xmlns:a14="http://schemas.microsoft.com/office/drawing/2010/main" val="0"/>
-                </a:ext>
-              </a:extLst>
-            </a:blip>
-            <a:stretch>
-              <a:fillRect/>
-            </a:stretch>
-          </p:blipFill>
-          <p:spPr>
-            <a:xfrm>
-              <a:off x="3048113" y="4383629"/>
-              <a:ext cx="5544983" cy="2464437"/>
-            </a:xfrm>
-            <a:prstGeom prst="rect">
-              <a:avLst/>
-            </a:prstGeom>
-          </p:spPr>
-        </p:pic>
-        <p:sp>
-          <p:nvSpPr>
-            <p:cNvPr id="23" name="TextBox 22">
-              <a:extLst>
-                <a:ext uri="{FF2B5EF4-FFF2-40B4-BE49-F238E27FC236}">
-                  <a16:creationId xmlns:a16="http://schemas.microsoft.com/office/drawing/2014/main" id="{ACB22D61-3FF8-4120-882C-F091FD3A53F0}"/>
-                </a:ext>
-              </a:extLst>
-            </p:cNvPr>
-            <p:cNvSpPr txBox="1"/>
-            <p:nvPr/>
-          </p:nvSpPr>
-          <p:spPr>
-            <a:xfrm>
-              <a:off x="3428067" y="4387269"/>
-              <a:ext cx="240102" cy="261610"/>
-            </a:xfrm>
-            <a:prstGeom prst="rect">
-              <a:avLst/>
-            </a:prstGeom>
+          <a:prstGeom prst="rect">
+            <a:avLst/>
+          </a:prstGeom>
+          <a:solidFill>
+            <a:schemeClr val="bg1"/>
+          </a:solidFill>
+          <a:ln>
             <a:noFill/>
-          </p:spPr>
-          <p:txBody>
-            <a:bodyPr wrap="square" rtlCol="0">
-              <a:spAutoFit/>
-            </a:bodyPr>
-            <a:lstStyle/>
-            <a:p>
-              <a:r>
-                <a:rPr lang="en-AU" sz="1100" dirty="0">
-                  <a:latin typeface="Arial" panose="020B0604020202020204" pitchFamily="34" charset="0"/>
-                  <a:cs typeface="Arial" panose="020B0604020202020204" pitchFamily="34" charset="0"/>
-                </a:rPr>
-                <a:t>D</a:t>
-              </a:r>
-              <a:endParaRPr lang="en-US" sz="1100" dirty="0">
+          </a:ln>
+        </p:spPr>
+        <p:style>
+          <a:lnRef idx="2">
+            <a:schemeClr val="accent1">
+              <a:shade val="50000"/>
+            </a:schemeClr>
+          </a:lnRef>
+          <a:fillRef idx="1">
+            <a:schemeClr val="accent1"/>
+          </a:fillRef>
+          <a:effectRef idx="0">
+            <a:schemeClr val="accent1"/>
+          </a:effectRef>
+          <a:fontRef idx="minor">
+            <a:schemeClr val="lt1"/>
+          </a:fontRef>
+        </p:style>
+        <p:txBody>
+          <a:bodyPr rtlCol="0" anchor="ctr"/>
+          <a:lstStyle/>
+          <a:p>
+            <a:pPr algn="ctr"/>
+            <a:endParaRPr lang="en-US" dirty="0"/>
+          </a:p>
+        </p:txBody>
+      </p:sp>
+      <p:sp>
+        <p:nvSpPr>
+          <p:cNvPr id="13" name="TextBox 12">
+            <a:extLst>
+              <a:ext uri="{FF2B5EF4-FFF2-40B4-BE49-F238E27FC236}">
+                <a16:creationId xmlns:a16="http://schemas.microsoft.com/office/drawing/2014/main" id="{B6F3E780-0B33-495A-AFB8-4A828E1841D8}"/>
+              </a:ext>
+            </a:extLst>
+          </p:cNvPr>
+          <p:cNvSpPr txBox="1"/>
+          <p:nvPr/>
+        </p:nvSpPr>
+        <p:spPr>
+          <a:xfrm>
+            <a:off x="293759" y="52499"/>
+            <a:ext cx="240102" cy="261610"/>
+          </a:xfrm>
+          <a:prstGeom prst="rect">
+            <a:avLst/>
+          </a:prstGeom>
+          <a:noFill/>
+        </p:spPr>
+        <p:txBody>
+          <a:bodyPr wrap="square" rtlCol="0">
+            <a:spAutoFit/>
+          </a:bodyPr>
+          <a:lstStyle/>
+          <a:p>
+            <a:r>
+              <a:rPr lang="en-AU" sz="1100" dirty="0">
                 <a:latin typeface="Arial" panose="020B0604020202020204" pitchFamily="34" charset="0"/>
                 <a:cs typeface="Arial" panose="020B0604020202020204" pitchFamily="34" charset="0"/>
-              </a:endParaRPr>
-            </a:p>
-          </p:txBody>
-        </p:sp>
-        <p:pic>
-          <p:nvPicPr>
-            <p:cNvPr id="7" name="Picture 6">
-              <a:extLst>
-                <a:ext uri="{FF2B5EF4-FFF2-40B4-BE49-F238E27FC236}">
-                  <a16:creationId xmlns:a16="http://schemas.microsoft.com/office/drawing/2014/main" id="{4C56F0F6-14D6-4739-A0F3-CDF07A4EBA3A}"/>
-                </a:ext>
-              </a:extLst>
-            </p:cNvPr>
-            <p:cNvPicPr>
-              <a:picLocks noChangeAspect="1"/>
-            </p:cNvPicPr>
-            <p:nvPr/>
-          </p:nvPicPr>
-          <p:blipFill rotWithShape="1">
-            <a:blip r:embed="rId2">
-              <a:extLst>
-                <a:ext uri="{28A0092B-C50C-407E-A947-70E740481C1C}">
-                  <a14:useLocalDpi xmlns:a14="http://schemas.microsoft.com/office/drawing/2010/main" val="0"/>
-                </a:ext>
-              </a:extLst>
-            </a:blip>
-            <a:srcRect l="26570" t="89091" r="21546"/>
-            <a:stretch/>
-          </p:blipFill>
-          <p:spPr>
-            <a:xfrm>
-              <a:off x="3863004" y="3967552"/>
-              <a:ext cx="2267628" cy="456063"/>
-            </a:xfrm>
-            <a:prstGeom prst="rect">
-              <a:avLst/>
-            </a:prstGeom>
-          </p:spPr>
-        </p:pic>
-      </p:grpSp>
+              </a:rPr>
+              <a:t>A</a:t>
+            </a:r>
+            <a:endParaRPr lang="en-US" sz="1100" dirty="0">
+              <a:latin typeface="Arial" panose="020B0604020202020204" pitchFamily="34" charset="0"/>
+              <a:cs typeface="Arial" panose="020B0604020202020204" pitchFamily="34" charset="0"/>
+            </a:endParaRPr>
+          </a:p>
+        </p:txBody>
+      </p:sp>
+      <p:sp>
+        <p:nvSpPr>
+          <p:cNvPr id="14" name="TextBox 13">
+            <a:extLst>
+              <a:ext uri="{FF2B5EF4-FFF2-40B4-BE49-F238E27FC236}">
+                <a16:creationId xmlns:a16="http://schemas.microsoft.com/office/drawing/2014/main" id="{5F2F841A-7B42-47A4-833A-CDCD04397B29}"/>
+              </a:ext>
+            </a:extLst>
+          </p:cNvPr>
+          <p:cNvSpPr txBox="1"/>
+          <p:nvPr/>
+        </p:nvSpPr>
+        <p:spPr>
+          <a:xfrm>
+            <a:off x="1953486" y="52499"/>
+            <a:ext cx="240102" cy="261610"/>
+          </a:xfrm>
+          <a:prstGeom prst="rect">
+            <a:avLst/>
+          </a:prstGeom>
+          <a:noFill/>
+        </p:spPr>
+        <p:txBody>
+          <a:bodyPr wrap="square" rtlCol="0">
+            <a:spAutoFit/>
+          </a:bodyPr>
+          <a:lstStyle/>
+          <a:p>
+            <a:r>
+              <a:rPr lang="en-AU" sz="1100" dirty="0">
+                <a:latin typeface="Arial" panose="020B0604020202020204" pitchFamily="34" charset="0"/>
+                <a:cs typeface="Arial" panose="020B0604020202020204" pitchFamily="34" charset="0"/>
+              </a:rPr>
+              <a:t>B</a:t>
+            </a:r>
+            <a:endParaRPr lang="en-US" sz="1100" dirty="0">
+              <a:latin typeface="Arial" panose="020B0604020202020204" pitchFamily="34" charset="0"/>
+              <a:cs typeface="Arial" panose="020B0604020202020204" pitchFamily="34" charset="0"/>
+            </a:endParaRPr>
+          </a:p>
+        </p:txBody>
+      </p:sp>
+      <p:sp>
+        <p:nvSpPr>
+          <p:cNvPr id="23" name="TextBox 22">
+            <a:extLst>
+              <a:ext uri="{FF2B5EF4-FFF2-40B4-BE49-F238E27FC236}">
+                <a16:creationId xmlns:a16="http://schemas.microsoft.com/office/drawing/2014/main" id="{ACB22D61-3FF8-4120-882C-F091FD3A53F0}"/>
+              </a:ext>
+            </a:extLst>
+          </p:cNvPr>
+          <p:cNvSpPr txBox="1"/>
+          <p:nvPr/>
+        </p:nvSpPr>
+        <p:spPr>
+          <a:xfrm>
+            <a:off x="376596" y="4442499"/>
+            <a:ext cx="240102" cy="261610"/>
+          </a:xfrm>
+          <a:prstGeom prst="rect">
+            <a:avLst/>
+          </a:prstGeom>
+          <a:noFill/>
+        </p:spPr>
+        <p:txBody>
+          <a:bodyPr wrap="square" rtlCol="0">
+            <a:spAutoFit/>
+          </a:bodyPr>
+          <a:lstStyle/>
+          <a:p>
+            <a:r>
+              <a:rPr lang="en-AU" sz="1100" dirty="0">
+                <a:latin typeface="Arial" panose="020B0604020202020204" pitchFamily="34" charset="0"/>
+                <a:cs typeface="Arial" panose="020B0604020202020204" pitchFamily="34" charset="0"/>
+              </a:rPr>
+              <a:t>D</a:t>
+            </a:r>
+            <a:endParaRPr lang="en-US" sz="1100" dirty="0">
+              <a:latin typeface="Arial" panose="020B0604020202020204" pitchFamily="34" charset="0"/>
+              <a:cs typeface="Arial" panose="020B0604020202020204" pitchFamily="34" charset="0"/>
+            </a:endParaRPr>
+          </a:p>
+        </p:txBody>
+      </p:sp>
+      <p:pic>
+        <p:nvPicPr>
+          <p:cNvPr id="17" name="Picture 16">
+            <a:extLst>
+              <a:ext uri="{FF2B5EF4-FFF2-40B4-BE49-F238E27FC236}">
+                <a16:creationId xmlns:a16="http://schemas.microsoft.com/office/drawing/2014/main" id="{FF61D861-1F6D-410F-92BB-B87B82400A8E}"/>
+              </a:ext>
+            </a:extLst>
+          </p:cNvPr>
+          <p:cNvPicPr>
+            <a:picLocks noChangeAspect="1"/>
+          </p:cNvPicPr>
+          <p:nvPr/>
+        </p:nvPicPr>
+        <p:blipFill rotWithShape="1">
+          <a:blip r:embed="rId2">
+            <a:extLst>
+              <a:ext uri="{28A0092B-C50C-407E-A947-70E740481C1C}">
+                <a14:useLocalDpi xmlns:a14="http://schemas.microsoft.com/office/drawing/2010/main" val="0"/>
+              </a:ext>
+            </a:extLst>
+          </a:blip>
+          <a:srcRect l="14259" t="6008" r="13529" b="12363"/>
+          <a:stretch/>
+        </p:blipFill>
+        <p:spPr>
+          <a:xfrm>
+            <a:off x="3359" y="39606"/>
+            <a:ext cx="3755297" cy="4060460"/>
+          </a:xfrm>
+          <a:prstGeom prst="rect">
+            <a:avLst/>
+          </a:prstGeom>
+        </p:spPr>
+      </p:pic>
+      <p:pic>
+        <p:nvPicPr>
+          <p:cNvPr id="11" name="Picture 10">
+            <a:extLst>
+              <a:ext uri="{FF2B5EF4-FFF2-40B4-BE49-F238E27FC236}">
+                <a16:creationId xmlns:a16="http://schemas.microsoft.com/office/drawing/2014/main" id="{E808B232-3F6D-4BA0-A763-FF64EAF710AE}"/>
+              </a:ext>
+            </a:extLst>
+          </p:cNvPr>
+          <p:cNvPicPr>
+            <a:picLocks noChangeAspect="1"/>
+          </p:cNvPicPr>
+          <p:nvPr/>
+        </p:nvPicPr>
+        <p:blipFill rotWithShape="1">
+          <a:blip r:embed="rId3">
+            <a:extLst>
+              <a:ext uri="{28A0092B-C50C-407E-A947-70E740481C1C}">
+                <a14:useLocalDpi xmlns:a14="http://schemas.microsoft.com/office/drawing/2010/main" val="0"/>
+              </a:ext>
+            </a:extLst>
+          </a:blip>
+          <a:srcRect l="26071" t="88342" r="23914"/>
+          <a:stretch/>
+        </p:blipFill>
+        <p:spPr>
+          <a:xfrm>
+            <a:off x="3121158" y="4090231"/>
+            <a:ext cx="1873943" cy="435130"/>
+          </a:xfrm>
+          <a:prstGeom prst="rect">
+            <a:avLst/>
+          </a:prstGeom>
+        </p:spPr>
+      </p:pic>
+      <p:pic>
+        <p:nvPicPr>
+          <p:cNvPr id="5" name="Picture 4">
+            <a:extLst>
+              <a:ext uri="{FF2B5EF4-FFF2-40B4-BE49-F238E27FC236}">
+                <a16:creationId xmlns:a16="http://schemas.microsoft.com/office/drawing/2014/main" id="{C01DD315-6871-49BC-8B03-1BF2ADA3F3D4}"/>
+              </a:ext>
+            </a:extLst>
+          </p:cNvPr>
+          <p:cNvPicPr>
+            <a:picLocks noChangeAspect="1"/>
+          </p:cNvPicPr>
+          <p:nvPr/>
+        </p:nvPicPr>
+        <p:blipFill rotWithShape="1">
+          <a:blip r:embed="rId4">
+            <a:extLst>
+              <a:ext uri="{28A0092B-C50C-407E-A947-70E740481C1C}">
+                <a14:useLocalDpi xmlns:a14="http://schemas.microsoft.com/office/drawing/2010/main" val="0"/>
+              </a:ext>
+            </a:extLst>
+          </a:blip>
+          <a:srcRect l="30714" t="781" r="30602" b="11046"/>
+          <a:stretch/>
+        </p:blipFill>
+        <p:spPr>
+          <a:xfrm>
+            <a:off x="3692752" y="39606"/>
+            <a:ext cx="1837157" cy="4154292"/>
+          </a:xfrm>
+          <a:prstGeom prst="rect">
+            <a:avLst/>
+          </a:prstGeom>
+        </p:spPr>
+      </p:pic>
+      <p:pic>
+        <p:nvPicPr>
+          <p:cNvPr id="7" name="Picture 6">
+            <a:extLst>
+              <a:ext uri="{FF2B5EF4-FFF2-40B4-BE49-F238E27FC236}">
+                <a16:creationId xmlns:a16="http://schemas.microsoft.com/office/drawing/2014/main" id="{4C56F0F6-14D6-4739-A0F3-CDF07A4EBA3A}"/>
+              </a:ext>
+            </a:extLst>
+          </p:cNvPr>
+          <p:cNvPicPr>
+            <a:picLocks noChangeAspect="1"/>
+          </p:cNvPicPr>
+          <p:nvPr/>
+        </p:nvPicPr>
+        <p:blipFill rotWithShape="1">
+          <a:blip r:embed="rId5">
+            <a:extLst>
+              <a:ext uri="{28A0092B-C50C-407E-A947-70E740481C1C}">
+                <a14:useLocalDpi xmlns:a14="http://schemas.microsoft.com/office/drawing/2010/main" val="0"/>
+              </a:ext>
+            </a:extLst>
+          </a:blip>
+          <a:srcRect l="26570" t="89091" r="21546"/>
+          <a:stretch/>
+        </p:blipFill>
+        <p:spPr>
+          <a:xfrm>
+            <a:off x="619378" y="4101437"/>
+            <a:ext cx="1974471" cy="397103"/>
+          </a:xfrm>
+          <a:prstGeom prst="rect">
+            <a:avLst/>
+          </a:prstGeom>
+        </p:spPr>
+      </p:pic>
+      <p:pic>
+        <p:nvPicPr>
+          <p:cNvPr id="3" name="Picture 2">
+            <a:extLst>
+              <a:ext uri="{FF2B5EF4-FFF2-40B4-BE49-F238E27FC236}">
+                <a16:creationId xmlns:a16="http://schemas.microsoft.com/office/drawing/2014/main" id="{A1CAF3BD-186F-490F-AC45-0580481FE37F}"/>
+              </a:ext>
+            </a:extLst>
+          </p:cNvPr>
+          <p:cNvPicPr>
+            <a:picLocks noChangeAspect="1"/>
+          </p:cNvPicPr>
+          <p:nvPr/>
+        </p:nvPicPr>
+        <p:blipFill>
+          <a:blip r:embed="rId6">
+            <a:extLst>
+              <a:ext uri="{28A0092B-C50C-407E-A947-70E740481C1C}">
+                <a14:useLocalDpi xmlns:a14="http://schemas.microsoft.com/office/drawing/2010/main" val="0"/>
+              </a:ext>
+            </a:extLst>
+          </a:blip>
+          <a:stretch>
+            <a:fillRect/>
+          </a:stretch>
+        </p:blipFill>
+        <p:spPr>
+          <a:xfrm>
+            <a:off x="-3358" y="4438860"/>
+            <a:ext cx="5544983" cy="2464437"/>
+          </a:xfrm>
+          <a:prstGeom prst="rect">
+            <a:avLst/>
+          </a:prstGeom>
+        </p:spPr>
+      </p:pic>
+      <p:sp>
+        <p:nvSpPr>
+          <p:cNvPr id="15" name="TextBox 14">
+            <a:extLst>
+              <a:ext uri="{FF2B5EF4-FFF2-40B4-BE49-F238E27FC236}">
+                <a16:creationId xmlns:a16="http://schemas.microsoft.com/office/drawing/2014/main" id="{43E0B0CE-4BBF-4251-9503-F0FE7B74D668}"/>
+              </a:ext>
+            </a:extLst>
+          </p:cNvPr>
+          <p:cNvSpPr txBox="1"/>
+          <p:nvPr/>
+        </p:nvSpPr>
+        <p:spPr>
+          <a:xfrm>
+            <a:off x="3772304" y="1783"/>
+            <a:ext cx="240102" cy="261610"/>
+          </a:xfrm>
+          <a:prstGeom prst="rect">
+            <a:avLst/>
+          </a:prstGeom>
+          <a:noFill/>
+        </p:spPr>
+        <p:txBody>
+          <a:bodyPr wrap="square" rtlCol="0">
+            <a:spAutoFit/>
+          </a:bodyPr>
+          <a:lstStyle/>
+          <a:p>
+            <a:r>
+              <a:rPr lang="en-AU" sz="1100" dirty="0">
+                <a:latin typeface="Arial" panose="020B0604020202020204" pitchFamily="34" charset="0"/>
+                <a:cs typeface="Arial" panose="020B0604020202020204" pitchFamily="34" charset="0"/>
+              </a:rPr>
+              <a:t>C</a:t>
+            </a:r>
+            <a:endParaRPr lang="en-US" sz="1100" dirty="0">
+              <a:latin typeface="Arial" panose="020B0604020202020204" pitchFamily="34" charset="0"/>
+              <a:cs typeface="Arial" panose="020B0604020202020204" pitchFamily="34" charset="0"/>
+            </a:endParaRPr>
+          </a:p>
+        </p:txBody>
+      </p:sp>
+      <p:sp>
+        <p:nvSpPr>
+          <p:cNvPr id="20" name="TextBox 19">
+            <a:extLst>
+              <a:ext uri="{FF2B5EF4-FFF2-40B4-BE49-F238E27FC236}">
+                <a16:creationId xmlns:a16="http://schemas.microsoft.com/office/drawing/2014/main" id="{F03A746A-19B7-4610-9860-3012E52B468B}"/>
+              </a:ext>
+            </a:extLst>
+          </p:cNvPr>
+          <p:cNvSpPr txBox="1"/>
+          <p:nvPr/>
+        </p:nvSpPr>
+        <p:spPr>
+          <a:xfrm>
+            <a:off x="273661" y="1783"/>
+            <a:ext cx="240102" cy="261610"/>
+          </a:xfrm>
+          <a:prstGeom prst="rect">
+            <a:avLst/>
+          </a:prstGeom>
+          <a:noFill/>
+        </p:spPr>
+        <p:txBody>
+          <a:bodyPr wrap="square" rtlCol="0">
+            <a:spAutoFit/>
+          </a:bodyPr>
+          <a:lstStyle/>
+          <a:p>
+            <a:r>
+              <a:rPr lang="en-AU" sz="1100" dirty="0">
+                <a:latin typeface="Arial" panose="020B0604020202020204" pitchFamily="34" charset="0"/>
+                <a:cs typeface="Arial" panose="020B0604020202020204" pitchFamily="34" charset="0"/>
+              </a:rPr>
+              <a:t>A</a:t>
+            </a:r>
+            <a:endParaRPr lang="en-US" sz="1100" dirty="0">
+              <a:latin typeface="Arial" panose="020B0604020202020204" pitchFamily="34" charset="0"/>
+              <a:cs typeface="Arial" panose="020B0604020202020204" pitchFamily="34" charset="0"/>
+            </a:endParaRPr>
+          </a:p>
+        </p:txBody>
+      </p:sp>
+      <p:sp>
+        <p:nvSpPr>
+          <p:cNvPr id="21" name="TextBox 20">
+            <a:extLst>
+              <a:ext uri="{FF2B5EF4-FFF2-40B4-BE49-F238E27FC236}">
+                <a16:creationId xmlns:a16="http://schemas.microsoft.com/office/drawing/2014/main" id="{82EC423E-08A1-460B-B013-D6BEAE44B7D9}"/>
+              </a:ext>
+            </a:extLst>
+          </p:cNvPr>
+          <p:cNvSpPr txBox="1"/>
+          <p:nvPr/>
+        </p:nvSpPr>
+        <p:spPr>
+          <a:xfrm>
+            <a:off x="1982076" y="1783"/>
+            <a:ext cx="240102" cy="261610"/>
+          </a:xfrm>
+          <a:prstGeom prst="rect">
+            <a:avLst/>
+          </a:prstGeom>
+          <a:noFill/>
+        </p:spPr>
+        <p:txBody>
+          <a:bodyPr wrap="square" rtlCol="0">
+            <a:spAutoFit/>
+          </a:bodyPr>
+          <a:lstStyle/>
+          <a:p>
+            <a:r>
+              <a:rPr lang="en-AU" sz="1100" dirty="0">
+                <a:latin typeface="Arial" panose="020B0604020202020204" pitchFamily="34" charset="0"/>
+                <a:cs typeface="Arial" panose="020B0604020202020204" pitchFamily="34" charset="0"/>
+              </a:rPr>
+              <a:t>B</a:t>
+            </a:r>
+            <a:endParaRPr lang="en-US" sz="1100" dirty="0">
+              <a:latin typeface="Arial" panose="020B0604020202020204" pitchFamily="34" charset="0"/>
+              <a:cs typeface="Arial" panose="020B0604020202020204" pitchFamily="34" charset="0"/>
+            </a:endParaRPr>
+          </a:p>
+        </p:txBody>
+      </p:sp>
+      <p:sp>
+        <p:nvSpPr>
+          <p:cNvPr id="22" name="TextBox 21">
+            <a:extLst>
+              <a:ext uri="{FF2B5EF4-FFF2-40B4-BE49-F238E27FC236}">
+                <a16:creationId xmlns:a16="http://schemas.microsoft.com/office/drawing/2014/main" id="{FDB6762B-4FD8-440F-AF26-FB25AEDC30EA}"/>
+              </a:ext>
+            </a:extLst>
+          </p:cNvPr>
+          <p:cNvSpPr txBox="1"/>
+          <p:nvPr/>
+        </p:nvSpPr>
+        <p:spPr>
+          <a:xfrm>
+            <a:off x="369466" y="4442499"/>
+            <a:ext cx="240102" cy="261610"/>
+          </a:xfrm>
+          <a:prstGeom prst="rect">
+            <a:avLst/>
+          </a:prstGeom>
+          <a:noFill/>
+        </p:spPr>
+        <p:txBody>
+          <a:bodyPr wrap="square" rtlCol="0">
+            <a:spAutoFit/>
+          </a:bodyPr>
+          <a:lstStyle/>
+          <a:p>
+            <a:r>
+              <a:rPr lang="en-AU" sz="1100" dirty="0">
+                <a:latin typeface="Arial" panose="020B0604020202020204" pitchFamily="34" charset="0"/>
+                <a:cs typeface="Arial" panose="020B0604020202020204" pitchFamily="34" charset="0"/>
+              </a:rPr>
+              <a:t>D</a:t>
+            </a:r>
+            <a:endParaRPr lang="en-US" sz="1100" dirty="0">
+              <a:latin typeface="Arial" panose="020B0604020202020204" pitchFamily="34" charset="0"/>
+              <a:cs typeface="Arial" panose="020B0604020202020204" pitchFamily="34" charset="0"/>
+            </a:endParaRPr>
+          </a:p>
+        </p:txBody>
+      </p:sp>
     </p:spTree>
     <p:extLst>
       <p:ext uri="{BB962C8B-B14F-4D97-AF65-F5344CB8AC3E}">
